--- a/presentation/presentation.pptx
+++ b/presentation/presentation.pptx
@@ -108,6 +108,11 @@
       </a:defRPr>
     </a:lvl9pPr>
   </p:defaultTextStyle>
+  <p:extLst>
+    <p:ext uri="{EFAFB233-063F-42B5-8137-9DF3F51BA10A}">
+      <p15:sldGuideLst xmlns:p15="http://schemas.microsoft.com/office/powerpoint/2012/main"/>
+    </p:ext>
+  </p:extLst>
 </p:presentation>
 </file>
 
@@ -262,7 +267,7 @@
           <a:p>
             <a:fld id="{8C28A28C-4C6A-46EA-90C0-4EE0B89CC5C7}" type="datetimeFigureOut">
               <a:rPr lang="en-US" smtClean="0"/>
-              <a:t>10/11/2023</a:t>
+              <a:t>10/16/2023</a:t>
             </a:fld>
             <a:endParaRPr lang="en-US" dirty="0"/>
           </a:p>
@@ -460,7 +465,7 @@
           <a:p>
             <a:fld id="{8C28A28C-4C6A-46EA-90C0-4EE0B89CC5C7}" type="datetimeFigureOut">
               <a:rPr lang="en-US" smtClean="0"/>
-              <a:t>10/11/2023</a:t>
+              <a:t>10/16/2023</a:t>
             </a:fld>
             <a:endParaRPr lang="en-US"/>
           </a:p>
@@ -668,7 +673,7 @@
           <a:p>
             <a:fld id="{8C28A28C-4C6A-46EA-90C0-4EE0B89CC5C7}" type="datetimeFigureOut">
               <a:rPr lang="en-US" smtClean="0"/>
-              <a:t>10/11/2023</a:t>
+              <a:t>10/16/2023</a:t>
             </a:fld>
             <a:endParaRPr lang="en-US"/>
           </a:p>
@@ -866,7 +871,7 @@
           <a:p>
             <a:fld id="{8C28A28C-4C6A-46EA-90C0-4EE0B89CC5C7}" type="datetimeFigureOut">
               <a:rPr lang="en-US" smtClean="0"/>
-              <a:t>10/11/2023</a:t>
+              <a:t>10/16/2023</a:t>
             </a:fld>
             <a:endParaRPr lang="en-US"/>
           </a:p>
@@ -1143,7 +1148,7 @@
           <a:p>
             <a:fld id="{8C28A28C-4C6A-46EA-90C0-4EE0B89CC5C7}" type="datetimeFigureOut">
               <a:rPr lang="en-US" smtClean="0"/>
-              <a:t>10/11/2023</a:t>
+              <a:t>10/16/2023</a:t>
             </a:fld>
             <a:endParaRPr lang="en-US"/>
           </a:p>
@@ -1408,7 +1413,7 @@
           <a:p>
             <a:fld id="{8C28A28C-4C6A-46EA-90C0-4EE0B89CC5C7}" type="datetimeFigureOut">
               <a:rPr lang="en-US" smtClean="0"/>
-              <a:t>10/11/2023</a:t>
+              <a:t>10/16/2023</a:t>
             </a:fld>
             <a:endParaRPr lang="en-US"/>
           </a:p>
@@ -1820,7 +1825,7 @@
           <a:p>
             <a:fld id="{8C28A28C-4C6A-46EA-90C0-4EE0B89CC5C7}" type="datetimeFigureOut">
               <a:rPr lang="en-US" smtClean="0"/>
-              <a:t>10/11/2023</a:t>
+              <a:t>10/16/2023</a:t>
             </a:fld>
             <a:endParaRPr lang="en-US"/>
           </a:p>
@@ -1961,7 +1966,7 @@
           <a:p>
             <a:fld id="{8C28A28C-4C6A-46EA-90C0-4EE0B89CC5C7}" type="datetimeFigureOut">
               <a:rPr lang="en-US" smtClean="0"/>
-              <a:t>10/11/2023</a:t>
+              <a:t>10/16/2023</a:t>
             </a:fld>
             <a:endParaRPr lang="en-US"/>
           </a:p>
@@ -2074,7 +2079,7 @@
           <a:p>
             <a:fld id="{8C28A28C-4C6A-46EA-90C0-4EE0B89CC5C7}" type="datetimeFigureOut">
               <a:rPr lang="en-US" smtClean="0"/>
-              <a:t>10/11/2023</a:t>
+              <a:t>10/16/2023</a:t>
             </a:fld>
             <a:endParaRPr lang="en-US"/>
           </a:p>
@@ -2387,7 +2392,7 @@
           <a:p>
             <a:fld id="{8C28A28C-4C6A-46EA-90C0-4EE0B89CC5C7}" type="datetimeFigureOut">
               <a:rPr lang="en-US" smtClean="0"/>
-              <a:t>10/11/2023</a:t>
+              <a:t>10/16/2023</a:t>
             </a:fld>
             <a:endParaRPr lang="en-US"/>
           </a:p>
@@ -2675,7 +2680,7 @@
           <a:p>
             <a:fld id="{8C28A28C-4C6A-46EA-90C0-4EE0B89CC5C7}" type="datetimeFigureOut">
               <a:rPr lang="en-US" smtClean="0"/>
-              <a:t>10/11/2023</a:t>
+              <a:t>10/16/2023</a:t>
             </a:fld>
             <a:endParaRPr lang="en-US"/>
           </a:p>
@@ -3030,7 +3035,7 @@
             <a:fld id="{8C28A28C-4C6A-46EA-90C0-4EE0B89CC5C7}" type="datetimeFigureOut">
               <a:rPr lang="en-US" smtClean="0"/>
               <a:pPr/>
-              <a:t>10/11/2023</a:t>
+              <a:t>10/16/2023</a:t>
             </a:fld>
             <a:endParaRPr lang="en-US" dirty="0"/>
           </a:p>
@@ -5438,7 +5443,7 @@
               <a:rPr lang="en-AU" sz="1600" dirty="0">
                 <a:latin typeface="Fira Sans Light" panose="020B0403050000020004" pitchFamily="34" charset="0"/>
               </a:rPr>
-              <a:t>(Where n ≥ 4)</a:t>
+              <a:t>(Where n ≥ 3)</a:t>
             </a:r>
           </a:p>
         </p:txBody>
@@ -7203,7 +7208,7 @@
               <a:rPr lang="en-AU" sz="1600" dirty="0">
                 <a:latin typeface="Fira Sans Light" panose="020B0403050000020004" pitchFamily="34" charset="0"/>
               </a:rPr>
-              <a:t>(Where n ≥ 4)</a:t>
+              <a:t>(Where n ≥ 3)</a:t>
             </a:r>
           </a:p>
         </p:txBody>
@@ -9222,7 +9227,7 @@
               <a:rPr lang="en-AU" sz="1600" dirty="0">
                 <a:latin typeface="Fira Sans Light" panose="020B0403050000020004" pitchFamily="34" charset="0"/>
               </a:rPr>
-              <a:t>(Where n ≥ 4)</a:t>
+              <a:t>(Where n ≥ 3)</a:t>
             </a:r>
           </a:p>
         </p:txBody>

--- a/presentation/presentation.pptx
+++ b/presentation/presentation.pptx
@@ -9,7 +9,34 @@
     <p:sldId id="258" r:id="rId3"/>
     <p:sldId id="261" r:id="rId4"/>
     <p:sldId id="262" r:id="rId5"/>
-    <p:sldId id="257" r:id="rId6"/>
+    <p:sldId id="263" r:id="rId6"/>
+    <p:sldId id="265" r:id="rId7"/>
+    <p:sldId id="266" r:id="rId8"/>
+    <p:sldId id="267" r:id="rId9"/>
+    <p:sldId id="268" r:id="rId10"/>
+    <p:sldId id="264" r:id="rId11"/>
+    <p:sldId id="271" r:id="rId12"/>
+    <p:sldId id="272" r:id="rId13"/>
+    <p:sldId id="273" r:id="rId14"/>
+    <p:sldId id="279" r:id="rId15"/>
+    <p:sldId id="274" r:id="rId16"/>
+    <p:sldId id="275" r:id="rId17"/>
+    <p:sldId id="276" r:id="rId18"/>
+    <p:sldId id="277" r:id="rId19"/>
+    <p:sldId id="278" r:id="rId20"/>
+    <p:sldId id="282" r:id="rId21"/>
+    <p:sldId id="283" r:id="rId22"/>
+    <p:sldId id="285" r:id="rId23"/>
+    <p:sldId id="281" r:id="rId24"/>
+    <p:sldId id="288" r:id="rId25"/>
+    <p:sldId id="289" r:id="rId26"/>
+    <p:sldId id="290" r:id="rId27"/>
+    <p:sldId id="291" r:id="rId28"/>
+    <p:sldId id="284" r:id="rId29"/>
+    <p:sldId id="293" r:id="rId30"/>
+    <p:sldId id="292" r:id="rId31"/>
+    <p:sldId id="295" r:id="rId32"/>
+    <p:sldId id="294" r:id="rId33"/>
   </p:sldIdLst>
   <p:sldSz cx="12192000" cy="6858000"/>
   <p:notesSz cx="6858000" cy="9144000"/>
@@ -117,7 +144,7 @@
 </file>
 
 <file path=ppt/slideLayouts/slideLayout1.xml><?xml version="1.0" encoding="utf-8"?>
-<p:sldLayout xmlns:a="http://schemas.openxmlformats.org/drawingml/2006/main" xmlns:r="http://schemas.openxmlformats.org/officeDocument/2006/relationships" xmlns:p="http://schemas.openxmlformats.org/presentationml/2006/main" type="title" preserve="1">
+<p:sldLayout xmlns:a="http://schemas.openxmlformats.org/drawingml/2006/main" xmlns:r="http://schemas.openxmlformats.org/officeDocument/2006/relationships" xmlns:p="http://schemas.openxmlformats.org/presentationml/2006/main" showMasterSp="0" type="title" preserve="1">
   <p:cSld name="Title Slide">
     <p:spTree>
       <p:nvGrpSpPr>
@@ -341,7 +368,7 @@
 </file>
 
 <file path=ppt/slideLayouts/slideLayout10.xml><?xml version="1.0" encoding="utf-8"?>
-<p:sldLayout xmlns:a="http://schemas.openxmlformats.org/drawingml/2006/main" xmlns:r="http://schemas.openxmlformats.org/officeDocument/2006/relationships" xmlns:p="http://schemas.openxmlformats.org/presentationml/2006/main" type="vertTx" preserve="1">
+<p:sldLayout xmlns:a="http://schemas.openxmlformats.org/drawingml/2006/main" xmlns:r="http://schemas.openxmlformats.org/officeDocument/2006/relationships" xmlns:p="http://schemas.openxmlformats.org/presentationml/2006/main" showMasterSp="0" type="vertTx" preserve="1">
   <p:cSld name="Title and Vertical Text">
     <p:spTree>
       <p:nvGrpSpPr>
@@ -539,7 +566,7 @@
 </file>
 
 <file path=ppt/slideLayouts/slideLayout11.xml><?xml version="1.0" encoding="utf-8"?>
-<p:sldLayout xmlns:a="http://schemas.openxmlformats.org/drawingml/2006/main" xmlns:r="http://schemas.openxmlformats.org/officeDocument/2006/relationships" xmlns:p="http://schemas.openxmlformats.org/presentationml/2006/main" type="vertTitleAndTx" preserve="1">
+<p:sldLayout xmlns:a="http://schemas.openxmlformats.org/drawingml/2006/main" xmlns:r="http://schemas.openxmlformats.org/officeDocument/2006/relationships" xmlns:p="http://schemas.openxmlformats.org/presentationml/2006/main" showMasterSp="0" type="vertTitleAndTx" preserve="1">
   <p:cSld name="Vertical Title and Text">
     <p:spTree>
       <p:nvGrpSpPr>
@@ -747,7 +774,7 @@
 </file>
 
 <file path=ppt/slideLayouts/slideLayout2.xml><?xml version="1.0" encoding="utf-8"?>
-<p:sldLayout xmlns:a="http://schemas.openxmlformats.org/drawingml/2006/main" xmlns:r="http://schemas.openxmlformats.org/officeDocument/2006/relationships" xmlns:p="http://schemas.openxmlformats.org/presentationml/2006/main" type="obj" preserve="1">
+<p:sldLayout xmlns:a="http://schemas.openxmlformats.org/drawingml/2006/main" xmlns:r="http://schemas.openxmlformats.org/officeDocument/2006/relationships" xmlns:p="http://schemas.openxmlformats.org/presentationml/2006/main" showMasterSp="0" type="obj" preserve="1">
   <p:cSld name="Title and Content">
     <p:spTree>
       <p:nvGrpSpPr>
@@ -945,7 +972,7 @@
 </file>
 
 <file path=ppt/slideLayouts/slideLayout3.xml><?xml version="1.0" encoding="utf-8"?>
-<p:sldLayout xmlns:a="http://schemas.openxmlformats.org/drawingml/2006/main" xmlns:r="http://schemas.openxmlformats.org/officeDocument/2006/relationships" xmlns:p="http://schemas.openxmlformats.org/presentationml/2006/main" type="secHead" preserve="1">
+<p:sldLayout xmlns:a="http://schemas.openxmlformats.org/drawingml/2006/main" xmlns:r="http://schemas.openxmlformats.org/officeDocument/2006/relationships" xmlns:p="http://schemas.openxmlformats.org/presentationml/2006/main" showMasterSp="0" type="secHead" preserve="1">
   <p:cSld name="Section Header">
     <p:spTree>
       <p:nvGrpSpPr>
@@ -1222,7 +1249,7 @@
 </file>
 
 <file path=ppt/slideLayouts/slideLayout4.xml><?xml version="1.0" encoding="utf-8"?>
-<p:sldLayout xmlns:a="http://schemas.openxmlformats.org/drawingml/2006/main" xmlns:r="http://schemas.openxmlformats.org/officeDocument/2006/relationships" xmlns:p="http://schemas.openxmlformats.org/presentationml/2006/main" type="twoObj" preserve="1">
+<p:sldLayout xmlns:a="http://schemas.openxmlformats.org/drawingml/2006/main" xmlns:r="http://schemas.openxmlformats.org/officeDocument/2006/relationships" xmlns:p="http://schemas.openxmlformats.org/presentationml/2006/main" showMasterSp="0" type="twoObj" preserve="1">
   <p:cSld name="Two Content">
     <p:spTree>
       <p:nvGrpSpPr>
@@ -1487,7 +1514,7 @@
 </file>
 
 <file path=ppt/slideLayouts/slideLayout5.xml><?xml version="1.0" encoding="utf-8"?>
-<p:sldLayout xmlns:a="http://schemas.openxmlformats.org/drawingml/2006/main" xmlns:r="http://schemas.openxmlformats.org/officeDocument/2006/relationships" xmlns:p="http://schemas.openxmlformats.org/presentationml/2006/main" type="twoTxTwoObj" preserve="1">
+<p:sldLayout xmlns:a="http://schemas.openxmlformats.org/drawingml/2006/main" xmlns:r="http://schemas.openxmlformats.org/officeDocument/2006/relationships" xmlns:p="http://schemas.openxmlformats.org/presentationml/2006/main" showMasterSp="0" type="twoTxTwoObj" preserve="1">
   <p:cSld name="Comparison">
     <p:spTree>
       <p:nvGrpSpPr>
@@ -1899,7 +1926,7 @@
 </file>
 
 <file path=ppt/slideLayouts/slideLayout6.xml><?xml version="1.0" encoding="utf-8"?>
-<p:sldLayout xmlns:a="http://schemas.openxmlformats.org/drawingml/2006/main" xmlns:r="http://schemas.openxmlformats.org/officeDocument/2006/relationships" xmlns:p="http://schemas.openxmlformats.org/presentationml/2006/main" type="titleOnly" preserve="1">
+<p:sldLayout xmlns:a="http://schemas.openxmlformats.org/drawingml/2006/main" xmlns:r="http://schemas.openxmlformats.org/officeDocument/2006/relationships" xmlns:p="http://schemas.openxmlformats.org/presentationml/2006/main" showMasterSp="0" type="titleOnly" preserve="1">
   <p:cSld name="Title Only">
     <p:spTree>
       <p:nvGrpSpPr>
@@ -2040,7 +2067,7 @@
 </file>
 
 <file path=ppt/slideLayouts/slideLayout7.xml><?xml version="1.0" encoding="utf-8"?>
-<p:sldLayout xmlns:a="http://schemas.openxmlformats.org/drawingml/2006/main" xmlns:r="http://schemas.openxmlformats.org/officeDocument/2006/relationships" xmlns:p="http://schemas.openxmlformats.org/presentationml/2006/main" type="blank" preserve="1">
+<p:sldLayout xmlns:a="http://schemas.openxmlformats.org/drawingml/2006/main" xmlns:r="http://schemas.openxmlformats.org/officeDocument/2006/relationships" xmlns:p="http://schemas.openxmlformats.org/presentationml/2006/main" showMasterSp="0" type="blank" preserve="1">
   <p:cSld name="Blank">
     <p:spTree>
       <p:nvGrpSpPr>
@@ -2153,7 +2180,7 @@
 </file>
 
 <file path=ppt/slideLayouts/slideLayout8.xml><?xml version="1.0" encoding="utf-8"?>
-<p:sldLayout xmlns:a="http://schemas.openxmlformats.org/drawingml/2006/main" xmlns:r="http://schemas.openxmlformats.org/officeDocument/2006/relationships" xmlns:p="http://schemas.openxmlformats.org/presentationml/2006/main" type="objTx" preserve="1">
+<p:sldLayout xmlns:a="http://schemas.openxmlformats.org/drawingml/2006/main" xmlns:r="http://schemas.openxmlformats.org/officeDocument/2006/relationships" xmlns:p="http://schemas.openxmlformats.org/presentationml/2006/main" showMasterSp="0" type="objTx" preserve="1">
   <p:cSld name="Content with Caption">
     <p:spTree>
       <p:nvGrpSpPr>
@@ -2466,7 +2493,7 @@
 </file>
 
 <file path=ppt/slideLayouts/slideLayout9.xml><?xml version="1.0" encoding="utf-8"?>
-<p:sldLayout xmlns:a="http://schemas.openxmlformats.org/drawingml/2006/main" xmlns:r="http://schemas.openxmlformats.org/officeDocument/2006/relationships" xmlns:p="http://schemas.openxmlformats.org/presentationml/2006/main" type="picTx" preserve="1">
+<p:sldLayout xmlns:a="http://schemas.openxmlformats.org/drawingml/2006/main" xmlns:r="http://schemas.openxmlformats.org/officeDocument/2006/relationships" xmlns:p="http://schemas.openxmlformats.org/presentationml/2006/main" showMasterSp="0" type="picTx" preserve="1">
   <p:cSld name="Picture with Caption">
     <p:spTree>
       <p:nvGrpSpPr>
@@ -2757,9 +2784,12 @@
 <p:sldMaster xmlns:a="http://schemas.openxmlformats.org/drawingml/2006/main" xmlns:r="http://schemas.openxmlformats.org/officeDocument/2006/relationships" xmlns:p="http://schemas.openxmlformats.org/presentationml/2006/main">
   <p:cSld>
     <p:bg>
-      <p:bgRef idx="1001">
-        <a:schemeClr val="bg1"/>
-      </p:bgRef>
+      <p:bgPr>
+        <a:solidFill>
+          <a:srgbClr val="1A1B26"/>
+        </a:solidFill>
+        <a:effectLst/>
+      </p:bgPr>
     </p:bg>
     <p:spTree>
       <p:nvGrpSpPr>
@@ -3434,16 +3464,8 @@
 </file>
 
 <file path=ppt/slides/slide1.xml><?xml version="1.0" encoding="utf-8"?>
-<p:sld xmlns:a="http://schemas.openxmlformats.org/drawingml/2006/main" xmlns:r="http://schemas.openxmlformats.org/officeDocument/2006/relationships" xmlns:p="http://schemas.openxmlformats.org/presentationml/2006/main">
+<p:sld xmlns:a="http://schemas.openxmlformats.org/drawingml/2006/main" xmlns:r="http://schemas.openxmlformats.org/officeDocument/2006/relationships" xmlns:p="http://schemas.openxmlformats.org/presentationml/2006/main" showMasterSp="0">
   <p:cSld>
-    <p:bg>
-      <p:bgPr>
-        <a:solidFill>
-          <a:srgbClr val="1A1B26"/>
-        </a:solidFill>
-        <a:effectLst/>
-      </p:bgPr>
-    </p:bg>
     <p:spTree>
       <p:nvGrpSpPr>
         <p:cNvPr id="1" name=""/>
@@ -5161,17 +5183,1820 @@
 </p:sld>
 </file>
 
+<file path=ppt/slides/slide10.xml><?xml version="1.0" encoding="utf-8"?>
+<p:sld xmlns:a="http://schemas.openxmlformats.org/drawingml/2006/main" xmlns:r="http://schemas.openxmlformats.org/officeDocument/2006/relationships" xmlns:p="http://schemas.openxmlformats.org/presentationml/2006/main" showMasterSp="0">
+  <p:cSld>
+    <p:spTree>
+      <p:nvGrpSpPr>
+        <p:cNvPr id="1" name=""/>
+        <p:cNvGrpSpPr/>
+        <p:nvPr/>
+      </p:nvGrpSpPr>
+      <p:grpSpPr>
+        <a:xfrm>
+          <a:off x="0" y="0"/>
+          <a:ext cx="0" cy="0"/>
+          <a:chOff x="0" y="0"/>
+          <a:chExt cx="0" cy="0"/>
+        </a:xfrm>
+      </p:grpSpPr>
+      <p:sp>
+        <p:nvSpPr>
+          <p:cNvPr id="2" name="Title 1">
+            <a:extLst>
+              <a:ext uri="{FF2B5EF4-FFF2-40B4-BE49-F238E27FC236}">
+                <a16:creationId xmlns:a16="http://schemas.microsoft.com/office/drawing/2014/main" id="{19C1CBF3-F8AF-C78D-D46C-4673A1808874}"/>
+              </a:ext>
+            </a:extLst>
+          </p:cNvPr>
+          <p:cNvSpPr>
+            <a:spLocks noGrp="1"/>
+          </p:cNvSpPr>
+          <p:nvPr>
+            <p:ph type="title"/>
+          </p:nvPr>
+        </p:nvSpPr>
+        <p:spPr>
+          <a:xfrm>
+            <a:off x="1077362" y="517057"/>
+            <a:ext cx="9950103" cy="800226"/>
+          </a:xfrm>
+        </p:spPr>
+        <p:txBody>
+          <a:bodyPr/>
+          <a:lstStyle/>
+          <a:p>
+            <a:r>
+              <a:rPr lang="en-AU" dirty="0">
+                <a:solidFill>
+                  <a:schemeClr val="bg1"/>
+                </a:solidFill>
+                <a:latin typeface="Fira Sans" panose="020B0503050000020004" pitchFamily="34" charset="0"/>
+              </a:rPr>
+              <a:t>Background – Why am I talking about parsers??</a:t>
+            </a:r>
+          </a:p>
+        </p:txBody>
+      </p:sp>
+    </p:spTree>
+    <p:extLst>
+      <p:ext uri="{BB962C8B-B14F-4D97-AF65-F5344CB8AC3E}">
+        <p14:creationId xmlns:p14="http://schemas.microsoft.com/office/powerpoint/2010/main" val="470778028"/>
+      </p:ext>
+    </p:extLst>
+  </p:cSld>
+  <p:clrMapOvr>
+    <a:masterClrMapping/>
+  </p:clrMapOvr>
+</p:sld>
+</file>
+
+<file path=ppt/slides/slide11.xml><?xml version="1.0" encoding="utf-8"?>
+<p:sld xmlns:a="http://schemas.openxmlformats.org/drawingml/2006/main" xmlns:r="http://schemas.openxmlformats.org/officeDocument/2006/relationships" xmlns:p="http://schemas.openxmlformats.org/presentationml/2006/main" showMasterSp="0">
+  <p:cSld>
+    <p:spTree>
+      <p:nvGrpSpPr>
+        <p:cNvPr id="1" name=""/>
+        <p:cNvGrpSpPr/>
+        <p:nvPr/>
+      </p:nvGrpSpPr>
+      <p:grpSpPr>
+        <a:xfrm>
+          <a:off x="0" y="0"/>
+          <a:ext cx="0" cy="0"/>
+          <a:chOff x="0" y="0"/>
+          <a:chExt cx="0" cy="0"/>
+        </a:xfrm>
+      </p:grpSpPr>
+      <p:sp>
+        <p:nvSpPr>
+          <p:cNvPr id="2" name="Title 1">
+            <a:extLst>
+              <a:ext uri="{FF2B5EF4-FFF2-40B4-BE49-F238E27FC236}">
+                <a16:creationId xmlns:a16="http://schemas.microsoft.com/office/drawing/2014/main" id="{19C1CBF3-F8AF-C78D-D46C-4673A1808874}"/>
+              </a:ext>
+            </a:extLst>
+          </p:cNvPr>
+          <p:cNvSpPr>
+            <a:spLocks noGrp="1"/>
+          </p:cNvSpPr>
+          <p:nvPr>
+            <p:ph type="title"/>
+          </p:nvPr>
+        </p:nvSpPr>
+        <p:spPr>
+          <a:xfrm>
+            <a:off x="1077362" y="517057"/>
+            <a:ext cx="9950103" cy="800226"/>
+          </a:xfrm>
+        </p:spPr>
+        <p:txBody>
+          <a:bodyPr/>
+          <a:lstStyle/>
+          <a:p>
+            <a:r>
+              <a:rPr lang="en-AU" dirty="0">
+                <a:solidFill>
+                  <a:schemeClr val="bg1"/>
+                </a:solidFill>
+                <a:latin typeface="Fira Sans" panose="020B0503050000020004" pitchFamily="34" charset="0"/>
+              </a:rPr>
+              <a:t>Background – Why am I talking about parsers??</a:t>
+            </a:r>
+          </a:p>
+        </p:txBody>
+      </p:sp>
+      <p:sp>
+        <p:nvSpPr>
+          <p:cNvPr id="4" name="TextBox 3">
+            <a:extLst>
+              <a:ext uri="{FF2B5EF4-FFF2-40B4-BE49-F238E27FC236}">
+                <a16:creationId xmlns:a16="http://schemas.microsoft.com/office/drawing/2014/main" id="{A99310B0-782D-AA04-0F29-1A216A490C20}"/>
+              </a:ext>
+            </a:extLst>
+          </p:cNvPr>
+          <p:cNvSpPr txBox="1"/>
+          <p:nvPr/>
+        </p:nvSpPr>
+        <p:spPr>
+          <a:xfrm>
+            <a:off x="1164535" y="1845578"/>
+            <a:ext cx="6570115" cy="646331"/>
+          </a:xfrm>
+          <a:prstGeom prst="rect">
+            <a:avLst/>
+          </a:prstGeom>
+          <a:noFill/>
+        </p:spPr>
+        <p:txBody>
+          <a:bodyPr wrap="square" rtlCol="0">
+            <a:spAutoFit/>
+          </a:bodyPr>
+          <a:lstStyle/>
+          <a:p>
+            <a:pPr marL="285750" indent="-285750">
+              <a:buFont typeface="Arial" panose="020B0604020202020204" pitchFamily="34" charset="0"/>
+              <a:buChar char="•"/>
+            </a:pPr>
+            <a:r>
+              <a:rPr lang="en-AU" dirty="0">
+                <a:solidFill>
+                  <a:schemeClr val="bg1"/>
+                </a:solidFill>
+                <a:latin typeface="Fira Sans" panose="020B0503050000020004" pitchFamily="34" charset="0"/>
+              </a:rPr>
+              <a:t>I started programming when I was a kid. Had to write some manual parsers.</a:t>
+            </a:r>
+          </a:p>
+        </p:txBody>
+      </p:sp>
+    </p:spTree>
+    <p:extLst>
+      <p:ext uri="{BB962C8B-B14F-4D97-AF65-F5344CB8AC3E}">
+        <p14:creationId xmlns:p14="http://schemas.microsoft.com/office/powerpoint/2010/main" val="1873349411"/>
+      </p:ext>
+    </p:extLst>
+  </p:cSld>
+  <p:clrMapOvr>
+    <a:masterClrMapping/>
+  </p:clrMapOvr>
+</p:sld>
+</file>
+
+<file path=ppt/slides/slide12.xml><?xml version="1.0" encoding="utf-8"?>
+<p:sld xmlns:a="http://schemas.openxmlformats.org/drawingml/2006/main" xmlns:r="http://schemas.openxmlformats.org/officeDocument/2006/relationships" xmlns:p="http://schemas.openxmlformats.org/presentationml/2006/main" showMasterSp="0">
+  <p:cSld>
+    <p:spTree>
+      <p:nvGrpSpPr>
+        <p:cNvPr id="1" name=""/>
+        <p:cNvGrpSpPr/>
+        <p:nvPr/>
+      </p:nvGrpSpPr>
+      <p:grpSpPr>
+        <a:xfrm>
+          <a:off x="0" y="0"/>
+          <a:ext cx="0" cy="0"/>
+          <a:chOff x="0" y="0"/>
+          <a:chExt cx="0" cy="0"/>
+        </a:xfrm>
+      </p:grpSpPr>
+      <p:sp>
+        <p:nvSpPr>
+          <p:cNvPr id="2" name="Title 1">
+            <a:extLst>
+              <a:ext uri="{FF2B5EF4-FFF2-40B4-BE49-F238E27FC236}">
+                <a16:creationId xmlns:a16="http://schemas.microsoft.com/office/drawing/2014/main" id="{19C1CBF3-F8AF-C78D-D46C-4673A1808874}"/>
+              </a:ext>
+            </a:extLst>
+          </p:cNvPr>
+          <p:cNvSpPr>
+            <a:spLocks noGrp="1"/>
+          </p:cNvSpPr>
+          <p:nvPr>
+            <p:ph type="title"/>
+          </p:nvPr>
+        </p:nvSpPr>
+        <p:spPr>
+          <a:xfrm>
+            <a:off x="1077362" y="517057"/>
+            <a:ext cx="9950103" cy="800226"/>
+          </a:xfrm>
+        </p:spPr>
+        <p:txBody>
+          <a:bodyPr/>
+          <a:lstStyle/>
+          <a:p>
+            <a:r>
+              <a:rPr lang="en-AU" dirty="0">
+                <a:solidFill>
+                  <a:schemeClr val="bg1"/>
+                </a:solidFill>
+                <a:latin typeface="Fira Sans" panose="020B0503050000020004" pitchFamily="34" charset="0"/>
+              </a:rPr>
+              <a:t>Background – Why am I talking about parsers??</a:t>
+            </a:r>
+          </a:p>
+        </p:txBody>
+      </p:sp>
+      <p:sp>
+        <p:nvSpPr>
+          <p:cNvPr id="4" name="TextBox 3">
+            <a:extLst>
+              <a:ext uri="{FF2B5EF4-FFF2-40B4-BE49-F238E27FC236}">
+                <a16:creationId xmlns:a16="http://schemas.microsoft.com/office/drawing/2014/main" id="{A99310B0-782D-AA04-0F29-1A216A490C20}"/>
+              </a:ext>
+            </a:extLst>
+          </p:cNvPr>
+          <p:cNvSpPr txBox="1"/>
+          <p:nvPr/>
+        </p:nvSpPr>
+        <p:spPr>
+          <a:xfrm>
+            <a:off x="1164535" y="1845578"/>
+            <a:ext cx="6779839" cy="1200329"/>
+          </a:xfrm>
+          <a:prstGeom prst="rect">
+            <a:avLst/>
+          </a:prstGeom>
+          <a:noFill/>
+        </p:spPr>
+        <p:txBody>
+          <a:bodyPr wrap="square" rtlCol="0">
+            <a:spAutoFit/>
+          </a:bodyPr>
+          <a:lstStyle/>
+          <a:p>
+            <a:pPr marL="285750" indent="-285750">
+              <a:buFont typeface="Arial" panose="020B0604020202020204" pitchFamily="34" charset="0"/>
+              <a:buChar char="•"/>
+            </a:pPr>
+            <a:r>
+              <a:rPr lang="en-AU" dirty="0">
+                <a:solidFill>
+                  <a:schemeClr val="bg1"/>
+                </a:solidFill>
+                <a:latin typeface="Fira Sans" panose="020B0503050000020004" pitchFamily="34" charset="0"/>
+              </a:rPr>
+              <a:t>I started programming when I was a kid. Had to write some manual parsers.</a:t>
+            </a:r>
+          </a:p>
+          <a:p>
+            <a:pPr marL="742950" lvl="1" indent="-285750">
+              <a:buFont typeface="Arial" panose="020B0604020202020204" pitchFamily="34" charset="0"/>
+              <a:buChar char="•"/>
+            </a:pPr>
+            <a:r>
+              <a:rPr lang="en-AU" dirty="0">
+                <a:solidFill>
+                  <a:schemeClr val="bg1"/>
+                </a:solidFill>
+                <a:latin typeface="Fira Sans" panose="020B0503050000020004" pitchFamily="34" charset="0"/>
+              </a:rPr>
+              <a:t>Conclusion reached – writing parsers SUCKS </a:t>
+            </a:r>
+            <a:r>
+              <a:rPr lang="en-AU" dirty="0"/>
+              <a:t>👎 👎 👎</a:t>
+            </a:r>
+          </a:p>
+          <a:p>
+            <a:endParaRPr lang="en-AU" dirty="0">
+              <a:solidFill>
+                <a:schemeClr val="bg1"/>
+              </a:solidFill>
+              <a:latin typeface="Fira Sans" panose="020B0503050000020004" pitchFamily="34" charset="0"/>
+            </a:endParaRPr>
+          </a:p>
+        </p:txBody>
+      </p:sp>
+    </p:spTree>
+    <p:extLst>
+      <p:ext uri="{BB962C8B-B14F-4D97-AF65-F5344CB8AC3E}">
+        <p14:creationId xmlns:p14="http://schemas.microsoft.com/office/powerpoint/2010/main" val="2025618937"/>
+      </p:ext>
+    </p:extLst>
+  </p:cSld>
+  <p:clrMapOvr>
+    <a:masterClrMapping/>
+  </p:clrMapOvr>
+</p:sld>
+</file>
+
+<file path=ppt/slides/slide13.xml><?xml version="1.0" encoding="utf-8"?>
+<p:sld xmlns:a="http://schemas.openxmlformats.org/drawingml/2006/main" xmlns:r="http://schemas.openxmlformats.org/officeDocument/2006/relationships" xmlns:p="http://schemas.openxmlformats.org/presentationml/2006/main" showMasterSp="0">
+  <p:cSld>
+    <p:spTree>
+      <p:nvGrpSpPr>
+        <p:cNvPr id="1" name=""/>
+        <p:cNvGrpSpPr/>
+        <p:nvPr/>
+      </p:nvGrpSpPr>
+      <p:grpSpPr>
+        <a:xfrm>
+          <a:off x="0" y="0"/>
+          <a:ext cx="0" cy="0"/>
+          <a:chOff x="0" y="0"/>
+          <a:chExt cx="0" cy="0"/>
+        </a:xfrm>
+      </p:grpSpPr>
+      <p:sp>
+        <p:nvSpPr>
+          <p:cNvPr id="2" name="Title 1">
+            <a:extLst>
+              <a:ext uri="{FF2B5EF4-FFF2-40B4-BE49-F238E27FC236}">
+                <a16:creationId xmlns:a16="http://schemas.microsoft.com/office/drawing/2014/main" id="{19C1CBF3-F8AF-C78D-D46C-4673A1808874}"/>
+              </a:ext>
+            </a:extLst>
+          </p:cNvPr>
+          <p:cNvSpPr>
+            <a:spLocks noGrp="1"/>
+          </p:cNvSpPr>
+          <p:nvPr>
+            <p:ph type="title"/>
+          </p:nvPr>
+        </p:nvSpPr>
+        <p:spPr>
+          <a:xfrm>
+            <a:off x="1077362" y="517057"/>
+            <a:ext cx="9950103" cy="800226"/>
+          </a:xfrm>
+        </p:spPr>
+        <p:txBody>
+          <a:bodyPr/>
+          <a:lstStyle/>
+          <a:p>
+            <a:r>
+              <a:rPr lang="en-AU" dirty="0">
+                <a:solidFill>
+                  <a:schemeClr val="bg1"/>
+                </a:solidFill>
+                <a:latin typeface="Fira Sans" panose="020B0503050000020004" pitchFamily="34" charset="0"/>
+              </a:rPr>
+              <a:t>Background – Why am I talking about parsers??</a:t>
+            </a:r>
+          </a:p>
+        </p:txBody>
+      </p:sp>
+      <p:sp>
+        <p:nvSpPr>
+          <p:cNvPr id="4" name="TextBox 3">
+            <a:extLst>
+              <a:ext uri="{FF2B5EF4-FFF2-40B4-BE49-F238E27FC236}">
+                <a16:creationId xmlns:a16="http://schemas.microsoft.com/office/drawing/2014/main" id="{A99310B0-782D-AA04-0F29-1A216A490C20}"/>
+              </a:ext>
+            </a:extLst>
+          </p:cNvPr>
+          <p:cNvSpPr txBox="1"/>
+          <p:nvPr/>
+        </p:nvSpPr>
+        <p:spPr>
+          <a:xfrm>
+            <a:off x="1164535" y="1845578"/>
+            <a:ext cx="6779839" cy="1754326"/>
+          </a:xfrm>
+          <a:prstGeom prst="rect">
+            <a:avLst/>
+          </a:prstGeom>
+          <a:noFill/>
+        </p:spPr>
+        <p:txBody>
+          <a:bodyPr wrap="square" rtlCol="0">
+            <a:spAutoFit/>
+          </a:bodyPr>
+          <a:lstStyle/>
+          <a:p>
+            <a:pPr marL="285750" indent="-285750">
+              <a:buFont typeface="Arial" panose="020B0604020202020204" pitchFamily="34" charset="0"/>
+              <a:buChar char="•"/>
+            </a:pPr>
+            <a:r>
+              <a:rPr lang="en-AU" dirty="0">
+                <a:solidFill>
+                  <a:schemeClr val="bg1"/>
+                </a:solidFill>
+                <a:latin typeface="Fira Sans" panose="020B0503050000020004" pitchFamily="34" charset="0"/>
+              </a:rPr>
+              <a:t>I started programming when I was a kid. Had to write some manual parsers.</a:t>
+            </a:r>
+          </a:p>
+          <a:p>
+            <a:pPr marL="742950" lvl="1" indent="-285750">
+              <a:buFont typeface="Arial" panose="020B0604020202020204" pitchFamily="34" charset="0"/>
+              <a:buChar char="•"/>
+            </a:pPr>
+            <a:r>
+              <a:rPr lang="en-AU" dirty="0">
+                <a:solidFill>
+                  <a:schemeClr val="bg1"/>
+                </a:solidFill>
+                <a:latin typeface="Fira Sans" panose="020B0503050000020004" pitchFamily="34" charset="0"/>
+              </a:rPr>
+              <a:t>Conclusion reached – writing parsers SUCKS </a:t>
+            </a:r>
+            <a:r>
+              <a:rPr lang="en-AU" dirty="0"/>
+              <a:t>👎 👎 👎</a:t>
+            </a:r>
+          </a:p>
+          <a:p>
+            <a:pPr marL="285750" indent="-285750">
+              <a:buFont typeface="Arial" panose="020B0604020202020204" pitchFamily="34" charset="0"/>
+              <a:buChar char="•"/>
+            </a:pPr>
+            <a:endParaRPr lang="en-AU" dirty="0">
+              <a:solidFill>
+                <a:schemeClr val="bg1"/>
+              </a:solidFill>
+              <a:latin typeface="Fira Sans" panose="020B0503050000020004" pitchFamily="34" charset="0"/>
+            </a:endParaRPr>
+          </a:p>
+          <a:p>
+            <a:pPr marL="285750" indent="-285750">
+              <a:buFont typeface="Arial" panose="020B0604020202020204" pitchFamily="34" charset="0"/>
+              <a:buChar char="•"/>
+            </a:pPr>
+            <a:r>
+              <a:rPr lang="en-AU" dirty="0">
+                <a:solidFill>
+                  <a:schemeClr val="bg1"/>
+                </a:solidFill>
+                <a:latin typeface="Fira Sans" panose="020B0503050000020004" pitchFamily="34" charset="0"/>
+              </a:rPr>
+              <a:t>Went to </a:t>
+            </a:r>
+            <a:r>
+              <a:rPr lang="en-AU" dirty="0" err="1">
+                <a:solidFill>
+                  <a:schemeClr val="bg1"/>
+                </a:solidFill>
+                <a:latin typeface="Fira Sans" panose="020B0503050000020004" pitchFamily="34" charset="0"/>
+              </a:rPr>
+              <a:t>uni</a:t>
+            </a:r>
+            <a:r>
+              <a:rPr lang="en-AU" dirty="0">
+                <a:solidFill>
+                  <a:schemeClr val="bg1"/>
+                </a:solidFill>
+                <a:latin typeface="Fira Sans" panose="020B0503050000020004" pitchFamily="34" charset="0"/>
+              </a:rPr>
+              <a:t> and took COMP3400 and COMP4403,</a:t>
+            </a:r>
+          </a:p>
+          <a:p>
+            <a:r>
+              <a:rPr lang="en-AU" dirty="0">
+                <a:solidFill>
+                  <a:schemeClr val="bg1"/>
+                </a:solidFill>
+                <a:latin typeface="Fira Sans" panose="020B0503050000020004" pitchFamily="34" charset="0"/>
+              </a:rPr>
+              <a:t>     and learned what we are about to discuss</a:t>
+            </a:r>
+          </a:p>
+        </p:txBody>
+      </p:sp>
+    </p:spTree>
+    <p:extLst>
+      <p:ext uri="{BB962C8B-B14F-4D97-AF65-F5344CB8AC3E}">
+        <p14:creationId xmlns:p14="http://schemas.microsoft.com/office/powerpoint/2010/main" val="1691263264"/>
+      </p:ext>
+    </p:extLst>
+  </p:cSld>
+  <p:clrMapOvr>
+    <a:masterClrMapping/>
+  </p:clrMapOvr>
+</p:sld>
+</file>
+
+<file path=ppt/slides/slide14.xml><?xml version="1.0" encoding="utf-8"?>
+<p:sld xmlns:a="http://schemas.openxmlformats.org/drawingml/2006/main" xmlns:r="http://schemas.openxmlformats.org/officeDocument/2006/relationships" xmlns:p="http://schemas.openxmlformats.org/presentationml/2006/main" showMasterSp="0">
+  <p:cSld>
+    <p:spTree>
+      <p:nvGrpSpPr>
+        <p:cNvPr id="1" name=""/>
+        <p:cNvGrpSpPr/>
+        <p:nvPr/>
+      </p:nvGrpSpPr>
+      <p:grpSpPr>
+        <a:xfrm>
+          <a:off x="0" y="0"/>
+          <a:ext cx="0" cy="0"/>
+          <a:chOff x="0" y="0"/>
+          <a:chExt cx="0" cy="0"/>
+        </a:xfrm>
+      </p:grpSpPr>
+      <p:sp>
+        <p:nvSpPr>
+          <p:cNvPr id="2" name="Title 1">
+            <a:extLst>
+              <a:ext uri="{FF2B5EF4-FFF2-40B4-BE49-F238E27FC236}">
+                <a16:creationId xmlns:a16="http://schemas.microsoft.com/office/drawing/2014/main" id="{19C1CBF3-F8AF-C78D-D46C-4673A1808874}"/>
+              </a:ext>
+            </a:extLst>
+          </p:cNvPr>
+          <p:cNvSpPr>
+            <a:spLocks noGrp="1"/>
+          </p:cNvSpPr>
+          <p:nvPr>
+            <p:ph type="title"/>
+          </p:nvPr>
+        </p:nvSpPr>
+        <p:spPr>
+          <a:xfrm>
+            <a:off x="1077362" y="517057"/>
+            <a:ext cx="9950103" cy="800226"/>
+          </a:xfrm>
+        </p:spPr>
+        <p:txBody>
+          <a:bodyPr/>
+          <a:lstStyle/>
+          <a:p>
+            <a:r>
+              <a:rPr lang="en-AU" dirty="0">
+                <a:solidFill>
+                  <a:schemeClr val="bg1"/>
+                </a:solidFill>
+                <a:latin typeface="Fira Sans" panose="020B0503050000020004" pitchFamily="34" charset="0"/>
+              </a:rPr>
+              <a:t>Background – Why am I talking about parsers??</a:t>
+            </a:r>
+          </a:p>
+        </p:txBody>
+      </p:sp>
+      <p:sp>
+        <p:nvSpPr>
+          <p:cNvPr id="4" name="TextBox 3">
+            <a:extLst>
+              <a:ext uri="{FF2B5EF4-FFF2-40B4-BE49-F238E27FC236}">
+                <a16:creationId xmlns:a16="http://schemas.microsoft.com/office/drawing/2014/main" id="{A99310B0-782D-AA04-0F29-1A216A490C20}"/>
+              </a:ext>
+            </a:extLst>
+          </p:cNvPr>
+          <p:cNvSpPr txBox="1"/>
+          <p:nvPr/>
+        </p:nvSpPr>
+        <p:spPr>
+          <a:xfrm>
+            <a:off x="1164535" y="1845578"/>
+            <a:ext cx="6779839" cy="2031325"/>
+          </a:xfrm>
+          <a:prstGeom prst="rect">
+            <a:avLst/>
+          </a:prstGeom>
+          <a:noFill/>
+        </p:spPr>
+        <p:txBody>
+          <a:bodyPr wrap="square" rtlCol="0">
+            <a:spAutoFit/>
+          </a:bodyPr>
+          <a:lstStyle/>
+          <a:p>
+            <a:pPr marL="285750" indent="-285750">
+              <a:buFont typeface="Arial" panose="020B0604020202020204" pitchFamily="34" charset="0"/>
+              <a:buChar char="•"/>
+            </a:pPr>
+            <a:r>
+              <a:rPr lang="en-AU" dirty="0">
+                <a:solidFill>
+                  <a:schemeClr val="bg1"/>
+                </a:solidFill>
+                <a:latin typeface="Fira Sans" panose="020B0503050000020004" pitchFamily="34" charset="0"/>
+              </a:rPr>
+              <a:t>I started programming when I was a kid. Had to write some manual parsers.</a:t>
+            </a:r>
+          </a:p>
+          <a:p>
+            <a:pPr marL="742950" lvl="1" indent="-285750">
+              <a:buFont typeface="Arial" panose="020B0604020202020204" pitchFamily="34" charset="0"/>
+              <a:buChar char="•"/>
+            </a:pPr>
+            <a:r>
+              <a:rPr lang="en-AU" dirty="0">
+                <a:solidFill>
+                  <a:schemeClr val="bg1"/>
+                </a:solidFill>
+                <a:latin typeface="Fira Sans" panose="020B0503050000020004" pitchFamily="34" charset="0"/>
+              </a:rPr>
+              <a:t>Conclusion reached – writing parsers SUCKS </a:t>
+            </a:r>
+            <a:r>
+              <a:rPr lang="en-AU" dirty="0"/>
+              <a:t>👎 👎 👎</a:t>
+            </a:r>
+          </a:p>
+          <a:p>
+            <a:pPr marL="285750" indent="-285750">
+              <a:buFont typeface="Arial" panose="020B0604020202020204" pitchFamily="34" charset="0"/>
+              <a:buChar char="•"/>
+            </a:pPr>
+            <a:endParaRPr lang="en-AU" dirty="0">
+              <a:solidFill>
+                <a:schemeClr val="bg1"/>
+              </a:solidFill>
+              <a:latin typeface="Fira Sans" panose="020B0503050000020004" pitchFamily="34" charset="0"/>
+            </a:endParaRPr>
+          </a:p>
+          <a:p>
+            <a:pPr marL="285750" indent="-285750">
+              <a:buFont typeface="Arial" panose="020B0604020202020204" pitchFamily="34" charset="0"/>
+              <a:buChar char="•"/>
+            </a:pPr>
+            <a:r>
+              <a:rPr lang="en-AU" dirty="0">
+                <a:solidFill>
+                  <a:schemeClr val="bg1"/>
+                </a:solidFill>
+                <a:latin typeface="Fira Sans" panose="020B0503050000020004" pitchFamily="34" charset="0"/>
+              </a:rPr>
+              <a:t>Went to </a:t>
+            </a:r>
+            <a:r>
+              <a:rPr lang="en-AU" dirty="0" err="1">
+                <a:solidFill>
+                  <a:schemeClr val="bg1"/>
+                </a:solidFill>
+                <a:latin typeface="Fira Sans" panose="020B0503050000020004" pitchFamily="34" charset="0"/>
+              </a:rPr>
+              <a:t>uni</a:t>
+            </a:r>
+            <a:r>
+              <a:rPr lang="en-AU" dirty="0">
+                <a:solidFill>
+                  <a:schemeClr val="bg1"/>
+                </a:solidFill>
+                <a:latin typeface="Fira Sans" panose="020B0503050000020004" pitchFamily="34" charset="0"/>
+              </a:rPr>
+              <a:t> and took COMP3400 and COMP4403,</a:t>
+            </a:r>
+          </a:p>
+          <a:p>
+            <a:r>
+              <a:rPr lang="en-AU" dirty="0">
+                <a:solidFill>
+                  <a:schemeClr val="bg1"/>
+                </a:solidFill>
+                <a:latin typeface="Fira Sans" panose="020B0503050000020004" pitchFamily="34" charset="0"/>
+              </a:rPr>
+              <a:t>     and learned what we are about to discuss</a:t>
+            </a:r>
+          </a:p>
+          <a:p>
+            <a:pPr marL="742950" lvl="1" indent="-285750">
+              <a:buFont typeface="Arial" panose="020B0604020202020204" pitchFamily="34" charset="0"/>
+              <a:buChar char="•"/>
+            </a:pPr>
+            <a:r>
+              <a:rPr lang="en-AU" dirty="0">
+                <a:solidFill>
+                  <a:schemeClr val="bg1"/>
+                </a:solidFill>
+                <a:latin typeface="Fira Sans" panose="020B0503050000020004" pitchFamily="34" charset="0"/>
+              </a:rPr>
+              <a:t>Conclusion reached – parsers are pretty sick</a:t>
+            </a:r>
+          </a:p>
+        </p:txBody>
+      </p:sp>
+    </p:spTree>
+    <p:extLst>
+      <p:ext uri="{BB962C8B-B14F-4D97-AF65-F5344CB8AC3E}">
+        <p14:creationId xmlns:p14="http://schemas.microsoft.com/office/powerpoint/2010/main" val="3509427427"/>
+      </p:ext>
+    </p:extLst>
+  </p:cSld>
+  <p:clrMapOvr>
+    <a:masterClrMapping/>
+  </p:clrMapOvr>
+</p:sld>
+</file>
+
+<file path=ppt/slides/slide15.xml><?xml version="1.0" encoding="utf-8"?>
+<p:sld xmlns:a="http://schemas.openxmlformats.org/drawingml/2006/main" xmlns:r="http://schemas.openxmlformats.org/officeDocument/2006/relationships" xmlns:p="http://schemas.openxmlformats.org/presentationml/2006/main" showMasterSp="0">
+  <p:cSld>
+    <p:spTree>
+      <p:nvGrpSpPr>
+        <p:cNvPr id="1" name=""/>
+        <p:cNvGrpSpPr/>
+        <p:nvPr/>
+      </p:nvGrpSpPr>
+      <p:grpSpPr>
+        <a:xfrm>
+          <a:off x="0" y="0"/>
+          <a:ext cx="0" cy="0"/>
+          <a:chOff x="0" y="0"/>
+          <a:chExt cx="0" cy="0"/>
+        </a:xfrm>
+      </p:grpSpPr>
+      <p:sp>
+        <p:nvSpPr>
+          <p:cNvPr id="2" name="Title 1">
+            <a:extLst>
+              <a:ext uri="{FF2B5EF4-FFF2-40B4-BE49-F238E27FC236}">
+                <a16:creationId xmlns:a16="http://schemas.microsoft.com/office/drawing/2014/main" id="{19C1CBF3-F8AF-C78D-D46C-4673A1808874}"/>
+              </a:ext>
+            </a:extLst>
+          </p:cNvPr>
+          <p:cNvSpPr>
+            <a:spLocks noGrp="1"/>
+          </p:cNvSpPr>
+          <p:nvPr>
+            <p:ph type="title"/>
+          </p:nvPr>
+        </p:nvSpPr>
+        <p:spPr>
+          <a:xfrm>
+            <a:off x="1077362" y="517057"/>
+            <a:ext cx="9950103" cy="800226"/>
+          </a:xfrm>
+        </p:spPr>
+        <p:txBody>
+          <a:bodyPr/>
+          <a:lstStyle/>
+          <a:p>
+            <a:r>
+              <a:rPr lang="en-AU" dirty="0">
+                <a:solidFill>
+                  <a:schemeClr val="bg1"/>
+                </a:solidFill>
+                <a:latin typeface="Fira Sans" panose="020B0503050000020004" pitchFamily="34" charset="0"/>
+              </a:rPr>
+              <a:t>Background – Why am I talking about parsers??</a:t>
+            </a:r>
+          </a:p>
+        </p:txBody>
+      </p:sp>
+      <p:sp>
+        <p:nvSpPr>
+          <p:cNvPr id="4" name="TextBox 3">
+            <a:extLst>
+              <a:ext uri="{FF2B5EF4-FFF2-40B4-BE49-F238E27FC236}">
+                <a16:creationId xmlns:a16="http://schemas.microsoft.com/office/drawing/2014/main" id="{A99310B0-782D-AA04-0F29-1A216A490C20}"/>
+              </a:ext>
+            </a:extLst>
+          </p:cNvPr>
+          <p:cNvSpPr txBox="1"/>
+          <p:nvPr/>
+        </p:nvSpPr>
+        <p:spPr>
+          <a:xfrm>
+            <a:off x="1164535" y="1845578"/>
+            <a:ext cx="6779839" cy="2031325"/>
+          </a:xfrm>
+          <a:prstGeom prst="rect">
+            <a:avLst/>
+          </a:prstGeom>
+          <a:noFill/>
+        </p:spPr>
+        <p:txBody>
+          <a:bodyPr wrap="square" rtlCol="0">
+            <a:spAutoFit/>
+          </a:bodyPr>
+          <a:lstStyle/>
+          <a:p>
+            <a:pPr marL="285750" indent="-285750">
+              <a:buFont typeface="Arial" panose="020B0604020202020204" pitchFamily="34" charset="0"/>
+              <a:buChar char="•"/>
+            </a:pPr>
+            <a:r>
+              <a:rPr lang="en-AU" dirty="0">
+                <a:solidFill>
+                  <a:schemeClr val="bg1"/>
+                </a:solidFill>
+                <a:latin typeface="Fira Sans" panose="020B0503050000020004" pitchFamily="34" charset="0"/>
+              </a:rPr>
+              <a:t>I started programming when I was a kid. Had to write some manual parsers.</a:t>
+            </a:r>
+          </a:p>
+          <a:p>
+            <a:pPr marL="742950" lvl="1" indent="-285750">
+              <a:buFont typeface="Arial" panose="020B0604020202020204" pitchFamily="34" charset="0"/>
+              <a:buChar char="•"/>
+            </a:pPr>
+            <a:r>
+              <a:rPr lang="en-AU" dirty="0">
+                <a:solidFill>
+                  <a:schemeClr val="bg1"/>
+                </a:solidFill>
+                <a:latin typeface="Fira Sans" panose="020B0503050000020004" pitchFamily="34" charset="0"/>
+              </a:rPr>
+              <a:t>Conclusion reached – writing parsers SUCKS </a:t>
+            </a:r>
+            <a:r>
+              <a:rPr lang="en-AU" dirty="0"/>
+              <a:t>👎 👎 👎</a:t>
+            </a:r>
+          </a:p>
+          <a:p>
+            <a:pPr marL="285750" indent="-285750">
+              <a:buFont typeface="Arial" panose="020B0604020202020204" pitchFamily="34" charset="0"/>
+              <a:buChar char="•"/>
+            </a:pPr>
+            <a:endParaRPr lang="en-AU" dirty="0">
+              <a:solidFill>
+                <a:schemeClr val="bg1"/>
+              </a:solidFill>
+              <a:latin typeface="Fira Sans" panose="020B0503050000020004" pitchFamily="34" charset="0"/>
+            </a:endParaRPr>
+          </a:p>
+          <a:p>
+            <a:pPr marL="285750" indent="-285750">
+              <a:buFont typeface="Arial" panose="020B0604020202020204" pitchFamily="34" charset="0"/>
+              <a:buChar char="•"/>
+            </a:pPr>
+            <a:r>
+              <a:rPr lang="en-AU" dirty="0">
+                <a:solidFill>
+                  <a:schemeClr val="bg1"/>
+                </a:solidFill>
+                <a:latin typeface="Fira Sans" panose="020B0503050000020004" pitchFamily="34" charset="0"/>
+              </a:rPr>
+              <a:t>Went to </a:t>
+            </a:r>
+            <a:r>
+              <a:rPr lang="en-AU" dirty="0" err="1">
+                <a:solidFill>
+                  <a:schemeClr val="bg1"/>
+                </a:solidFill>
+                <a:latin typeface="Fira Sans" panose="020B0503050000020004" pitchFamily="34" charset="0"/>
+              </a:rPr>
+              <a:t>uni</a:t>
+            </a:r>
+            <a:r>
+              <a:rPr lang="en-AU" dirty="0">
+                <a:solidFill>
+                  <a:schemeClr val="bg1"/>
+                </a:solidFill>
+                <a:latin typeface="Fira Sans" panose="020B0503050000020004" pitchFamily="34" charset="0"/>
+              </a:rPr>
+              <a:t> and took COMP3400 and COMP4403,</a:t>
+            </a:r>
+          </a:p>
+          <a:p>
+            <a:r>
+              <a:rPr lang="en-AU" dirty="0">
+                <a:solidFill>
+                  <a:schemeClr val="bg1"/>
+                </a:solidFill>
+                <a:latin typeface="Fira Sans" panose="020B0503050000020004" pitchFamily="34" charset="0"/>
+              </a:rPr>
+              <a:t>     and learned what we are about to discuss</a:t>
+            </a:r>
+          </a:p>
+          <a:p>
+            <a:pPr marL="742950" lvl="1" indent="-285750">
+              <a:buFont typeface="Arial" panose="020B0604020202020204" pitchFamily="34" charset="0"/>
+              <a:buChar char="•"/>
+            </a:pPr>
+            <a:r>
+              <a:rPr lang="en-AU" dirty="0">
+                <a:solidFill>
+                  <a:schemeClr val="bg1"/>
+                </a:solidFill>
+                <a:latin typeface="Fira Sans" panose="020B0503050000020004" pitchFamily="34" charset="0"/>
+              </a:rPr>
+              <a:t>Conclusion reached – parsers are pretty sick</a:t>
+            </a:r>
+          </a:p>
+        </p:txBody>
+      </p:sp>
+      <p:pic>
+        <p:nvPicPr>
+          <p:cNvPr id="5" name="Picture 4" descr="A cartoon of a child with a surprised expression&#10;&#10;Description automatically generated">
+            <a:extLst>
+              <a:ext uri="{FF2B5EF4-FFF2-40B4-BE49-F238E27FC236}">
+                <a16:creationId xmlns:a16="http://schemas.microsoft.com/office/drawing/2014/main" id="{CD7FED63-B6D7-4AAF-0B77-60AECD9CA510}"/>
+              </a:ext>
+            </a:extLst>
+          </p:cNvPr>
+          <p:cNvPicPr>
+            <a:picLocks noChangeAspect="1"/>
+          </p:cNvPicPr>
+          <p:nvPr/>
+        </p:nvPicPr>
+        <p:blipFill>
+          <a:blip r:embed="rId2">
+            <a:extLst>
+              <a:ext uri="{28A0092B-C50C-407E-A947-70E740481C1C}">
+                <a14:useLocalDpi xmlns:a14="http://schemas.microsoft.com/office/drawing/2010/main" val="0"/>
+              </a:ext>
+            </a:extLst>
+          </a:blip>
+          <a:stretch>
+            <a:fillRect/>
+          </a:stretch>
+        </p:blipFill>
+        <p:spPr>
+          <a:xfrm>
+            <a:off x="8703282" y="1922023"/>
+            <a:ext cx="2830044" cy="3074229"/>
+          </a:xfrm>
+          <a:prstGeom prst="rect">
+            <a:avLst/>
+          </a:prstGeom>
+        </p:spPr>
+      </p:pic>
+      <p:sp>
+        <p:nvSpPr>
+          <p:cNvPr id="6" name="TextBox 5">
+            <a:extLst>
+              <a:ext uri="{FF2B5EF4-FFF2-40B4-BE49-F238E27FC236}">
+                <a16:creationId xmlns:a16="http://schemas.microsoft.com/office/drawing/2014/main" id="{8203C566-0F4E-B84F-F660-D785076E10AB}"/>
+              </a:ext>
+            </a:extLst>
+          </p:cNvPr>
+          <p:cNvSpPr txBox="1"/>
+          <p:nvPr/>
+        </p:nvSpPr>
+        <p:spPr>
+          <a:xfrm>
+            <a:off x="8703282" y="4996252"/>
+            <a:ext cx="2830044" cy="461665"/>
+          </a:xfrm>
+          <a:prstGeom prst="rect">
+            <a:avLst/>
+          </a:prstGeom>
+          <a:solidFill>
+            <a:schemeClr val="bg1"/>
+          </a:solidFill>
+        </p:spPr>
+        <p:txBody>
+          <a:bodyPr wrap="square" rtlCol="0">
+            <a:spAutoFit/>
+          </a:bodyPr>
+          <a:lstStyle/>
+          <a:p>
+            <a:r>
+              <a:rPr lang="en-AU" sz="1200" i="1" dirty="0">
+                <a:solidFill>
+                  <a:srgbClr val="1A1B26"/>
+                </a:solidFill>
+                <a:latin typeface="Fira Sans Light" panose="020B0403050000020004" pitchFamily="34" charset="0"/>
+              </a:rPr>
+              <a:t>Artist’s impression of me discovering that parsers rule</a:t>
+            </a:r>
+          </a:p>
+        </p:txBody>
+      </p:sp>
+    </p:spTree>
+    <p:extLst>
+      <p:ext uri="{BB962C8B-B14F-4D97-AF65-F5344CB8AC3E}">
+        <p14:creationId xmlns:p14="http://schemas.microsoft.com/office/powerpoint/2010/main" val="3613535635"/>
+      </p:ext>
+    </p:extLst>
+  </p:cSld>
+  <p:clrMapOvr>
+    <a:masterClrMapping/>
+  </p:clrMapOvr>
+</p:sld>
+</file>
+
+<file path=ppt/slides/slide16.xml><?xml version="1.0" encoding="utf-8"?>
+<p:sld xmlns:a="http://schemas.openxmlformats.org/drawingml/2006/main" xmlns:r="http://schemas.openxmlformats.org/officeDocument/2006/relationships" xmlns:p="http://schemas.openxmlformats.org/presentationml/2006/main" showMasterSp="0">
+  <p:cSld>
+    <p:spTree>
+      <p:nvGrpSpPr>
+        <p:cNvPr id="1" name=""/>
+        <p:cNvGrpSpPr/>
+        <p:nvPr/>
+      </p:nvGrpSpPr>
+      <p:grpSpPr>
+        <a:xfrm>
+          <a:off x="0" y="0"/>
+          <a:ext cx="0" cy="0"/>
+          <a:chOff x="0" y="0"/>
+          <a:chExt cx="0" cy="0"/>
+        </a:xfrm>
+      </p:grpSpPr>
+      <p:sp>
+        <p:nvSpPr>
+          <p:cNvPr id="2" name="Title 1">
+            <a:extLst>
+              <a:ext uri="{FF2B5EF4-FFF2-40B4-BE49-F238E27FC236}">
+                <a16:creationId xmlns:a16="http://schemas.microsoft.com/office/drawing/2014/main" id="{19C1CBF3-F8AF-C78D-D46C-4673A1808874}"/>
+              </a:ext>
+            </a:extLst>
+          </p:cNvPr>
+          <p:cNvSpPr>
+            <a:spLocks noGrp="1"/>
+          </p:cNvSpPr>
+          <p:nvPr>
+            <p:ph type="title"/>
+          </p:nvPr>
+        </p:nvSpPr>
+        <p:spPr>
+          <a:xfrm>
+            <a:off x="1077362" y="517057"/>
+            <a:ext cx="9950103" cy="800226"/>
+          </a:xfrm>
+        </p:spPr>
+        <p:txBody>
+          <a:bodyPr/>
+          <a:lstStyle/>
+          <a:p>
+            <a:r>
+              <a:rPr lang="en-AU" dirty="0">
+                <a:solidFill>
+                  <a:schemeClr val="bg1"/>
+                </a:solidFill>
+                <a:latin typeface="Fira Sans" panose="020B0503050000020004" pitchFamily="34" charset="0"/>
+              </a:rPr>
+              <a:t>Background – Why am I talking about parsers??</a:t>
+            </a:r>
+          </a:p>
+        </p:txBody>
+      </p:sp>
+      <p:sp>
+        <p:nvSpPr>
+          <p:cNvPr id="4" name="TextBox 3">
+            <a:extLst>
+              <a:ext uri="{FF2B5EF4-FFF2-40B4-BE49-F238E27FC236}">
+                <a16:creationId xmlns:a16="http://schemas.microsoft.com/office/drawing/2014/main" id="{A99310B0-782D-AA04-0F29-1A216A490C20}"/>
+              </a:ext>
+            </a:extLst>
+          </p:cNvPr>
+          <p:cNvSpPr txBox="1"/>
+          <p:nvPr/>
+        </p:nvSpPr>
+        <p:spPr>
+          <a:xfrm>
+            <a:off x="1164535" y="1845578"/>
+            <a:ext cx="6779839" cy="2862322"/>
+          </a:xfrm>
+          <a:prstGeom prst="rect">
+            <a:avLst/>
+          </a:prstGeom>
+          <a:noFill/>
+        </p:spPr>
+        <p:txBody>
+          <a:bodyPr wrap="square" rtlCol="0">
+            <a:spAutoFit/>
+          </a:bodyPr>
+          <a:lstStyle/>
+          <a:p>
+            <a:pPr marL="285750" indent="-285750">
+              <a:buFont typeface="Arial" panose="020B0604020202020204" pitchFamily="34" charset="0"/>
+              <a:buChar char="•"/>
+            </a:pPr>
+            <a:r>
+              <a:rPr lang="en-AU" dirty="0">
+                <a:solidFill>
+                  <a:schemeClr val="bg1"/>
+                </a:solidFill>
+                <a:latin typeface="Fira Sans" panose="020B0503050000020004" pitchFamily="34" charset="0"/>
+              </a:rPr>
+              <a:t>I started programming when I was a kid. Had to write some manual parsers.</a:t>
+            </a:r>
+          </a:p>
+          <a:p>
+            <a:pPr marL="742950" lvl="1" indent="-285750">
+              <a:buFont typeface="Arial" panose="020B0604020202020204" pitchFamily="34" charset="0"/>
+              <a:buChar char="•"/>
+            </a:pPr>
+            <a:r>
+              <a:rPr lang="en-AU" dirty="0">
+                <a:solidFill>
+                  <a:schemeClr val="bg1"/>
+                </a:solidFill>
+                <a:latin typeface="Fira Sans" panose="020B0503050000020004" pitchFamily="34" charset="0"/>
+              </a:rPr>
+              <a:t>Conclusion reached – writing parsers SUCKS </a:t>
+            </a:r>
+            <a:r>
+              <a:rPr lang="en-AU" dirty="0"/>
+              <a:t>👎 👎 👎</a:t>
+            </a:r>
+          </a:p>
+          <a:p>
+            <a:pPr marL="285750" indent="-285750">
+              <a:buFont typeface="Arial" panose="020B0604020202020204" pitchFamily="34" charset="0"/>
+              <a:buChar char="•"/>
+            </a:pPr>
+            <a:endParaRPr lang="en-AU" dirty="0">
+              <a:solidFill>
+                <a:schemeClr val="bg1"/>
+              </a:solidFill>
+              <a:latin typeface="Fira Sans" panose="020B0503050000020004" pitchFamily="34" charset="0"/>
+            </a:endParaRPr>
+          </a:p>
+          <a:p>
+            <a:pPr marL="285750" indent="-285750">
+              <a:buFont typeface="Arial" panose="020B0604020202020204" pitchFamily="34" charset="0"/>
+              <a:buChar char="•"/>
+            </a:pPr>
+            <a:r>
+              <a:rPr lang="en-AU" dirty="0">
+                <a:solidFill>
+                  <a:schemeClr val="bg1"/>
+                </a:solidFill>
+                <a:latin typeface="Fira Sans" panose="020B0503050000020004" pitchFamily="34" charset="0"/>
+              </a:rPr>
+              <a:t>Went to </a:t>
+            </a:r>
+            <a:r>
+              <a:rPr lang="en-AU" dirty="0" err="1">
+                <a:solidFill>
+                  <a:schemeClr val="bg1"/>
+                </a:solidFill>
+                <a:latin typeface="Fira Sans" panose="020B0503050000020004" pitchFamily="34" charset="0"/>
+              </a:rPr>
+              <a:t>uni</a:t>
+            </a:r>
+            <a:r>
+              <a:rPr lang="en-AU" dirty="0">
+                <a:solidFill>
+                  <a:schemeClr val="bg1"/>
+                </a:solidFill>
+                <a:latin typeface="Fira Sans" panose="020B0503050000020004" pitchFamily="34" charset="0"/>
+              </a:rPr>
+              <a:t> and took COMP3400 and COMP4403,</a:t>
+            </a:r>
+          </a:p>
+          <a:p>
+            <a:r>
+              <a:rPr lang="en-AU" dirty="0">
+                <a:solidFill>
+                  <a:schemeClr val="bg1"/>
+                </a:solidFill>
+                <a:latin typeface="Fira Sans" panose="020B0503050000020004" pitchFamily="34" charset="0"/>
+              </a:rPr>
+              <a:t>     and learned what we are about to discuss</a:t>
+            </a:r>
+          </a:p>
+          <a:p>
+            <a:pPr marL="742950" lvl="1" indent="-285750">
+              <a:buFont typeface="Arial" panose="020B0604020202020204" pitchFamily="34" charset="0"/>
+              <a:buChar char="•"/>
+            </a:pPr>
+            <a:r>
+              <a:rPr lang="en-AU" dirty="0">
+                <a:solidFill>
+                  <a:schemeClr val="bg1"/>
+                </a:solidFill>
+                <a:latin typeface="Fira Sans" panose="020B0503050000020004" pitchFamily="34" charset="0"/>
+              </a:rPr>
+              <a:t>Conclusion reached – parsers are pretty sick</a:t>
+            </a:r>
+          </a:p>
+          <a:p>
+            <a:pPr marL="742950" lvl="1" indent="-285750">
+              <a:buFont typeface="Arial" panose="020B0604020202020204" pitchFamily="34" charset="0"/>
+              <a:buChar char="•"/>
+            </a:pPr>
+            <a:endParaRPr lang="en-AU" dirty="0">
+              <a:solidFill>
+                <a:schemeClr val="bg1"/>
+              </a:solidFill>
+              <a:latin typeface="Fira Sans" panose="020B0503050000020004" pitchFamily="34" charset="0"/>
+            </a:endParaRPr>
+          </a:p>
+          <a:p>
+            <a:pPr marL="285750" indent="-285750">
+              <a:buFont typeface="Arial" panose="020B0604020202020204" pitchFamily="34" charset="0"/>
+              <a:buChar char="•"/>
+            </a:pPr>
+            <a:r>
+              <a:rPr lang="en-AU" dirty="0">
+                <a:solidFill>
+                  <a:schemeClr val="bg1"/>
+                </a:solidFill>
+                <a:latin typeface="Fira Sans" panose="020B0503050000020004" pitchFamily="34" charset="0"/>
+              </a:rPr>
+              <a:t>Started writing a game and got to write my OWN parser using parser combinators, in Rust.</a:t>
+            </a:r>
+          </a:p>
+        </p:txBody>
+      </p:sp>
+      <p:pic>
+        <p:nvPicPr>
+          <p:cNvPr id="5" name="Picture 4" descr="A cartoon of a child with a surprised expression&#10;&#10;Description automatically generated">
+            <a:extLst>
+              <a:ext uri="{FF2B5EF4-FFF2-40B4-BE49-F238E27FC236}">
+                <a16:creationId xmlns:a16="http://schemas.microsoft.com/office/drawing/2014/main" id="{CD7FED63-B6D7-4AAF-0B77-60AECD9CA510}"/>
+              </a:ext>
+            </a:extLst>
+          </p:cNvPr>
+          <p:cNvPicPr>
+            <a:picLocks noChangeAspect="1"/>
+          </p:cNvPicPr>
+          <p:nvPr/>
+        </p:nvPicPr>
+        <p:blipFill>
+          <a:blip r:embed="rId2">
+            <a:extLst>
+              <a:ext uri="{28A0092B-C50C-407E-A947-70E740481C1C}">
+                <a14:useLocalDpi xmlns:a14="http://schemas.microsoft.com/office/drawing/2010/main" val="0"/>
+              </a:ext>
+            </a:extLst>
+          </a:blip>
+          <a:stretch>
+            <a:fillRect/>
+          </a:stretch>
+        </p:blipFill>
+        <p:spPr>
+          <a:xfrm>
+            <a:off x="8703282" y="1922023"/>
+            <a:ext cx="2830044" cy="3074229"/>
+          </a:xfrm>
+          <a:prstGeom prst="rect">
+            <a:avLst/>
+          </a:prstGeom>
+        </p:spPr>
+      </p:pic>
+      <p:sp>
+        <p:nvSpPr>
+          <p:cNvPr id="6" name="TextBox 5">
+            <a:extLst>
+              <a:ext uri="{FF2B5EF4-FFF2-40B4-BE49-F238E27FC236}">
+                <a16:creationId xmlns:a16="http://schemas.microsoft.com/office/drawing/2014/main" id="{8203C566-0F4E-B84F-F660-D785076E10AB}"/>
+              </a:ext>
+            </a:extLst>
+          </p:cNvPr>
+          <p:cNvSpPr txBox="1"/>
+          <p:nvPr/>
+        </p:nvSpPr>
+        <p:spPr>
+          <a:xfrm>
+            <a:off x="8703282" y="4996252"/>
+            <a:ext cx="2830044" cy="461665"/>
+          </a:xfrm>
+          <a:prstGeom prst="rect">
+            <a:avLst/>
+          </a:prstGeom>
+          <a:solidFill>
+            <a:schemeClr val="bg1"/>
+          </a:solidFill>
+        </p:spPr>
+        <p:txBody>
+          <a:bodyPr wrap="square" rtlCol="0">
+            <a:spAutoFit/>
+          </a:bodyPr>
+          <a:lstStyle/>
+          <a:p>
+            <a:r>
+              <a:rPr lang="en-AU" sz="1200" i="1" dirty="0">
+                <a:solidFill>
+                  <a:srgbClr val="1A1B26"/>
+                </a:solidFill>
+                <a:latin typeface="Fira Sans Light" panose="020B0403050000020004" pitchFamily="34" charset="0"/>
+              </a:rPr>
+              <a:t>Artist’s impression of me discovering that parsers rule</a:t>
+            </a:r>
+          </a:p>
+        </p:txBody>
+      </p:sp>
+    </p:spTree>
+    <p:extLst>
+      <p:ext uri="{BB962C8B-B14F-4D97-AF65-F5344CB8AC3E}">
+        <p14:creationId xmlns:p14="http://schemas.microsoft.com/office/powerpoint/2010/main" val="2004119030"/>
+      </p:ext>
+    </p:extLst>
+  </p:cSld>
+  <p:clrMapOvr>
+    <a:masterClrMapping/>
+  </p:clrMapOvr>
+</p:sld>
+</file>
+
+<file path=ppt/slides/slide17.xml><?xml version="1.0" encoding="utf-8"?>
+<p:sld xmlns:a="http://schemas.openxmlformats.org/drawingml/2006/main" xmlns:r="http://schemas.openxmlformats.org/officeDocument/2006/relationships" xmlns:p="http://schemas.openxmlformats.org/presentationml/2006/main" showMasterSp="0">
+  <p:cSld>
+    <p:spTree>
+      <p:nvGrpSpPr>
+        <p:cNvPr id="1" name=""/>
+        <p:cNvGrpSpPr/>
+        <p:nvPr/>
+      </p:nvGrpSpPr>
+      <p:grpSpPr>
+        <a:xfrm>
+          <a:off x="0" y="0"/>
+          <a:ext cx="0" cy="0"/>
+          <a:chOff x="0" y="0"/>
+          <a:chExt cx="0" cy="0"/>
+        </a:xfrm>
+      </p:grpSpPr>
+      <p:sp>
+        <p:nvSpPr>
+          <p:cNvPr id="2" name="Title 1">
+            <a:extLst>
+              <a:ext uri="{FF2B5EF4-FFF2-40B4-BE49-F238E27FC236}">
+                <a16:creationId xmlns:a16="http://schemas.microsoft.com/office/drawing/2014/main" id="{19C1CBF3-F8AF-C78D-D46C-4673A1808874}"/>
+              </a:ext>
+            </a:extLst>
+          </p:cNvPr>
+          <p:cNvSpPr>
+            <a:spLocks noGrp="1"/>
+          </p:cNvSpPr>
+          <p:nvPr>
+            <p:ph type="title"/>
+          </p:nvPr>
+        </p:nvSpPr>
+        <p:spPr>
+          <a:xfrm>
+            <a:off x="1077362" y="517057"/>
+            <a:ext cx="9950103" cy="800226"/>
+          </a:xfrm>
+        </p:spPr>
+        <p:txBody>
+          <a:bodyPr/>
+          <a:lstStyle/>
+          <a:p>
+            <a:r>
+              <a:rPr lang="en-AU" dirty="0">
+                <a:solidFill>
+                  <a:schemeClr val="bg1"/>
+                </a:solidFill>
+                <a:latin typeface="Fira Sans" panose="020B0503050000020004" pitchFamily="34" charset="0"/>
+              </a:rPr>
+              <a:t>Background – Why am I talking about parsers??</a:t>
+            </a:r>
+          </a:p>
+        </p:txBody>
+      </p:sp>
+      <p:sp>
+        <p:nvSpPr>
+          <p:cNvPr id="4" name="TextBox 3">
+            <a:extLst>
+              <a:ext uri="{FF2B5EF4-FFF2-40B4-BE49-F238E27FC236}">
+                <a16:creationId xmlns:a16="http://schemas.microsoft.com/office/drawing/2014/main" id="{A99310B0-782D-AA04-0F29-1A216A490C20}"/>
+              </a:ext>
+            </a:extLst>
+          </p:cNvPr>
+          <p:cNvSpPr txBox="1"/>
+          <p:nvPr/>
+        </p:nvSpPr>
+        <p:spPr>
+          <a:xfrm>
+            <a:off x="1164535" y="1845578"/>
+            <a:ext cx="6779839" cy="3970318"/>
+          </a:xfrm>
+          <a:prstGeom prst="rect">
+            <a:avLst/>
+          </a:prstGeom>
+          <a:noFill/>
+        </p:spPr>
+        <p:txBody>
+          <a:bodyPr wrap="square" rtlCol="0">
+            <a:spAutoFit/>
+          </a:bodyPr>
+          <a:lstStyle/>
+          <a:p>
+            <a:pPr marL="285750" indent="-285750">
+              <a:buFont typeface="Arial" panose="020B0604020202020204" pitchFamily="34" charset="0"/>
+              <a:buChar char="•"/>
+            </a:pPr>
+            <a:r>
+              <a:rPr lang="en-AU" dirty="0">
+                <a:solidFill>
+                  <a:schemeClr val="bg1"/>
+                </a:solidFill>
+                <a:latin typeface="Fira Sans" panose="020B0503050000020004" pitchFamily="34" charset="0"/>
+              </a:rPr>
+              <a:t>I started programming when I was a kid. Had to write some manual parsers.</a:t>
+            </a:r>
+          </a:p>
+          <a:p>
+            <a:pPr marL="742950" lvl="1" indent="-285750">
+              <a:buFont typeface="Arial" panose="020B0604020202020204" pitchFamily="34" charset="0"/>
+              <a:buChar char="•"/>
+            </a:pPr>
+            <a:r>
+              <a:rPr lang="en-AU" dirty="0">
+                <a:solidFill>
+                  <a:schemeClr val="bg1"/>
+                </a:solidFill>
+                <a:latin typeface="Fira Sans" panose="020B0503050000020004" pitchFamily="34" charset="0"/>
+              </a:rPr>
+              <a:t>Conclusion reached – writing parsers SUCKS </a:t>
+            </a:r>
+            <a:r>
+              <a:rPr lang="en-AU" dirty="0"/>
+              <a:t>👎 👎 👎</a:t>
+            </a:r>
+          </a:p>
+          <a:p>
+            <a:pPr marL="285750" indent="-285750">
+              <a:buFont typeface="Arial" panose="020B0604020202020204" pitchFamily="34" charset="0"/>
+              <a:buChar char="•"/>
+            </a:pPr>
+            <a:endParaRPr lang="en-AU" dirty="0">
+              <a:solidFill>
+                <a:schemeClr val="bg1"/>
+              </a:solidFill>
+              <a:latin typeface="Fira Sans" panose="020B0503050000020004" pitchFamily="34" charset="0"/>
+            </a:endParaRPr>
+          </a:p>
+          <a:p>
+            <a:pPr marL="285750" indent="-285750">
+              <a:buFont typeface="Arial" panose="020B0604020202020204" pitchFamily="34" charset="0"/>
+              <a:buChar char="•"/>
+            </a:pPr>
+            <a:r>
+              <a:rPr lang="en-AU" dirty="0">
+                <a:solidFill>
+                  <a:schemeClr val="bg1"/>
+                </a:solidFill>
+                <a:latin typeface="Fira Sans" panose="020B0503050000020004" pitchFamily="34" charset="0"/>
+              </a:rPr>
+              <a:t>Went to </a:t>
+            </a:r>
+            <a:r>
+              <a:rPr lang="en-AU" dirty="0" err="1">
+                <a:solidFill>
+                  <a:schemeClr val="bg1"/>
+                </a:solidFill>
+                <a:latin typeface="Fira Sans" panose="020B0503050000020004" pitchFamily="34" charset="0"/>
+              </a:rPr>
+              <a:t>uni</a:t>
+            </a:r>
+            <a:r>
+              <a:rPr lang="en-AU" dirty="0">
+                <a:solidFill>
+                  <a:schemeClr val="bg1"/>
+                </a:solidFill>
+                <a:latin typeface="Fira Sans" panose="020B0503050000020004" pitchFamily="34" charset="0"/>
+              </a:rPr>
+              <a:t> and took COMP3400 and COMP4403,</a:t>
+            </a:r>
+          </a:p>
+          <a:p>
+            <a:r>
+              <a:rPr lang="en-AU" dirty="0">
+                <a:solidFill>
+                  <a:schemeClr val="bg1"/>
+                </a:solidFill>
+                <a:latin typeface="Fira Sans" panose="020B0503050000020004" pitchFamily="34" charset="0"/>
+              </a:rPr>
+              <a:t>     and learned what we are about to discuss</a:t>
+            </a:r>
+          </a:p>
+          <a:p>
+            <a:pPr marL="742950" lvl="1" indent="-285750">
+              <a:buFont typeface="Arial" panose="020B0604020202020204" pitchFamily="34" charset="0"/>
+              <a:buChar char="•"/>
+            </a:pPr>
+            <a:r>
+              <a:rPr lang="en-AU" dirty="0">
+                <a:solidFill>
+                  <a:schemeClr val="bg1"/>
+                </a:solidFill>
+                <a:latin typeface="Fira Sans" panose="020B0503050000020004" pitchFamily="34" charset="0"/>
+              </a:rPr>
+              <a:t>Conclusion reached – parsers are pretty sick</a:t>
+            </a:r>
+          </a:p>
+          <a:p>
+            <a:pPr marL="742950" lvl="1" indent="-285750">
+              <a:buFont typeface="Arial" panose="020B0604020202020204" pitchFamily="34" charset="0"/>
+              <a:buChar char="•"/>
+            </a:pPr>
+            <a:endParaRPr lang="en-AU" dirty="0">
+              <a:solidFill>
+                <a:schemeClr val="bg1"/>
+              </a:solidFill>
+              <a:latin typeface="Fira Sans" panose="020B0503050000020004" pitchFamily="34" charset="0"/>
+            </a:endParaRPr>
+          </a:p>
+          <a:p>
+            <a:pPr marL="285750" indent="-285750">
+              <a:buFont typeface="Arial" panose="020B0604020202020204" pitchFamily="34" charset="0"/>
+              <a:buChar char="•"/>
+            </a:pPr>
+            <a:r>
+              <a:rPr lang="en-AU" dirty="0">
+                <a:solidFill>
+                  <a:schemeClr val="bg1"/>
+                </a:solidFill>
+                <a:latin typeface="Fira Sans" panose="020B0503050000020004" pitchFamily="34" charset="0"/>
+              </a:rPr>
+              <a:t>Started writing a game and got to write my OWN parser using parser combinators, in Rust.</a:t>
+            </a:r>
+          </a:p>
+          <a:p>
+            <a:pPr marL="285750" indent="-285750">
+              <a:buFont typeface="Arial" panose="020B0604020202020204" pitchFamily="34" charset="0"/>
+              <a:buChar char="•"/>
+            </a:pPr>
+            <a:endParaRPr lang="en-AU" dirty="0">
+              <a:solidFill>
+                <a:schemeClr val="bg1"/>
+              </a:solidFill>
+              <a:latin typeface="Fira Sans" panose="020B0503050000020004" pitchFamily="34" charset="0"/>
+            </a:endParaRPr>
+          </a:p>
+          <a:p>
+            <a:pPr marL="742950" lvl="1" indent="-285750">
+              <a:buFont typeface="Arial" panose="020B0604020202020204" pitchFamily="34" charset="0"/>
+              <a:buChar char="•"/>
+            </a:pPr>
+            <a:r>
+              <a:rPr lang="en-AU" dirty="0">
+                <a:solidFill>
+                  <a:schemeClr val="bg1"/>
+                </a:solidFill>
+                <a:latin typeface="Fira Sans" panose="020B0503050000020004" pitchFamily="34" charset="0"/>
+              </a:rPr>
+              <a:t>Conclusion reached – parser combinators are very fun and you can use them in whatever your favourite language is (not just Haskell!!!)</a:t>
+            </a:r>
+          </a:p>
+        </p:txBody>
+      </p:sp>
+      <p:pic>
+        <p:nvPicPr>
+          <p:cNvPr id="5" name="Picture 4" descr="A cartoon of a child with a surprised expression&#10;&#10;Description automatically generated">
+            <a:extLst>
+              <a:ext uri="{FF2B5EF4-FFF2-40B4-BE49-F238E27FC236}">
+                <a16:creationId xmlns:a16="http://schemas.microsoft.com/office/drawing/2014/main" id="{CD7FED63-B6D7-4AAF-0B77-60AECD9CA510}"/>
+              </a:ext>
+            </a:extLst>
+          </p:cNvPr>
+          <p:cNvPicPr>
+            <a:picLocks noChangeAspect="1"/>
+          </p:cNvPicPr>
+          <p:nvPr/>
+        </p:nvPicPr>
+        <p:blipFill>
+          <a:blip r:embed="rId2">
+            <a:extLst>
+              <a:ext uri="{28A0092B-C50C-407E-A947-70E740481C1C}">
+                <a14:useLocalDpi xmlns:a14="http://schemas.microsoft.com/office/drawing/2010/main" val="0"/>
+              </a:ext>
+            </a:extLst>
+          </a:blip>
+          <a:stretch>
+            <a:fillRect/>
+          </a:stretch>
+        </p:blipFill>
+        <p:spPr>
+          <a:xfrm>
+            <a:off x="8703282" y="1922023"/>
+            <a:ext cx="2830044" cy="3074229"/>
+          </a:xfrm>
+          <a:prstGeom prst="rect">
+            <a:avLst/>
+          </a:prstGeom>
+        </p:spPr>
+      </p:pic>
+      <p:sp>
+        <p:nvSpPr>
+          <p:cNvPr id="6" name="TextBox 5">
+            <a:extLst>
+              <a:ext uri="{FF2B5EF4-FFF2-40B4-BE49-F238E27FC236}">
+                <a16:creationId xmlns:a16="http://schemas.microsoft.com/office/drawing/2014/main" id="{8203C566-0F4E-B84F-F660-D785076E10AB}"/>
+              </a:ext>
+            </a:extLst>
+          </p:cNvPr>
+          <p:cNvSpPr txBox="1"/>
+          <p:nvPr/>
+        </p:nvSpPr>
+        <p:spPr>
+          <a:xfrm>
+            <a:off x="8703282" y="4996252"/>
+            <a:ext cx="2830044" cy="461665"/>
+          </a:xfrm>
+          <a:prstGeom prst="rect">
+            <a:avLst/>
+          </a:prstGeom>
+          <a:solidFill>
+            <a:schemeClr val="bg1"/>
+          </a:solidFill>
+        </p:spPr>
+        <p:txBody>
+          <a:bodyPr wrap="square" rtlCol="0">
+            <a:spAutoFit/>
+          </a:bodyPr>
+          <a:lstStyle/>
+          <a:p>
+            <a:r>
+              <a:rPr lang="en-AU" sz="1200" i="1" dirty="0">
+                <a:solidFill>
+                  <a:srgbClr val="1A1B26"/>
+                </a:solidFill>
+                <a:latin typeface="Fira Sans Light" panose="020B0403050000020004" pitchFamily="34" charset="0"/>
+              </a:rPr>
+              <a:t>Artist’s impression of me discovering that parsers rule</a:t>
+            </a:r>
+          </a:p>
+        </p:txBody>
+      </p:sp>
+    </p:spTree>
+    <p:extLst>
+      <p:ext uri="{BB962C8B-B14F-4D97-AF65-F5344CB8AC3E}">
+        <p14:creationId xmlns:p14="http://schemas.microsoft.com/office/powerpoint/2010/main" val="2927811407"/>
+      </p:ext>
+    </p:extLst>
+  </p:cSld>
+  <p:clrMapOvr>
+    <a:masterClrMapping/>
+  </p:clrMapOvr>
+</p:sld>
+</file>
+
+<file path=ppt/slides/slide18.xml><?xml version="1.0" encoding="utf-8"?>
+<p:sld xmlns:a="http://schemas.openxmlformats.org/drawingml/2006/main" xmlns:r="http://schemas.openxmlformats.org/officeDocument/2006/relationships" xmlns:p="http://schemas.openxmlformats.org/presentationml/2006/main" showMasterSp="0">
+  <p:cSld>
+    <p:spTree>
+      <p:nvGrpSpPr>
+        <p:cNvPr id="1" name=""/>
+        <p:cNvGrpSpPr/>
+        <p:nvPr/>
+      </p:nvGrpSpPr>
+      <p:grpSpPr>
+        <a:xfrm>
+          <a:off x="0" y="0"/>
+          <a:ext cx="0" cy="0"/>
+          <a:chOff x="0" y="0"/>
+          <a:chExt cx="0" cy="0"/>
+        </a:xfrm>
+      </p:grpSpPr>
+      <p:sp>
+        <p:nvSpPr>
+          <p:cNvPr id="2" name="Title 1">
+            <a:extLst>
+              <a:ext uri="{FF2B5EF4-FFF2-40B4-BE49-F238E27FC236}">
+                <a16:creationId xmlns:a16="http://schemas.microsoft.com/office/drawing/2014/main" id="{19C1CBF3-F8AF-C78D-D46C-4673A1808874}"/>
+              </a:ext>
+            </a:extLst>
+          </p:cNvPr>
+          <p:cNvSpPr>
+            <a:spLocks noGrp="1"/>
+          </p:cNvSpPr>
+          <p:nvPr>
+            <p:ph type="title"/>
+          </p:nvPr>
+        </p:nvSpPr>
+        <p:spPr>
+          <a:xfrm>
+            <a:off x="2833129" y="3154491"/>
+            <a:ext cx="6525742" cy="549018"/>
+          </a:xfrm>
+        </p:spPr>
+        <p:txBody>
+          <a:bodyPr>
+            <a:normAutofit fontScale="90000"/>
+          </a:bodyPr>
+          <a:lstStyle/>
+          <a:p>
+            <a:r>
+              <a:rPr lang="en-AU" dirty="0">
+                <a:solidFill>
+                  <a:schemeClr val="bg1"/>
+                </a:solidFill>
+                <a:latin typeface="Fira Sans" panose="020B0503050000020004" pitchFamily="34" charset="0"/>
+              </a:rPr>
+              <a:t>Part 1 – What are we parsing anyway?</a:t>
+            </a:r>
+          </a:p>
+        </p:txBody>
+      </p:sp>
+    </p:spTree>
+    <p:extLst>
+      <p:ext uri="{BB962C8B-B14F-4D97-AF65-F5344CB8AC3E}">
+        <p14:creationId xmlns:p14="http://schemas.microsoft.com/office/powerpoint/2010/main" val="3509142902"/>
+      </p:ext>
+    </p:extLst>
+  </p:cSld>
+  <p:clrMapOvr>
+    <a:masterClrMapping/>
+  </p:clrMapOvr>
+</p:sld>
+</file>
+
+<file path=ppt/slides/slide19.xml><?xml version="1.0" encoding="utf-8"?>
+<p:sld xmlns:a="http://schemas.openxmlformats.org/drawingml/2006/main" xmlns:r="http://schemas.openxmlformats.org/officeDocument/2006/relationships" xmlns:p="http://schemas.openxmlformats.org/presentationml/2006/main" showMasterSp="0">
+  <p:cSld>
+    <p:spTree>
+      <p:nvGrpSpPr>
+        <p:cNvPr id="1" name=""/>
+        <p:cNvGrpSpPr/>
+        <p:nvPr/>
+      </p:nvGrpSpPr>
+      <p:grpSpPr>
+        <a:xfrm>
+          <a:off x="0" y="0"/>
+          <a:ext cx="0" cy="0"/>
+          <a:chOff x="0" y="0"/>
+          <a:chExt cx="0" cy="0"/>
+        </a:xfrm>
+      </p:grpSpPr>
+      <p:sp>
+        <p:nvSpPr>
+          <p:cNvPr id="2" name="Title 1">
+            <a:extLst>
+              <a:ext uri="{FF2B5EF4-FFF2-40B4-BE49-F238E27FC236}">
+                <a16:creationId xmlns:a16="http://schemas.microsoft.com/office/drawing/2014/main" id="{19C1CBF3-F8AF-C78D-D46C-4673A1808874}"/>
+              </a:ext>
+            </a:extLst>
+          </p:cNvPr>
+          <p:cNvSpPr>
+            <a:spLocks noGrp="1"/>
+          </p:cNvSpPr>
+          <p:nvPr>
+            <p:ph type="title"/>
+          </p:nvPr>
+        </p:nvSpPr>
+        <p:spPr>
+          <a:xfrm>
+            <a:off x="1077362" y="517057"/>
+            <a:ext cx="9950103" cy="800226"/>
+          </a:xfrm>
+        </p:spPr>
+        <p:txBody>
+          <a:bodyPr/>
+          <a:lstStyle/>
+          <a:p>
+            <a:r>
+              <a:rPr lang="en-AU" dirty="0">
+                <a:solidFill>
+                  <a:schemeClr val="bg1"/>
+                </a:solidFill>
+                <a:latin typeface="Fira Sans" panose="020B0503050000020004" pitchFamily="34" charset="0"/>
+              </a:rPr>
+              <a:t>First there is the format</a:t>
+            </a:r>
+          </a:p>
+        </p:txBody>
+      </p:sp>
+      <p:sp>
+        <p:nvSpPr>
+          <p:cNvPr id="3" name="TextBox 2">
+            <a:extLst>
+              <a:ext uri="{FF2B5EF4-FFF2-40B4-BE49-F238E27FC236}">
+                <a16:creationId xmlns:a16="http://schemas.microsoft.com/office/drawing/2014/main" id="{F3FDC3BC-091F-CFCB-D3E3-183F4ED753BC}"/>
+              </a:ext>
+            </a:extLst>
+          </p:cNvPr>
+          <p:cNvSpPr txBox="1"/>
+          <p:nvPr/>
+        </p:nvSpPr>
+        <p:spPr>
+          <a:xfrm>
+            <a:off x="1164535" y="1845578"/>
+            <a:ext cx="9862930" cy="369332"/>
+          </a:xfrm>
+          <a:prstGeom prst="rect">
+            <a:avLst/>
+          </a:prstGeom>
+          <a:noFill/>
+        </p:spPr>
+        <p:txBody>
+          <a:bodyPr wrap="square" rtlCol="0">
+            <a:spAutoFit/>
+          </a:bodyPr>
+          <a:lstStyle/>
+          <a:p>
+            <a:pPr marL="285750" indent="-285750">
+              <a:buFont typeface="Arial" panose="020B0604020202020204" pitchFamily="34" charset="0"/>
+              <a:buChar char="•"/>
+            </a:pPr>
+            <a:r>
+              <a:rPr lang="en-AU" dirty="0">
+                <a:solidFill>
+                  <a:schemeClr val="bg1"/>
+                </a:solidFill>
+                <a:latin typeface="Fira Sans" panose="020B0503050000020004" pitchFamily="34" charset="0"/>
+              </a:rPr>
+              <a:t>If we want to write a parser, we first have to define the format of what we are parsing.</a:t>
+            </a:r>
+          </a:p>
+        </p:txBody>
+      </p:sp>
+    </p:spTree>
+    <p:extLst>
+      <p:ext uri="{BB962C8B-B14F-4D97-AF65-F5344CB8AC3E}">
+        <p14:creationId xmlns:p14="http://schemas.microsoft.com/office/powerpoint/2010/main" val="3937297567"/>
+      </p:ext>
+    </p:extLst>
+  </p:cSld>
+  <p:clrMapOvr>
+    <a:masterClrMapping/>
+  </p:clrMapOvr>
+</p:sld>
+</file>
+
 <file path=ppt/slides/slide2.xml><?xml version="1.0" encoding="utf-8"?>
-<p:sld xmlns:a="http://schemas.openxmlformats.org/drawingml/2006/main" xmlns:r="http://schemas.openxmlformats.org/officeDocument/2006/relationships" xmlns:p="http://schemas.openxmlformats.org/presentationml/2006/main">
+<p:sld xmlns:a="http://schemas.openxmlformats.org/drawingml/2006/main" xmlns:r="http://schemas.openxmlformats.org/officeDocument/2006/relationships" xmlns:p="http://schemas.openxmlformats.org/presentationml/2006/main" showMasterSp="0">
   <p:cSld>
-    <p:bg>
-      <p:bgPr>
-        <a:solidFill>
-          <a:srgbClr val="1A1B26"/>
-        </a:solidFill>
-        <a:effectLst/>
-      </p:bgPr>
-    </p:bg>
     <p:spTree>
       <p:nvGrpSpPr>
         <p:cNvPr id="1" name=""/>
@@ -6926,17 +8751,2111 @@
 </p:sld>
 </file>
 
+<file path=ppt/slides/slide20.xml><?xml version="1.0" encoding="utf-8"?>
+<p:sld xmlns:a="http://schemas.openxmlformats.org/drawingml/2006/main" xmlns:r="http://schemas.openxmlformats.org/officeDocument/2006/relationships" xmlns:p="http://schemas.openxmlformats.org/presentationml/2006/main" showMasterSp="0">
+  <p:cSld>
+    <p:spTree>
+      <p:nvGrpSpPr>
+        <p:cNvPr id="1" name=""/>
+        <p:cNvGrpSpPr/>
+        <p:nvPr/>
+      </p:nvGrpSpPr>
+      <p:grpSpPr>
+        <a:xfrm>
+          <a:off x="0" y="0"/>
+          <a:ext cx="0" cy="0"/>
+          <a:chOff x="0" y="0"/>
+          <a:chExt cx="0" cy="0"/>
+        </a:xfrm>
+      </p:grpSpPr>
+      <p:sp>
+        <p:nvSpPr>
+          <p:cNvPr id="2" name="Title 1">
+            <a:extLst>
+              <a:ext uri="{FF2B5EF4-FFF2-40B4-BE49-F238E27FC236}">
+                <a16:creationId xmlns:a16="http://schemas.microsoft.com/office/drawing/2014/main" id="{19C1CBF3-F8AF-C78D-D46C-4673A1808874}"/>
+              </a:ext>
+            </a:extLst>
+          </p:cNvPr>
+          <p:cNvSpPr>
+            <a:spLocks noGrp="1"/>
+          </p:cNvSpPr>
+          <p:nvPr>
+            <p:ph type="title"/>
+          </p:nvPr>
+        </p:nvSpPr>
+        <p:spPr>
+          <a:xfrm>
+            <a:off x="1077362" y="517057"/>
+            <a:ext cx="9950103" cy="800226"/>
+          </a:xfrm>
+        </p:spPr>
+        <p:txBody>
+          <a:bodyPr/>
+          <a:lstStyle/>
+          <a:p>
+            <a:r>
+              <a:rPr lang="en-AU" dirty="0">
+                <a:solidFill>
+                  <a:schemeClr val="bg1"/>
+                </a:solidFill>
+                <a:latin typeface="Fira Sans" panose="020B0503050000020004" pitchFamily="34" charset="0"/>
+              </a:rPr>
+              <a:t>First there is the format</a:t>
+            </a:r>
+          </a:p>
+        </p:txBody>
+      </p:sp>
+      <p:sp>
+        <p:nvSpPr>
+          <p:cNvPr id="3" name="TextBox 2">
+            <a:extLst>
+              <a:ext uri="{FF2B5EF4-FFF2-40B4-BE49-F238E27FC236}">
+                <a16:creationId xmlns:a16="http://schemas.microsoft.com/office/drawing/2014/main" id="{F3FDC3BC-091F-CFCB-D3E3-183F4ED753BC}"/>
+              </a:ext>
+            </a:extLst>
+          </p:cNvPr>
+          <p:cNvSpPr txBox="1"/>
+          <p:nvPr/>
+        </p:nvSpPr>
+        <p:spPr>
+          <a:xfrm>
+            <a:off x="1164535" y="1845578"/>
+            <a:ext cx="9862930" cy="923330"/>
+          </a:xfrm>
+          <a:prstGeom prst="rect">
+            <a:avLst/>
+          </a:prstGeom>
+          <a:noFill/>
+        </p:spPr>
+        <p:txBody>
+          <a:bodyPr wrap="square" rtlCol="0">
+            <a:spAutoFit/>
+          </a:bodyPr>
+          <a:lstStyle/>
+          <a:p>
+            <a:pPr marL="285750" indent="-285750">
+              <a:buFont typeface="Arial" panose="020B0604020202020204" pitchFamily="34" charset="0"/>
+              <a:buChar char="•"/>
+            </a:pPr>
+            <a:r>
+              <a:rPr lang="en-AU" dirty="0">
+                <a:solidFill>
+                  <a:schemeClr val="bg1"/>
+                </a:solidFill>
+                <a:latin typeface="Fira Sans" panose="020B0503050000020004" pitchFamily="34" charset="0"/>
+              </a:rPr>
+              <a:t>If we want to write a parser, we first have to define the format of what we are parsing.</a:t>
+            </a:r>
+          </a:p>
+          <a:p>
+            <a:pPr marL="285750" indent="-285750">
+              <a:buFont typeface="Arial" panose="020B0604020202020204" pitchFamily="34" charset="0"/>
+              <a:buChar char="•"/>
+            </a:pPr>
+            <a:endParaRPr lang="en-AU" dirty="0">
+              <a:solidFill>
+                <a:schemeClr val="bg1"/>
+              </a:solidFill>
+              <a:latin typeface="Fira Sans" panose="020B0503050000020004" pitchFamily="34" charset="0"/>
+            </a:endParaRPr>
+          </a:p>
+          <a:p>
+            <a:pPr marL="285750" indent="-285750">
+              <a:buFont typeface="Arial" panose="020B0604020202020204" pitchFamily="34" charset="0"/>
+              <a:buChar char="•"/>
+            </a:pPr>
+            <a:r>
+              <a:rPr lang="en-AU" dirty="0">
+                <a:solidFill>
+                  <a:schemeClr val="bg1"/>
+                </a:solidFill>
+                <a:latin typeface="Fira Sans" panose="020B0503050000020004" pitchFamily="34" charset="0"/>
+              </a:rPr>
+              <a:t>We define a</a:t>
+            </a:r>
+            <a:r>
+              <a:rPr lang="en-AU" i="1" dirty="0">
+                <a:solidFill>
+                  <a:schemeClr val="bg1"/>
+                </a:solidFill>
+                <a:latin typeface="Fira Sans" panose="020B0503050000020004" pitchFamily="34" charset="0"/>
+              </a:rPr>
+              <a:t> grammar</a:t>
+            </a:r>
+            <a:endParaRPr lang="en-AU" dirty="0">
+              <a:solidFill>
+                <a:schemeClr val="bg1"/>
+              </a:solidFill>
+              <a:latin typeface="Fira Sans" panose="020B0503050000020004" pitchFamily="34" charset="0"/>
+            </a:endParaRPr>
+          </a:p>
+        </p:txBody>
+      </p:sp>
+    </p:spTree>
+    <p:extLst>
+      <p:ext uri="{BB962C8B-B14F-4D97-AF65-F5344CB8AC3E}">
+        <p14:creationId xmlns:p14="http://schemas.microsoft.com/office/powerpoint/2010/main" val="1667011111"/>
+      </p:ext>
+    </p:extLst>
+  </p:cSld>
+  <p:clrMapOvr>
+    <a:masterClrMapping/>
+  </p:clrMapOvr>
+</p:sld>
+</file>
+
+<file path=ppt/slides/slide21.xml><?xml version="1.0" encoding="utf-8"?>
+<p:sld xmlns:a="http://schemas.openxmlformats.org/drawingml/2006/main" xmlns:r="http://schemas.openxmlformats.org/officeDocument/2006/relationships" xmlns:p="http://schemas.openxmlformats.org/presentationml/2006/main" showMasterSp="0">
+  <p:cSld>
+    <p:spTree>
+      <p:nvGrpSpPr>
+        <p:cNvPr id="1" name=""/>
+        <p:cNvGrpSpPr/>
+        <p:nvPr/>
+      </p:nvGrpSpPr>
+      <p:grpSpPr>
+        <a:xfrm>
+          <a:off x="0" y="0"/>
+          <a:ext cx="0" cy="0"/>
+          <a:chOff x="0" y="0"/>
+          <a:chExt cx="0" cy="0"/>
+        </a:xfrm>
+      </p:grpSpPr>
+      <p:sp>
+        <p:nvSpPr>
+          <p:cNvPr id="2" name="Title 1">
+            <a:extLst>
+              <a:ext uri="{FF2B5EF4-FFF2-40B4-BE49-F238E27FC236}">
+                <a16:creationId xmlns:a16="http://schemas.microsoft.com/office/drawing/2014/main" id="{19C1CBF3-F8AF-C78D-D46C-4673A1808874}"/>
+              </a:ext>
+            </a:extLst>
+          </p:cNvPr>
+          <p:cNvSpPr>
+            <a:spLocks noGrp="1"/>
+          </p:cNvSpPr>
+          <p:nvPr>
+            <p:ph type="title"/>
+          </p:nvPr>
+        </p:nvSpPr>
+        <p:spPr>
+          <a:xfrm>
+            <a:off x="1077362" y="517057"/>
+            <a:ext cx="9950103" cy="800226"/>
+          </a:xfrm>
+        </p:spPr>
+        <p:txBody>
+          <a:bodyPr/>
+          <a:lstStyle/>
+          <a:p>
+            <a:r>
+              <a:rPr lang="en-AU" dirty="0">
+                <a:solidFill>
+                  <a:schemeClr val="bg1"/>
+                </a:solidFill>
+                <a:latin typeface="Fira Sans" panose="020B0503050000020004" pitchFamily="34" charset="0"/>
+              </a:rPr>
+              <a:t>First there is the format</a:t>
+            </a:r>
+          </a:p>
+        </p:txBody>
+      </p:sp>
+      <p:sp>
+        <p:nvSpPr>
+          <p:cNvPr id="3" name="TextBox 2">
+            <a:extLst>
+              <a:ext uri="{FF2B5EF4-FFF2-40B4-BE49-F238E27FC236}">
+                <a16:creationId xmlns:a16="http://schemas.microsoft.com/office/drawing/2014/main" id="{F3FDC3BC-091F-CFCB-D3E3-183F4ED753BC}"/>
+              </a:ext>
+            </a:extLst>
+          </p:cNvPr>
+          <p:cNvSpPr txBox="1"/>
+          <p:nvPr/>
+        </p:nvSpPr>
+        <p:spPr>
+          <a:xfrm>
+            <a:off x="1164535" y="1845578"/>
+            <a:ext cx="9862930" cy="1754326"/>
+          </a:xfrm>
+          <a:prstGeom prst="rect">
+            <a:avLst/>
+          </a:prstGeom>
+          <a:noFill/>
+        </p:spPr>
+        <p:txBody>
+          <a:bodyPr wrap="square" rtlCol="0">
+            <a:spAutoFit/>
+          </a:bodyPr>
+          <a:lstStyle/>
+          <a:p>
+            <a:pPr marL="285750" indent="-285750">
+              <a:buFont typeface="Arial" panose="020B0604020202020204" pitchFamily="34" charset="0"/>
+              <a:buChar char="•"/>
+            </a:pPr>
+            <a:r>
+              <a:rPr lang="en-AU" dirty="0">
+                <a:solidFill>
+                  <a:schemeClr val="bg1"/>
+                </a:solidFill>
+                <a:latin typeface="Fira Sans" panose="020B0503050000020004" pitchFamily="34" charset="0"/>
+              </a:rPr>
+              <a:t>If we want to write a parser, we first have to define the format of what we are parsing.</a:t>
+            </a:r>
+          </a:p>
+          <a:p>
+            <a:pPr marL="285750" indent="-285750">
+              <a:buFont typeface="Arial" panose="020B0604020202020204" pitchFamily="34" charset="0"/>
+              <a:buChar char="•"/>
+            </a:pPr>
+            <a:endParaRPr lang="en-AU" dirty="0">
+              <a:solidFill>
+                <a:schemeClr val="bg1"/>
+              </a:solidFill>
+              <a:latin typeface="Fira Sans" panose="020B0503050000020004" pitchFamily="34" charset="0"/>
+            </a:endParaRPr>
+          </a:p>
+          <a:p>
+            <a:pPr marL="285750" indent="-285750">
+              <a:buFont typeface="Arial" panose="020B0604020202020204" pitchFamily="34" charset="0"/>
+              <a:buChar char="•"/>
+            </a:pPr>
+            <a:r>
+              <a:rPr lang="en-AU" dirty="0">
+                <a:solidFill>
+                  <a:schemeClr val="bg1"/>
+                </a:solidFill>
+                <a:latin typeface="Fira Sans" panose="020B0503050000020004" pitchFamily="34" charset="0"/>
+              </a:rPr>
+              <a:t>We define a</a:t>
+            </a:r>
+            <a:r>
+              <a:rPr lang="en-AU" i="1" dirty="0">
+                <a:solidFill>
+                  <a:schemeClr val="bg1"/>
+                </a:solidFill>
+                <a:latin typeface="Fira Sans" panose="020B0503050000020004" pitchFamily="34" charset="0"/>
+              </a:rPr>
+              <a:t> grammar</a:t>
+            </a:r>
+          </a:p>
+          <a:p>
+            <a:pPr marL="742950" lvl="1" indent="-285750">
+              <a:buFont typeface="Arial" panose="020B0604020202020204" pitchFamily="34" charset="0"/>
+              <a:buChar char="•"/>
+            </a:pPr>
+            <a:r>
+              <a:rPr lang="en-AU" dirty="0">
+                <a:solidFill>
+                  <a:schemeClr val="bg1"/>
+                </a:solidFill>
+                <a:latin typeface="Fira Sans" panose="020B0503050000020004" pitchFamily="34" charset="0"/>
+              </a:rPr>
+              <a:t>(covered in COMP4403 – compilers and interpreters)</a:t>
+            </a:r>
+          </a:p>
+          <a:p>
+            <a:pPr marL="742950" lvl="1" indent="-285750">
+              <a:buFont typeface="Arial" panose="020B0604020202020204" pitchFamily="34" charset="0"/>
+              <a:buChar char="•"/>
+            </a:pPr>
+            <a:endParaRPr lang="en-AU" dirty="0">
+              <a:solidFill>
+                <a:schemeClr val="bg1"/>
+              </a:solidFill>
+              <a:latin typeface="Fira Sans" panose="020B0503050000020004" pitchFamily="34" charset="0"/>
+            </a:endParaRPr>
+          </a:p>
+          <a:p>
+            <a:pPr marL="285750" indent="-285750">
+              <a:buFont typeface="Arial" panose="020B0604020202020204" pitchFamily="34" charset="0"/>
+              <a:buChar char="•"/>
+            </a:pPr>
+            <a:r>
+              <a:rPr lang="en-AU" dirty="0">
+                <a:solidFill>
+                  <a:schemeClr val="bg1"/>
+                </a:solidFill>
+                <a:latin typeface="Fira Sans" panose="020B0503050000020004" pitchFamily="34" charset="0"/>
+              </a:rPr>
+              <a:t>The grammar then tells us how to write the parser.</a:t>
+            </a:r>
+          </a:p>
+        </p:txBody>
+      </p:sp>
+    </p:spTree>
+    <p:extLst>
+      <p:ext uri="{BB962C8B-B14F-4D97-AF65-F5344CB8AC3E}">
+        <p14:creationId xmlns:p14="http://schemas.microsoft.com/office/powerpoint/2010/main" val="1869048801"/>
+      </p:ext>
+    </p:extLst>
+  </p:cSld>
+  <p:clrMapOvr>
+    <a:masterClrMapping/>
+  </p:clrMapOvr>
+</p:sld>
+</file>
+
+<file path=ppt/slides/slide22.xml><?xml version="1.0" encoding="utf-8"?>
+<p:sld xmlns:a="http://schemas.openxmlformats.org/drawingml/2006/main" xmlns:r="http://schemas.openxmlformats.org/officeDocument/2006/relationships" xmlns:p="http://schemas.openxmlformats.org/presentationml/2006/main" showMasterSp="0">
+  <p:cSld>
+    <p:spTree>
+      <p:nvGrpSpPr>
+        <p:cNvPr id="1" name=""/>
+        <p:cNvGrpSpPr/>
+        <p:nvPr/>
+      </p:nvGrpSpPr>
+      <p:grpSpPr>
+        <a:xfrm>
+          <a:off x="0" y="0"/>
+          <a:ext cx="0" cy="0"/>
+          <a:chOff x="0" y="0"/>
+          <a:chExt cx="0" cy="0"/>
+        </a:xfrm>
+      </p:grpSpPr>
+      <p:sp>
+        <p:nvSpPr>
+          <p:cNvPr id="2" name="Title 1">
+            <a:extLst>
+              <a:ext uri="{FF2B5EF4-FFF2-40B4-BE49-F238E27FC236}">
+                <a16:creationId xmlns:a16="http://schemas.microsoft.com/office/drawing/2014/main" id="{19C1CBF3-F8AF-C78D-D46C-4673A1808874}"/>
+              </a:ext>
+            </a:extLst>
+          </p:cNvPr>
+          <p:cNvSpPr>
+            <a:spLocks noGrp="1"/>
+          </p:cNvSpPr>
+          <p:nvPr>
+            <p:ph type="title"/>
+          </p:nvPr>
+        </p:nvSpPr>
+        <p:spPr>
+          <a:xfrm>
+            <a:off x="1077362" y="517057"/>
+            <a:ext cx="9950103" cy="800226"/>
+          </a:xfrm>
+        </p:spPr>
+        <p:txBody>
+          <a:bodyPr/>
+          <a:lstStyle/>
+          <a:p>
+            <a:r>
+              <a:rPr lang="en-AU" dirty="0">
+                <a:solidFill>
+                  <a:schemeClr val="bg1"/>
+                </a:solidFill>
+                <a:latin typeface="Fira Sans" panose="020B0503050000020004" pitchFamily="34" charset="0"/>
+              </a:rPr>
+              <a:t>My first grammar</a:t>
+            </a:r>
+          </a:p>
+        </p:txBody>
+      </p:sp>
+    </p:spTree>
+    <p:extLst>
+      <p:ext uri="{BB962C8B-B14F-4D97-AF65-F5344CB8AC3E}">
+        <p14:creationId xmlns:p14="http://schemas.microsoft.com/office/powerpoint/2010/main" val="1009030900"/>
+      </p:ext>
+    </p:extLst>
+  </p:cSld>
+  <p:clrMapOvr>
+    <a:masterClrMapping/>
+  </p:clrMapOvr>
+</p:sld>
+</file>
+
+<file path=ppt/slides/slide23.xml><?xml version="1.0" encoding="utf-8"?>
+<p:sld xmlns:a="http://schemas.openxmlformats.org/drawingml/2006/main" xmlns:r="http://schemas.openxmlformats.org/officeDocument/2006/relationships" xmlns:p="http://schemas.openxmlformats.org/presentationml/2006/main" showMasterSp="0">
+  <p:cSld>
+    <p:spTree>
+      <p:nvGrpSpPr>
+        <p:cNvPr id="1" name=""/>
+        <p:cNvGrpSpPr/>
+        <p:nvPr/>
+      </p:nvGrpSpPr>
+      <p:grpSpPr>
+        <a:xfrm>
+          <a:off x="0" y="0"/>
+          <a:ext cx="0" cy="0"/>
+          <a:chOff x="0" y="0"/>
+          <a:chExt cx="0" cy="0"/>
+        </a:xfrm>
+      </p:grpSpPr>
+      <p:sp>
+        <p:nvSpPr>
+          <p:cNvPr id="2" name="Title 1">
+            <a:extLst>
+              <a:ext uri="{FF2B5EF4-FFF2-40B4-BE49-F238E27FC236}">
+                <a16:creationId xmlns:a16="http://schemas.microsoft.com/office/drawing/2014/main" id="{19C1CBF3-F8AF-C78D-D46C-4673A1808874}"/>
+              </a:ext>
+            </a:extLst>
+          </p:cNvPr>
+          <p:cNvSpPr>
+            <a:spLocks noGrp="1"/>
+          </p:cNvSpPr>
+          <p:nvPr>
+            <p:ph type="title"/>
+          </p:nvPr>
+        </p:nvSpPr>
+        <p:spPr>
+          <a:xfrm>
+            <a:off x="1077362" y="517057"/>
+            <a:ext cx="9950103" cy="800226"/>
+          </a:xfrm>
+        </p:spPr>
+        <p:txBody>
+          <a:bodyPr/>
+          <a:lstStyle/>
+          <a:p>
+            <a:r>
+              <a:rPr lang="en-AU" dirty="0">
+                <a:solidFill>
+                  <a:schemeClr val="bg1"/>
+                </a:solidFill>
+                <a:latin typeface="Fira Sans" panose="020B0503050000020004" pitchFamily="34" charset="0"/>
+              </a:rPr>
+              <a:t>My first grammar</a:t>
+            </a:r>
+          </a:p>
+        </p:txBody>
+      </p:sp>
+      <p:sp>
+        <p:nvSpPr>
+          <p:cNvPr id="7" name="TextBox 6">
+            <a:extLst>
+              <a:ext uri="{FF2B5EF4-FFF2-40B4-BE49-F238E27FC236}">
+                <a16:creationId xmlns:a16="http://schemas.microsoft.com/office/drawing/2014/main" id="{B28E0FFE-DD54-BFC4-B40E-87E75FAFDB1C}"/>
+              </a:ext>
+            </a:extLst>
+          </p:cNvPr>
+          <p:cNvSpPr txBox="1"/>
+          <p:nvPr/>
+        </p:nvSpPr>
+        <p:spPr>
+          <a:xfrm>
+            <a:off x="2384920" y="2665385"/>
+            <a:ext cx="7422159" cy="400110"/>
+          </a:xfrm>
+          <a:prstGeom prst="rect">
+            <a:avLst/>
+          </a:prstGeom>
+          <a:noFill/>
+        </p:spPr>
+        <p:txBody>
+          <a:bodyPr wrap="square">
+            <a:spAutoFit/>
+          </a:bodyPr>
+          <a:lstStyle/>
+          <a:p>
+            <a:r>
+              <a:rPr lang="en-US" sz="2000" b="0" dirty="0" err="1">
+                <a:solidFill>
+                  <a:srgbClr val="89DDFF"/>
+                </a:solidFill>
+                <a:effectLst/>
+                <a:latin typeface="JetBrains Mono Regular" panose="02000009000000000000" pitchFamily="49" charset="0"/>
+              </a:rPr>
+              <a:t>symbolName</a:t>
+            </a:r>
+            <a:r>
+              <a:rPr lang="en-US" sz="2000" b="0" dirty="0">
+                <a:solidFill>
+                  <a:srgbClr val="89DDFF"/>
+                </a:solidFill>
+                <a:effectLst/>
+                <a:latin typeface="JetBrains Mono Regular" panose="02000009000000000000" pitchFamily="49" charset="0"/>
+              </a:rPr>
+              <a:t> ::= /* the structure of the text */</a:t>
+            </a:r>
+            <a:endParaRPr lang="en-US" sz="2000" b="0" dirty="0">
+              <a:solidFill>
+                <a:srgbClr val="A9B1D6"/>
+              </a:solidFill>
+              <a:effectLst/>
+              <a:latin typeface="JetBrains Mono Regular" panose="02000009000000000000" pitchFamily="49" charset="0"/>
+            </a:endParaRPr>
+          </a:p>
+        </p:txBody>
+      </p:sp>
+    </p:spTree>
+    <p:extLst>
+      <p:ext uri="{BB962C8B-B14F-4D97-AF65-F5344CB8AC3E}">
+        <p14:creationId xmlns:p14="http://schemas.microsoft.com/office/powerpoint/2010/main" val="2972436478"/>
+      </p:ext>
+    </p:extLst>
+  </p:cSld>
+  <p:clrMapOvr>
+    <a:masterClrMapping/>
+  </p:clrMapOvr>
+</p:sld>
+</file>
+
+<file path=ppt/slides/slide24.xml><?xml version="1.0" encoding="utf-8"?>
+<p:sld xmlns:a="http://schemas.openxmlformats.org/drawingml/2006/main" xmlns:r="http://schemas.openxmlformats.org/officeDocument/2006/relationships" xmlns:p="http://schemas.openxmlformats.org/presentationml/2006/main" showMasterSp="0">
+  <p:cSld>
+    <p:spTree>
+      <p:nvGrpSpPr>
+        <p:cNvPr id="1" name=""/>
+        <p:cNvGrpSpPr/>
+        <p:nvPr/>
+      </p:nvGrpSpPr>
+      <p:grpSpPr>
+        <a:xfrm>
+          <a:off x="0" y="0"/>
+          <a:ext cx="0" cy="0"/>
+          <a:chOff x="0" y="0"/>
+          <a:chExt cx="0" cy="0"/>
+        </a:xfrm>
+      </p:grpSpPr>
+      <p:sp>
+        <p:nvSpPr>
+          <p:cNvPr id="2" name="Title 1">
+            <a:extLst>
+              <a:ext uri="{FF2B5EF4-FFF2-40B4-BE49-F238E27FC236}">
+                <a16:creationId xmlns:a16="http://schemas.microsoft.com/office/drawing/2014/main" id="{19C1CBF3-F8AF-C78D-D46C-4673A1808874}"/>
+              </a:ext>
+            </a:extLst>
+          </p:cNvPr>
+          <p:cNvSpPr>
+            <a:spLocks noGrp="1"/>
+          </p:cNvSpPr>
+          <p:nvPr>
+            <p:ph type="title"/>
+          </p:nvPr>
+        </p:nvSpPr>
+        <p:spPr>
+          <a:xfrm>
+            <a:off x="1077362" y="517057"/>
+            <a:ext cx="9950103" cy="800226"/>
+          </a:xfrm>
+        </p:spPr>
+        <p:txBody>
+          <a:bodyPr/>
+          <a:lstStyle/>
+          <a:p>
+            <a:r>
+              <a:rPr lang="en-AU" dirty="0">
+                <a:solidFill>
+                  <a:schemeClr val="bg1"/>
+                </a:solidFill>
+                <a:latin typeface="Fira Sans" panose="020B0503050000020004" pitchFamily="34" charset="0"/>
+              </a:rPr>
+              <a:t>My first grammar</a:t>
+            </a:r>
+          </a:p>
+        </p:txBody>
+      </p:sp>
+      <p:sp>
+        <p:nvSpPr>
+          <p:cNvPr id="4" name="TextBox 3">
+            <a:extLst>
+              <a:ext uri="{FF2B5EF4-FFF2-40B4-BE49-F238E27FC236}">
+                <a16:creationId xmlns:a16="http://schemas.microsoft.com/office/drawing/2014/main" id="{B3F2AB9F-D023-429C-382E-2923594A6AC7}"/>
+              </a:ext>
+            </a:extLst>
+          </p:cNvPr>
+          <p:cNvSpPr txBox="1"/>
+          <p:nvPr/>
+        </p:nvSpPr>
+        <p:spPr>
+          <a:xfrm>
+            <a:off x="1520504" y="2296216"/>
+            <a:ext cx="9116736" cy="461665"/>
+          </a:xfrm>
+          <a:prstGeom prst="rect">
+            <a:avLst/>
+          </a:prstGeom>
+          <a:noFill/>
+        </p:spPr>
+        <p:txBody>
+          <a:bodyPr wrap="square">
+            <a:spAutoFit/>
+          </a:bodyPr>
+          <a:lstStyle/>
+          <a:p>
+            <a:r>
+              <a:rPr lang="en-AU" sz="2400" b="0" dirty="0">
+                <a:solidFill>
+                  <a:srgbClr val="89DDFF"/>
+                </a:solidFill>
+                <a:effectLst/>
+                <a:latin typeface="JetBrains Mono Regular" panose="02000009000000000000" pitchFamily="49" charset="0"/>
+              </a:rPr>
+              <a:t>name ::= "</a:t>
+            </a:r>
+            <a:r>
+              <a:rPr lang="en-AU" sz="2400" b="0" dirty="0" err="1">
+                <a:solidFill>
+                  <a:srgbClr val="89DDFF"/>
+                </a:solidFill>
+                <a:effectLst/>
+                <a:latin typeface="JetBrains Mono Regular" panose="02000009000000000000" pitchFamily="49" charset="0"/>
+              </a:rPr>
+              <a:t>uqcs</a:t>
+            </a:r>
+            <a:r>
+              <a:rPr lang="en-AU" sz="2400" b="0" dirty="0">
+                <a:solidFill>
+                  <a:srgbClr val="89DDFF"/>
+                </a:solidFill>
+                <a:effectLst/>
+                <a:latin typeface="JetBrains Mono Regular" panose="02000009000000000000" pitchFamily="49" charset="0"/>
+              </a:rPr>
+              <a:t>"</a:t>
+            </a:r>
+          </a:p>
+        </p:txBody>
+      </p:sp>
+    </p:spTree>
+    <p:extLst>
+      <p:ext uri="{BB962C8B-B14F-4D97-AF65-F5344CB8AC3E}">
+        <p14:creationId xmlns:p14="http://schemas.microsoft.com/office/powerpoint/2010/main" val="2755304336"/>
+      </p:ext>
+    </p:extLst>
+  </p:cSld>
+  <p:clrMapOvr>
+    <a:masterClrMapping/>
+  </p:clrMapOvr>
+</p:sld>
+</file>
+
+<file path=ppt/slides/slide25.xml><?xml version="1.0" encoding="utf-8"?>
+<p:sld xmlns:a="http://schemas.openxmlformats.org/drawingml/2006/main" xmlns:r="http://schemas.openxmlformats.org/officeDocument/2006/relationships" xmlns:p="http://schemas.openxmlformats.org/presentationml/2006/main" showMasterSp="0">
+  <p:cSld>
+    <p:spTree>
+      <p:nvGrpSpPr>
+        <p:cNvPr id="1" name=""/>
+        <p:cNvGrpSpPr/>
+        <p:nvPr/>
+      </p:nvGrpSpPr>
+      <p:grpSpPr>
+        <a:xfrm>
+          <a:off x="0" y="0"/>
+          <a:ext cx="0" cy="0"/>
+          <a:chOff x="0" y="0"/>
+          <a:chExt cx="0" cy="0"/>
+        </a:xfrm>
+      </p:grpSpPr>
+      <p:sp>
+        <p:nvSpPr>
+          <p:cNvPr id="2" name="Title 1">
+            <a:extLst>
+              <a:ext uri="{FF2B5EF4-FFF2-40B4-BE49-F238E27FC236}">
+                <a16:creationId xmlns:a16="http://schemas.microsoft.com/office/drawing/2014/main" id="{19C1CBF3-F8AF-C78D-D46C-4673A1808874}"/>
+              </a:ext>
+            </a:extLst>
+          </p:cNvPr>
+          <p:cNvSpPr>
+            <a:spLocks noGrp="1"/>
+          </p:cNvSpPr>
+          <p:nvPr>
+            <p:ph type="title"/>
+          </p:nvPr>
+        </p:nvSpPr>
+        <p:spPr>
+          <a:xfrm>
+            <a:off x="1077362" y="517057"/>
+            <a:ext cx="9950103" cy="800226"/>
+          </a:xfrm>
+        </p:spPr>
+        <p:txBody>
+          <a:bodyPr/>
+          <a:lstStyle/>
+          <a:p>
+            <a:r>
+              <a:rPr lang="en-AU" dirty="0">
+                <a:solidFill>
+                  <a:schemeClr val="bg1"/>
+                </a:solidFill>
+                <a:latin typeface="Fira Sans" panose="020B0503050000020004" pitchFamily="34" charset="0"/>
+              </a:rPr>
+              <a:t>My first grammar - Alternatives</a:t>
+            </a:r>
+          </a:p>
+        </p:txBody>
+      </p:sp>
+      <p:sp>
+        <p:nvSpPr>
+          <p:cNvPr id="4" name="TextBox 3">
+            <a:extLst>
+              <a:ext uri="{FF2B5EF4-FFF2-40B4-BE49-F238E27FC236}">
+                <a16:creationId xmlns:a16="http://schemas.microsoft.com/office/drawing/2014/main" id="{B3F2AB9F-D023-429C-382E-2923594A6AC7}"/>
+              </a:ext>
+            </a:extLst>
+          </p:cNvPr>
+          <p:cNvSpPr txBox="1"/>
+          <p:nvPr/>
+        </p:nvSpPr>
+        <p:spPr>
+          <a:xfrm>
+            <a:off x="1520504" y="2296216"/>
+            <a:ext cx="9116736" cy="1569660"/>
+          </a:xfrm>
+          <a:prstGeom prst="rect">
+            <a:avLst/>
+          </a:prstGeom>
+          <a:noFill/>
+        </p:spPr>
+        <p:txBody>
+          <a:bodyPr wrap="square">
+            <a:spAutoFit/>
+          </a:bodyPr>
+          <a:lstStyle/>
+          <a:p>
+            <a:r>
+              <a:rPr lang="en-AU" sz="2400" b="0" dirty="0">
+                <a:solidFill>
+                  <a:srgbClr val="89DDFF"/>
+                </a:solidFill>
+                <a:effectLst/>
+                <a:latin typeface="JetBrains Mono Regular" panose="02000009000000000000" pitchFamily="49" charset="0"/>
+              </a:rPr>
+              <a:t>name ::= "</a:t>
+            </a:r>
+            <a:r>
+              <a:rPr lang="en-AU" sz="2400" b="0" dirty="0" err="1">
+                <a:solidFill>
+                  <a:srgbClr val="89DDFF"/>
+                </a:solidFill>
+                <a:effectLst/>
+                <a:latin typeface="JetBrains Mono Regular" panose="02000009000000000000" pitchFamily="49" charset="0"/>
+              </a:rPr>
+              <a:t>uqcs</a:t>
+            </a:r>
+            <a:r>
+              <a:rPr lang="en-AU" sz="2400" b="0" dirty="0">
+                <a:solidFill>
+                  <a:srgbClr val="89DDFF"/>
+                </a:solidFill>
+                <a:effectLst/>
+                <a:latin typeface="JetBrains Mono Regular" panose="02000009000000000000" pitchFamily="49" charset="0"/>
+              </a:rPr>
+              <a:t>"</a:t>
+            </a:r>
+          </a:p>
+          <a:p>
+            <a:endParaRPr lang="en-AU" sz="2400" dirty="0">
+              <a:solidFill>
+                <a:srgbClr val="89DDFF"/>
+              </a:solidFill>
+              <a:latin typeface="JetBrains Mono Regular" panose="02000009000000000000" pitchFamily="49" charset="0"/>
+            </a:endParaRPr>
+          </a:p>
+          <a:p>
+            <a:r>
+              <a:rPr lang="en-US" sz="2400" b="0" dirty="0">
+                <a:solidFill>
+                  <a:srgbClr val="89DDFF"/>
+                </a:solidFill>
+                <a:effectLst/>
+                <a:latin typeface="JetBrains Mono Regular" panose="02000009000000000000" pitchFamily="49" charset="0"/>
+              </a:rPr>
+              <a:t>greeting ::= "hello" | "</a:t>
+            </a:r>
+            <a:r>
+              <a:rPr lang="en-US" sz="2400" b="0" dirty="0" err="1">
+                <a:solidFill>
+                  <a:srgbClr val="89DDFF"/>
+                </a:solidFill>
+                <a:effectLst/>
+                <a:latin typeface="JetBrains Mono Regular" panose="02000009000000000000" pitchFamily="49" charset="0"/>
+              </a:rPr>
+              <a:t>gday</a:t>
+            </a:r>
+            <a:r>
+              <a:rPr lang="en-US" sz="2400" b="0" dirty="0">
+                <a:solidFill>
+                  <a:srgbClr val="89DDFF"/>
+                </a:solidFill>
+                <a:effectLst/>
+                <a:latin typeface="JetBrains Mono Regular" panose="02000009000000000000" pitchFamily="49" charset="0"/>
+              </a:rPr>
+              <a:t>" | "</a:t>
+            </a:r>
+            <a:r>
+              <a:rPr lang="en-US" sz="2400" b="0" dirty="0" err="1">
+                <a:solidFill>
+                  <a:srgbClr val="89DDFF"/>
+                </a:solidFill>
+                <a:effectLst/>
+                <a:latin typeface="JetBrains Mono Regular" panose="02000009000000000000" pitchFamily="49" charset="0"/>
+              </a:rPr>
+              <a:t>hiii</a:t>
+            </a:r>
+            <a:r>
+              <a:rPr lang="en-US" sz="2400" b="0" dirty="0">
+                <a:solidFill>
+                  <a:srgbClr val="89DDFF"/>
+                </a:solidFill>
+                <a:effectLst/>
+                <a:latin typeface="JetBrains Mono Regular" panose="02000009000000000000" pitchFamily="49" charset="0"/>
+              </a:rPr>
+              <a:t> :3"</a:t>
+            </a:r>
+            <a:endParaRPr lang="en-US" sz="2400" b="0" dirty="0">
+              <a:solidFill>
+                <a:srgbClr val="A9B1D6"/>
+              </a:solidFill>
+              <a:effectLst/>
+              <a:latin typeface="JetBrains Mono Regular" panose="02000009000000000000" pitchFamily="49" charset="0"/>
+            </a:endParaRPr>
+          </a:p>
+          <a:p>
+            <a:endParaRPr lang="en-AU" sz="2400" b="0" dirty="0">
+              <a:solidFill>
+                <a:srgbClr val="A9B1D6"/>
+              </a:solidFill>
+              <a:effectLst/>
+              <a:latin typeface="JetBrains Mono Regular" panose="02000009000000000000" pitchFamily="49" charset="0"/>
+            </a:endParaRPr>
+          </a:p>
+        </p:txBody>
+      </p:sp>
+    </p:spTree>
+    <p:extLst>
+      <p:ext uri="{BB962C8B-B14F-4D97-AF65-F5344CB8AC3E}">
+        <p14:creationId xmlns:p14="http://schemas.microsoft.com/office/powerpoint/2010/main" val="348151811"/>
+      </p:ext>
+    </p:extLst>
+  </p:cSld>
+  <p:clrMapOvr>
+    <a:masterClrMapping/>
+  </p:clrMapOvr>
+</p:sld>
+</file>
+
+<file path=ppt/slides/slide26.xml><?xml version="1.0" encoding="utf-8"?>
+<p:sld xmlns:a="http://schemas.openxmlformats.org/drawingml/2006/main" xmlns:r="http://schemas.openxmlformats.org/officeDocument/2006/relationships" xmlns:p="http://schemas.openxmlformats.org/presentationml/2006/main" showMasterSp="0">
+  <p:cSld>
+    <p:spTree>
+      <p:nvGrpSpPr>
+        <p:cNvPr id="1" name=""/>
+        <p:cNvGrpSpPr/>
+        <p:nvPr/>
+      </p:nvGrpSpPr>
+      <p:grpSpPr>
+        <a:xfrm>
+          <a:off x="0" y="0"/>
+          <a:ext cx="0" cy="0"/>
+          <a:chOff x="0" y="0"/>
+          <a:chExt cx="0" cy="0"/>
+        </a:xfrm>
+      </p:grpSpPr>
+      <p:sp>
+        <p:nvSpPr>
+          <p:cNvPr id="2" name="Title 1">
+            <a:extLst>
+              <a:ext uri="{FF2B5EF4-FFF2-40B4-BE49-F238E27FC236}">
+                <a16:creationId xmlns:a16="http://schemas.microsoft.com/office/drawing/2014/main" id="{19C1CBF3-F8AF-C78D-D46C-4673A1808874}"/>
+              </a:ext>
+            </a:extLst>
+          </p:cNvPr>
+          <p:cNvSpPr>
+            <a:spLocks noGrp="1"/>
+          </p:cNvSpPr>
+          <p:nvPr>
+            <p:ph type="title"/>
+          </p:nvPr>
+        </p:nvSpPr>
+        <p:spPr>
+          <a:xfrm>
+            <a:off x="1077362" y="517057"/>
+            <a:ext cx="9950103" cy="800226"/>
+          </a:xfrm>
+        </p:spPr>
+        <p:txBody>
+          <a:bodyPr/>
+          <a:lstStyle/>
+          <a:p>
+            <a:r>
+              <a:rPr lang="en-AU" dirty="0">
+                <a:solidFill>
+                  <a:schemeClr val="bg1"/>
+                </a:solidFill>
+                <a:latin typeface="Fira Sans" panose="020B0503050000020004" pitchFamily="34" charset="0"/>
+              </a:rPr>
+              <a:t>My first grammar - Sequences</a:t>
+            </a:r>
+          </a:p>
+        </p:txBody>
+      </p:sp>
+      <p:sp>
+        <p:nvSpPr>
+          <p:cNvPr id="4" name="TextBox 3">
+            <a:extLst>
+              <a:ext uri="{FF2B5EF4-FFF2-40B4-BE49-F238E27FC236}">
+                <a16:creationId xmlns:a16="http://schemas.microsoft.com/office/drawing/2014/main" id="{B3F2AB9F-D023-429C-382E-2923594A6AC7}"/>
+              </a:ext>
+            </a:extLst>
+          </p:cNvPr>
+          <p:cNvSpPr txBox="1"/>
+          <p:nvPr/>
+        </p:nvSpPr>
+        <p:spPr>
+          <a:xfrm>
+            <a:off x="1520504" y="2296216"/>
+            <a:ext cx="9116736" cy="1938992"/>
+          </a:xfrm>
+          <a:prstGeom prst="rect">
+            <a:avLst/>
+          </a:prstGeom>
+          <a:noFill/>
+        </p:spPr>
+        <p:txBody>
+          <a:bodyPr wrap="square">
+            <a:spAutoFit/>
+          </a:bodyPr>
+          <a:lstStyle/>
+          <a:p>
+            <a:r>
+              <a:rPr lang="en-AU" sz="2400" b="0" dirty="0">
+                <a:solidFill>
+                  <a:srgbClr val="89DDFF"/>
+                </a:solidFill>
+                <a:effectLst/>
+                <a:latin typeface="JetBrains Mono Regular" panose="02000009000000000000" pitchFamily="49" charset="0"/>
+              </a:rPr>
+              <a:t>name ::= "</a:t>
+            </a:r>
+            <a:r>
+              <a:rPr lang="en-AU" sz="2400" b="0" dirty="0" err="1">
+                <a:solidFill>
+                  <a:srgbClr val="89DDFF"/>
+                </a:solidFill>
+                <a:effectLst/>
+                <a:latin typeface="JetBrains Mono Regular" panose="02000009000000000000" pitchFamily="49" charset="0"/>
+              </a:rPr>
+              <a:t>uqcs</a:t>
+            </a:r>
+            <a:r>
+              <a:rPr lang="en-AU" sz="2400" b="0" dirty="0">
+                <a:solidFill>
+                  <a:srgbClr val="89DDFF"/>
+                </a:solidFill>
+                <a:effectLst/>
+                <a:latin typeface="JetBrains Mono Regular" panose="02000009000000000000" pitchFamily="49" charset="0"/>
+              </a:rPr>
+              <a:t>"</a:t>
+            </a:r>
+          </a:p>
+          <a:p>
+            <a:endParaRPr lang="en-AU" sz="2400" dirty="0">
+              <a:solidFill>
+                <a:srgbClr val="89DDFF"/>
+              </a:solidFill>
+              <a:latin typeface="JetBrains Mono Regular" panose="02000009000000000000" pitchFamily="49" charset="0"/>
+            </a:endParaRPr>
+          </a:p>
+          <a:p>
+            <a:r>
+              <a:rPr lang="en-US" sz="2400" b="0" dirty="0">
+                <a:solidFill>
+                  <a:srgbClr val="89DDFF"/>
+                </a:solidFill>
+                <a:effectLst/>
+                <a:latin typeface="JetBrains Mono Regular" panose="02000009000000000000" pitchFamily="49" charset="0"/>
+              </a:rPr>
+              <a:t>greeting ::= "hello" | "</a:t>
+            </a:r>
+            <a:r>
+              <a:rPr lang="en-US" sz="2400" b="0" dirty="0" err="1">
+                <a:solidFill>
+                  <a:srgbClr val="89DDFF"/>
+                </a:solidFill>
+                <a:effectLst/>
+                <a:latin typeface="JetBrains Mono Regular" panose="02000009000000000000" pitchFamily="49" charset="0"/>
+              </a:rPr>
+              <a:t>gday</a:t>
+            </a:r>
+            <a:r>
+              <a:rPr lang="en-US" sz="2400" b="0" dirty="0">
+                <a:solidFill>
+                  <a:srgbClr val="89DDFF"/>
+                </a:solidFill>
+                <a:effectLst/>
+                <a:latin typeface="JetBrains Mono Regular" panose="02000009000000000000" pitchFamily="49" charset="0"/>
+              </a:rPr>
+              <a:t>" | "</a:t>
+            </a:r>
+            <a:r>
+              <a:rPr lang="en-US" sz="2400" b="0" dirty="0" err="1">
+                <a:solidFill>
+                  <a:srgbClr val="89DDFF"/>
+                </a:solidFill>
+                <a:effectLst/>
+                <a:latin typeface="JetBrains Mono Regular" panose="02000009000000000000" pitchFamily="49" charset="0"/>
+              </a:rPr>
+              <a:t>hiii</a:t>
+            </a:r>
+            <a:r>
+              <a:rPr lang="en-US" sz="2400" b="0" dirty="0">
+                <a:solidFill>
+                  <a:srgbClr val="89DDFF"/>
+                </a:solidFill>
+                <a:effectLst/>
+                <a:latin typeface="JetBrains Mono Regular" panose="02000009000000000000" pitchFamily="49" charset="0"/>
+              </a:rPr>
+              <a:t> :3“</a:t>
+            </a:r>
+          </a:p>
+          <a:p>
+            <a:endParaRPr lang="en-US" sz="2400" dirty="0">
+              <a:solidFill>
+                <a:srgbClr val="89DDFF"/>
+              </a:solidFill>
+              <a:latin typeface="JetBrains Mono Regular" panose="02000009000000000000" pitchFamily="49" charset="0"/>
+            </a:endParaRPr>
+          </a:p>
+          <a:p>
+            <a:r>
+              <a:rPr lang="en-AU" sz="2400" b="0" dirty="0">
+                <a:solidFill>
+                  <a:srgbClr val="89DDFF"/>
+                </a:solidFill>
+                <a:effectLst/>
+                <a:latin typeface="JetBrains Mono Regular" panose="02000009000000000000" pitchFamily="49" charset="0"/>
+              </a:rPr>
+              <a:t>message ::= greeting ", " name</a:t>
+            </a:r>
+            <a:endParaRPr lang="en-AU" sz="2400" b="0" dirty="0">
+              <a:solidFill>
+                <a:srgbClr val="A9B1D6"/>
+              </a:solidFill>
+              <a:effectLst/>
+              <a:latin typeface="JetBrains Mono Regular" panose="02000009000000000000" pitchFamily="49" charset="0"/>
+            </a:endParaRPr>
+          </a:p>
+        </p:txBody>
+      </p:sp>
+    </p:spTree>
+    <p:extLst>
+      <p:ext uri="{BB962C8B-B14F-4D97-AF65-F5344CB8AC3E}">
+        <p14:creationId xmlns:p14="http://schemas.microsoft.com/office/powerpoint/2010/main" val="2951983898"/>
+      </p:ext>
+    </p:extLst>
+  </p:cSld>
+  <p:clrMapOvr>
+    <a:masterClrMapping/>
+  </p:clrMapOvr>
+</p:sld>
+</file>
+
+<file path=ppt/slides/slide27.xml><?xml version="1.0" encoding="utf-8"?>
+<p:sld xmlns:a="http://schemas.openxmlformats.org/drawingml/2006/main" xmlns:r="http://schemas.openxmlformats.org/officeDocument/2006/relationships" xmlns:p="http://schemas.openxmlformats.org/presentationml/2006/main" showMasterSp="0">
+  <p:cSld>
+    <p:spTree>
+      <p:nvGrpSpPr>
+        <p:cNvPr id="1" name=""/>
+        <p:cNvGrpSpPr/>
+        <p:nvPr/>
+      </p:nvGrpSpPr>
+      <p:grpSpPr>
+        <a:xfrm>
+          <a:off x="0" y="0"/>
+          <a:ext cx="0" cy="0"/>
+          <a:chOff x="0" y="0"/>
+          <a:chExt cx="0" cy="0"/>
+        </a:xfrm>
+      </p:grpSpPr>
+      <p:sp>
+        <p:nvSpPr>
+          <p:cNvPr id="2" name="Title 1">
+            <a:extLst>
+              <a:ext uri="{FF2B5EF4-FFF2-40B4-BE49-F238E27FC236}">
+                <a16:creationId xmlns:a16="http://schemas.microsoft.com/office/drawing/2014/main" id="{19C1CBF3-F8AF-C78D-D46C-4673A1808874}"/>
+              </a:ext>
+            </a:extLst>
+          </p:cNvPr>
+          <p:cNvSpPr>
+            <a:spLocks noGrp="1"/>
+          </p:cNvSpPr>
+          <p:nvPr>
+            <p:ph type="title"/>
+          </p:nvPr>
+        </p:nvSpPr>
+        <p:spPr>
+          <a:xfrm>
+            <a:off x="1077362" y="517057"/>
+            <a:ext cx="9950103" cy="800226"/>
+          </a:xfrm>
+        </p:spPr>
+        <p:txBody>
+          <a:bodyPr/>
+          <a:lstStyle/>
+          <a:p>
+            <a:r>
+              <a:rPr lang="en-AU" dirty="0">
+                <a:solidFill>
+                  <a:schemeClr val="bg1"/>
+                </a:solidFill>
+                <a:latin typeface="Fira Sans" panose="020B0503050000020004" pitchFamily="34" charset="0"/>
+              </a:rPr>
+              <a:t>My first grammar</a:t>
+            </a:r>
+          </a:p>
+        </p:txBody>
+      </p:sp>
+      <p:sp>
+        <p:nvSpPr>
+          <p:cNvPr id="4" name="TextBox 3">
+            <a:extLst>
+              <a:ext uri="{FF2B5EF4-FFF2-40B4-BE49-F238E27FC236}">
+                <a16:creationId xmlns:a16="http://schemas.microsoft.com/office/drawing/2014/main" id="{B3F2AB9F-D023-429C-382E-2923594A6AC7}"/>
+              </a:ext>
+            </a:extLst>
+          </p:cNvPr>
+          <p:cNvSpPr txBox="1"/>
+          <p:nvPr/>
+        </p:nvSpPr>
+        <p:spPr>
+          <a:xfrm>
+            <a:off x="1520504" y="2296216"/>
+            <a:ext cx="9116736" cy="1938992"/>
+          </a:xfrm>
+          <a:prstGeom prst="rect">
+            <a:avLst/>
+          </a:prstGeom>
+          <a:noFill/>
+        </p:spPr>
+        <p:txBody>
+          <a:bodyPr wrap="square">
+            <a:spAutoFit/>
+          </a:bodyPr>
+          <a:lstStyle/>
+          <a:p>
+            <a:r>
+              <a:rPr lang="en-AU" sz="2400" b="0" dirty="0">
+                <a:solidFill>
+                  <a:srgbClr val="89DDFF"/>
+                </a:solidFill>
+                <a:effectLst/>
+                <a:latin typeface="JetBrains Mono Regular" panose="02000009000000000000" pitchFamily="49" charset="0"/>
+              </a:rPr>
+              <a:t>name ::= "</a:t>
+            </a:r>
+            <a:r>
+              <a:rPr lang="en-AU" sz="2400" b="0" dirty="0" err="1">
+                <a:solidFill>
+                  <a:srgbClr val="89DDFF"/>
+                </a:solidFill>
+                <a:effectLst/>
+                <a:latin typeface="JetBrains Mono Regular" panose="02000009000000000000" pitchFamily="49" charset="0"/>
+              </a:rPr>
+              <a:t>uqcs</a:t>
+            </a:r>
+            <a:r>
+              <a:rPr lang="en-AU" sz="2400" b="0" dirty="0">
+                <a:solidFill>
+                  <a:srgbClr val="89DDFF"/>
+                </a:solidFill>
+                <a:effectLst/>
+                <a:latin typeface="JetBrains Mono Regular" panose="02000009000000000000" pitchFamily="49" charset="0"/>
+              </a:rPr>
+              <a:t>"</a:t>
+            </a:r>
+          </a:p>
+          <a:p>
+            <a:endParaRPr lang="en-AU" sz="2400" dirty="0">
+              <a:solidFill>
+                <a:srgbClr val="89DDFF"/>
+              </a:solidFill>
+              <a:latin typeface="JetBrains Mono Regular" panose="02000009000000000000" pitchFamily="49" charset="0"/>
+            </a:endParaRPr>
+          </a:p>
+          <a:p>
+            <a:r>
+              <a:rPr lang="en-US" sz="2400" b="0" dirty="0">
+                <a:solidFill>
+                  <a:srgbClr val="89DDFF"/>
+                </a:solidFill>
+                <a:effectLst/>
+                <a:latin typeface="JetBrains Mono Regular" panose="02000009000000000000" pitchFamily="49" charset="0"/>
+              </a:rPr>
+              <a:t>greeting ::= "hello" | "</a:t>
+            </a:r>
+            <a:r>
+              <a:rPr lang="en-US" sz="2400" b="0" dirty="0" err="1">
+                <a:solidFill>
+                  <a:srgbClr val="89DDFF"/>
+                </a:solidFill>
+                <a:effectLst/>
+                <a:latin typeface="JetBrains Mono Regular" panose="02000009000000000000" pitchFamily="49" charset="0"/>
+              </a:rPr>
+              <a:t>gday</a:t>
+            </a:r>
+            <a:r>
+              <a:rPr lang="en-US" sz="2400" b="0" dirty="0">
+                <a:solidFill>
+                  <a:srgbClr val="89DDFF"/>
+                </a:solidFill>
+                <a:effectLst/>
+                <a:latin typeface="JetBrains Mono Regular" panose="02000009000000000000" pitchFamily="49" charset="0"/>
+              </a:rPr>
+              <a:t>" | "</a:t>
+            </a:r>
+            <a:r>
+              <a:rPr lang="en-US" sz="2400" b="0" dirty="0" err="1">
+                <a:solidFill>
+                  <a:srgbClr val="89DDFF"/>
+                </a:solidFill>
+                <a:effectLst/>
+                <a:latin typeface="JetBrains Mono Regular" panose="02000009000000000000" pitchFamily="49" charset="0"/>
+              </a:rPr>
+              <a:t>hiii</a:t>
+            </a:r>
+            <a:r>
+              <a:rPr lang="en-US" sz="2400" b="0" dirty="0">
+                <a:solidFill>
+                  <a:srgbClr val="89DDFF"/>
+                </a:solidFill>
+                <a:effectLst/>
+                <a:latin typeface="JetBrains Mono Regular" panose="02000009000000000000" pitchFamily="49" charset="0"/>
+              </a:rPr>
+              <a:t> :3“</a:t>
+            </a:r>
+          </a:p>
+          <a:p>
+            <a:endParaRPr lang="en-US" sz="2400" dirty="0">
+              <a:solidFill>
+                <a:srgbClr val="89DDFF"/>
+              </a:solidFill>
+              <a:latin typeface="JetBrains Mono Regular" panose="02000009000000000000" pitchFamily="49" charset="0"/>
+            </a:endParaRPr>
+          </a:p>
+          <a:p>
+            <a:r>
+              <a:rPr lang="en-AU" sz="2400" b="0" dirty="0">
+                <a:solidFill>
+                  <a:srgbClr val="89DDFF"/>
+                </a:solidFill>
+                <a:effectLst/>
+                <a:latin typeface="JetBrains Mono Regular" panose="02000009000000000000" pitchFamily="49" charset="0"/>
+              </a:rPr>
+              <a:t>message ::= greeting ", " name</a:t>
+            </a:r>
+            <a:endParaRPr lang="en-AU" sz="2400" b="0" dirty="0">
+              <a:solidFill>
+                <a:srgbClr val="A9B1D6"/>
+              </a:solidFill>
+              <a:effectLst/>
+              <a:latin typeface="JetBrains Mono Regular" panose="02000009000000000000" pitchFamily="49" charset="0"/>
+            </a:endParaRPr>
+          </a:p>
+        </p:txBody>
+      </p:sp>
+      <p:sp>
+        <p:nvSpPr>
+          <p:cNvPr id="3" name="TextBox 2">
+            <a:extLst>
+              <a:ext uri="{FF2B5EF4-FFF2-40B4-BE49-F238E27FC236}">
+                <a16:creationId xmlns:a16="http://schemas.microsoft.com/office/drawing/2014/main" id="{08AD68DA-BDBC-56C9-B1D3-076D562D24CA}"/>
+              </a:ext>
+            </a:extLst>
+          </p:cNvPr>
+          <p:cNvSpPr txBox="1"/>
+          <p:nvPr/>
+        </p:nvSpPr>
+        <p:spPr>
+          <a:xfrm>
+            <a:off x="1281981" y="4748169"/>
+            <a:ext cx="9862930" cy="1754326"/>
+          </a:xfrm>
+          <a:prstGeom prst="rect">
+            <a:avLst/>
+          </a:prstGeom>
+          <a:noFill/>
+        </p:spPr>
+        <p:txBody>
+          <a:bodyPr wrap="square" rtlCol="0">
+            <a:spAutoFit/>
+          </a:bodyPr>
+          <a:lstStyle/>
+          <a:p>
+            <a:r>
+              <a:rPr lang="en-AU" dirty="0">
+                <a:solidFill>
+                  <a:schemeClr val="bg1"/>
+                </a:solidFill>
+                <a:latin typeface="Fira Sans" panose="020B0503050000020004" pitchFamily="34" charset="0"/>
+              </a:rPr>
+              <a:t>In this grammar, a message could be 3 possible strings:</a:t>
+            </a:r>
+          </a:p>
+          <a:p>
+            <a:pPr marL="285750" indent="-285750">
+              <a:buFont typeface="Arial" panose="020B0604020202020204" pitchFamily="34" charset="0"/>
+              <a:buChar char="•"/>
+            </a:pPr>
+            <a:r>
+              <a:rPr lang="en-AU" dirty="0">
+                <a:solidFill>
+                  <a:schemeClr val="bg1"/>
+                </a:solidFill>
+                <a:latin typeface="Fira Sans" panose="020B0503050000020004" pitchFamily="34" charset="0"/>
+              </a:rPr>
+              <a:t>“hello, </a:t>
+            </a:r>
+            <a:r>
+              <a:rPr lang="en-AU" dirty="0" err="1">
+                <a:solidFill>
+                  <a:schemeClr val="bg1"/>
+                </a:solidFill>
+                <a:latin typeface="Fira Sans" panose="020B0503050000020004" pitchFamily="34" charset="0"/>
+              </a:rPr>
+              <a:t>uqcs</a:t>
+            </a:r>
+            <a:r>
+              <a:rPr lang="en-AU" dirty="0">
+                <a:solidFill>
+                  <a:schemeClr val="bg1"/>
+                </a:solidFill>
+                <a:latin typeface="Fira Sans" panose="020B0503050000020004" pitchFamily="34" charset="0"/>
+              </a:rPr>
+              <a:t>”</a:t>
+            </a:r>
+          </a:p>
+          <a:p>
+            <a:pPr marL="285750" indent="-285750">
+              <a:buFont typeface="Arial" panose="020B0604020202020204" pitchFamily="34" charset="0"/>
+              <a:buChar char="•"/>
+            </a:pPr>
+            <a:r>
+              <a:rPr lang="en-AU" dirty="0">
+                <a:solidFill>
+                  <a:schemeClr val="bg1"/>
+                </a:solidFill>
+                <a:latin typeface="Fira Sans" panose="020B0503050000020004" pitchFamily="34" charset="0"/>
+              </a:rPr>
+              <a:t>“</a:t>
+            </a:r>
+            <a:r>
+              <a:rPr lang="en-AU" dirty="0" err="1">
+                <a:solidFill>
+                  <a:schemeClr val="bg1"/>
+                </a:solidFill>
+                <a:latin typeface="Fira Sans" panose="020B0503050000020004" pitchFamily="34" charset="0"/>
+              </a:rPr>
+              <a:t>gday</a:t>
+            </a:r>
+            <a:r>
+              <a:rPr lang="en-AU" dirty="0">
+                <a:solidFill>
+                  <a:schemeClr val="bg1"/>
+                </a:solidFill>
+                <a:latin typeface="Fira Sans" panose="020B0503050000020004" pitchFamily="34" charset="0"/>
+              </a:rPr>
+              <a:t>, </a:t>
+            </a:r>
+            <a:r>
+              <a:rPr lang="en-AU" dirty="0" err="1">
+                <a:solidFill>
+                  <a:schemeClr val="bg1"/>
+                </a:solidFill>
+                <a:latin typeface="Fira Sans" panose="020B0503050000020004" pitchFamily="34" charset="0"/>
+              </a:rPr>
+              <a:t>uqcs</a:t>
+            </a:r>
+            <a:r>
+              <a:rPr lang="en-AU" dirty="0">
+                <a:solidFill>
+                  <a:schemeClr val="bg1"/>
+                </a:solidFill>
+                <a:latin typeface="Fira Sans" panose="020B0503050000020004" pitchFamily="34" charset="0"/>
+              </a:rPr>
+              <a:t>”</a:t>
+            </a:r>
+          </a:p>
+          <a:p>
+            <a:pPr marL="285750" indent="-285750">
+              <a:buFont typeface="Arial" panose="020B0604020202020204" pitchFamily="34" charset="0"/>
+              <a:buChar char="•"/>
+            </a:pPr>
+            <a:r>
+              <a:rPr lang="en-AU" dirty="0">
+                <a:solidFill>
+                  <a:schemeClr val="bg1"/>
+                </a:solidFill>
+                <a:latin typeface="Fira Sans" panose="020B0503050000020004" pitchFamily="34" charset="0"/>
+              </a:rPr>
+              <a:t>“</a:t>
+            </a:r>
+            <a:r>
+              <a:rPr lang="en-AU" dirty="0" err="1">
+                <a:solidFill>
+                  <a:schemeClr val="bg1"/>
+                </a:solidFill>
+                <a:latin typeface="Fira Sans" panose="020B0503050000020004" pitchFamily="34" charset="0"/>
+              </a:rPr>
+              <a:t>hiii</a:t>
+            </a:r>
+            <a:r>
+              <a:rPr lang="en-AU" dirty="0">
+                <a:solidFill>
+                  <a:schemeClr val="bg1"/>
+                </a:solidFill>
+                <a:latin typeface="Fira Sans" panose="020B0503050000020004" pitchFamily="34" charset="0"/>
+              </a:rPr>
+              <a:t> :3, </a:t>
+            </a:r>
+            <a:r>
+              <a:rPr lang="en-AU" dirty="0" err="1">
+                <a:solidFill>
+                  <a:schemeClr val="bg1"/>
+                </a:solidFill>
+                <a:latin typeface="Fira Sans" panose="020B0503050000020004" pitchFamily="34" charset="0"/>
+              </a:rPr>
+              <a:t>uqcs</a:t>
+            </a:r>
+            <a:r>
+              <a:rPr lang="en-AU" dirty="0">
+                <a:solidFill>
+                  <a:schemeClr val="bg1"/>
+                </a:solidFill>
+                <a:latin typeface="Fira Sans" panose="020B0503050000020004" pitchFamily="34" charset="0"/>
+              </a:rPr>
+              <a:t>”</a:t>
+            </a:r>
+          </a:p>
+          <a:p>
+            <a:pPr marL="285750" indent="-285750">
+              <a:buFont typeface="Arial" panose="020B0604020202020204" pitchFamily="34" charset="0"/>
+              <a:buChar char="•"/>
+            </a:pPr>
+            <a:endParaRPr lang="en-AU" dirty="0">
+              <a:solidFill>
+                <a:schemeClr val="bg1"/>
+              </a:solidFill>
+              <a:latin typeface="Fira Sans" panose="020B0503050000020004" pitchFamily="34" charset="0"/>
+            </a:endParaRPr>
+          </a:p>
+          <a:p>
+            <a:r>
+              <a:rPr lang="en-AU" dirty="0">
+                <a:solidFill>
+                  <a:schemeClr val="bg1"/>
+                </a:solidFill>
+                <a:latin typeface="Fira Sans" panose="020B0503050000020004" pitchFamily="34" charset="0"/>
+              </a:rPr>
+              <a:t>And no others</a:t>
+            </a:r>
+          </a:p>
+        </p:txBody>
+      </p:sp>
+    </p:spTree>
+    <p:extLst>
+      <p:ext uri="{BB962C8B-B14F-4D97-AF65-F5344CB8AC3E}">
+        <p14:creationId xmlns:p14="http://schemas.microsoft.com/office/powerpoint/2010/main" val="1584327115"/>
+      </p:ext>
+    </p:extLst>
+  </p:cSld>
+  <p:clrMapOvr>
+    <a:masterClrMapping/>
+  </p:clrMapOvr>
+</p:sld>
+</file>
+
+<file path=ppt/slides/slide28.xml><?xml version="1.0" encoding="utf-8"?>
+<p:sld xmlns:a="http://schemas.openxmlformats.org/drawingml/2006/main" xmlns:r="http://schemas.openxmlformats.org/officeDocument/2006/relationships" xmlns:p="http://schemas.openxmlformats.org/presentationml/2006/main" showMasterSp="0">
+  <p:cSld>
+    <p:spTree>
+      <p:nvGrpSpPr>
+        <p:cNvPr id="1" name=""/>
+        <p:cNvGrpSpPr/>
+        <p:nvPr/>
+      </p:nvGrpSpPr>
+      <p:grpSpPr>
+        <a:xfrm>
+          <a:off x="0" y="0"/>
+          <a:ext cx="0" cy="0"/>
+          <a:chOff x="0" y="0"/>
+          <a:chExt cx="0" cy="0"/>
+        </a:xfrm>
+      </p:grpSpPr>
+      <p:sp>
+        <p:nvSpPr>
+          <p:cNvPr id="2" name="Title 1">
+            <a:extLst>
+              <a:ext uri="{FF2B5EF4-FFF2-40B4-BE49-F238E27FC236}">
+                <a16:creationId xmlns:a16="http://schemas.microsoft.com/office/drawing/2014/main" id="{19C1CBF3-F8AF-C78D-D46C-4673A1808874}"/>
+              </a:ext>
+            </a:extLst>
+          </p:cNvPr>
+          <p:cNvSpPr>
+            <a:spLocks noGrp="1"/>
+          </p:cNvSpPr>
+          <p:nvPr>
+            <p:ph type="title"/>
+          </p:nvPr>
+        </p:nvSpPr>
+        <p:spPr>
+          <a:xfrm>
+            <a:off x="1077362" y="517057"/>
+            <a:ext cx="9950103" cy="800226"/>
+          </a:xfrm>
+        </p:spPr>
+        <p:txBody>
+          <a:bodyPr/>
+          <a:lstStyle/>
+          <a:p>
+            <a:r>
+              <a:rPr lang="en-AU" dirty="0">
+                <a:solidFill>
+                  <a:schemeClr val="bg1"/>
+                </a:solidFill>
+                <a:latin typeface="Fira Sans" panose="020B0503050000020004" pitchFamily="34" charset="0"/>
+              </a:rPr>
+              <a:t>Some more grammar rules</a:t>
+            </a:r>
+          </a:p>
+        </p:txBody>
+      </p:sp>
+      <p:sp>
+        <p:nvSpPr>
+          <p:cNvPr id="5" name="TextBox 4">
+            <a:extLst>
+              <a:ext uri="{FF2B5EF4-FFF2-40B4-BE49-F238E27FC236}">
+                <a16:creationId xmlns:a16="http://schemas.microsoft.com/office/drawing/2014/main" id="{785F0476-048E-79F9-92E6-2FB16365BEAC}"/>
+              </a:ext>
+            </a:extLst>
+          </p:cNvPr>
+          <p:cNvSpPr txBox="1"/>
+          <p:nvPr/>
+        </p:nvSpPr>
+        <p:spPr>
+          <a:xfrm>
+            <a:off x="1612784" y="2772372"/>
+            <a:ext cx="10224082" cy="461665"/>
+          </a:xfrm>
+          <a:prstGeom prst="rect">
+            <a:avLst/>
+          </a:prstGeom>
+          <a:noFill/>
+        </p:spPr>
+        <p:txBody>
+          <a:bodyPr wrap="square">
+            <a:spAutoFit/>
+          </a:bodyPr>
+          <a:lstStyle/>
+          <a:p>
+            <a:r>
+              <a:rPr lang="en-US" sz="2400" b="0" dirty="0" err="1">
+                <a:solidFill>
+                  <a:srgbClr val="89DDFF"/>
+                </a:solidFill>
+                <a:effectLst/>
+                <a:latin typeface="JetBrains Mono Regular" panose="02000009000000000000" pitchFamily="49" charset="0"/>
+              </a:rPr>
+              <a:t>optionalName</a:t>
+            </a:r>
+            <a:r>
+              <a:rPr lang="en-US" sz="2400" b="0" dirty="0">
+                <a:solidFill>
+                  <a:srgbClr val="89DDFF"/>
+                </a:solidFill>
+                <a:effectLst/>
+                <a:latin typeface="JetBrains Mono Regular" panose="02000009000000000000" pitchFamily="49" charset="0"/>
+              </a:rPr>
+              <a:t> ::= [ "</a:t>
+            </a:r>
+            <a:r>
+              <a:rPr lang="en-US" sz="2400" b="0" dirty="0" err="1">
+                <a:solidFill>
+                  <a:srgbClr val="89DDFF"/>
+                </a:solidFill>
+                <a:effectLst/>
+                <a:latin typeface="JetBrains Mono Regular" panose="02000009000000000000" pitchFamily="49" charset="0"/>
+              </a:rPr>
+              <a:t>uqcs</a:t>
+            </a:r>
+            <a:r>
+              <a:rPr lang="en-US" sz="2400" b="0" dirty="0">
+                <a:solidFill>
+                  <a:srgbClr val="89DDFF"/>
+                </a:solidFill>
+                <a:effectLst/>
+                <a:latin typeface="JetBrains Mono Regular" panose="02000009000000000000" pitchFamily="49" charset="0"/>
+              </a:rPr>
+              <a:t>" ] // matches "" or "</a:t>
+            </a:r>
+            <a:r>
+              <a:rPr lang="en-US" sz="2400" b="0" dirty="0" err="1">
+                <a:solidFill>
+                  <a:srgbClr val="89DDFF"/>
+                </a:solidFill>
+                <a:effectLst/>
+                <a:latin typeface="JetBrains Mono Regular" panose="02000009000000000000" pitchFamily="49" charset="0"/>
+              </a:rPr>
+              <a:t>uqcs</a:t>
+            </a:r>
+            <a:r>
+              <a:rPr lang="en-US" sz="2400" b="0" dirty="0">
+                <a:solidFill>
+                  <a:srgbClr val="89DDFF"/>
+                </a:solidFill>
+                <a:effectLst/>
+                <a:latin typeface="JetBrains Mono Regular" panose="02000009000000000000" pitchFamily="49" charset="0"/>
+              </a:rPr>
+              <a:t>"</a:t>
+            </a:r>
+            <a:endParaRPr lang="en-US" sz="2400" b="0" dirty="0">
+              <a:solidFill>
+                <a:srgbClr val="A9B1D6"/>
+              </a:solidFill>
+              <a:effectLst/>
+              <a:latin typeface="JetBrains Mono Regular" panose="02000009000000000000" pitchFamily="49" charset="0"/>
+            </a:endParaRPr>
+          </a:p>
+        </p:txBody>
+      </p:sp>
+      <p:sp>
+        <p:nvSpPr>
+          <p:cNvPr id="6" name="TextBox 5">
+            <a:extLst>
+              <a:ext uri="{FF2B5EF4-FFF2-40B4-BE49-F238E27FC236}">
+                <a16:creationId xmlns:a16="http://schemas.microsoft.com/office/drawing/2014/main" id="{43CB96E4-BF50-95F9-B1CD-26EB33C387BA}"/>
+              </a:ext>
+            </a:extLst>
+          </p:cNvPr>
+          <p:cNvSpPr txBox="1"/>
+          <p:nvPr/>
+        </p:nvSpPr>
+        <p:spPr>
+          <a:xfrm>
+            <a:off x="1249960" y="1985996"/>
+            <a:ext cx="8246378" cy="369332"/>
+          </a:xfrm>
+          <a:prstGeom prst="rect">
+            <a:avLst/>
+          </a:prstGeom>
+          <a:noFill/>
+        </p:spPr>
+        <p:txBody>
+          <a:bodyPr wrap="square" rtlCol="0">
+            <a:spAutoFit/>
+          </a:bodyPr>
+          <a:lstStyle/>
+          <a:p>
+            <a:r>
+              <a:rPr lang="en-AU" dirty="0">
+                <a:solidFill>
+                  <a:schemeClr val="bg1"/>
+                </a:solidFill>
+                <a:latin typeface="Fira Sans" panose="020B0503050000020004" pitchFamily="34" charset="0"/>
+              </a:rPr>
+              <a:t>Anything in square brackets is optional:</a:t>
+            </a:r>
+          </a:p>
+        </p:txBody>
+      </p:sp>
+    </p:spTree>
+    <p:extLst>
+      <p:ext uri="{BB962C8B-B14F-4D97-AF65-F5344CB8AC3E}">
+        <p14:creationId xmlns:p14="http://schemas.microsoft.com/office/powerpoint/2010/main" val="3105852078"/>
+      </p:ext>
+    </p:extLst>
+  </p:cSld>
+  <p:clrMapOvr>
+    <a:masterClrMapping/>
+  </p:clrMapOvr>
+</p:sld>
+</file>
+
+<file path=ppt/slides/slide29.xml><?xml version="1.0" encoding="utf-8"?>
+<p:sld xmlns:a="http://schemas.openxmlformats.org/drawingml/2006/main" xmlns:r="http://schemas.openxmlformats.org/officeDocument/2006/relationships" xmlns:p="http://schemas.openxmlformats.org/presentationml/2006/main" showMasterSp="0">
+  <p:cSld>
+    <p:spTree>
+      <p:nvGrpSpPr>
+        <p:cNvPr id="1" name=""/>
+        <p:cNvGrpSpPr/>
+        <p:nvPr/>
+      </p:nvGrpSpPr>
+      <p:grpSpPr>
+        <a:xfrm>
+          <a:off x="0" y="0"/>
+          <a:ext cx="0" cy="0"/>
+          <a:chOff x="0" y="0"/>
+          <a:chExt cx="0" cy="0"/>
+        </a:xfrm>
+      </p:grpSpPr>
+      <p:sp>
+        <p:nvSpPr>
+          <p:cNvPr id="2" name="Title 1">
+            <a:extLst>
+              <a:ext uri="{FF2B5EF4-FFF2-40B4-BE49-F238E27FC236}">
+                <a16:creationId xmlns:a16="http://schemas.microsoft.com/office/drawing/2014/main" id="{19C1CBF3-F8AF-C78D-D46C-4673A1808874}"/>
+              </a:ext>
+            </a:extLst>
+          </p:cNvPr>
+          <p:cNvSpPr>
+            <a:spLocks noGrp="1"/>
+          </p:cNvSpPr>
+          <p:nvPr>
+            <p:ph type="title"/>
+          </p:nvPr>
+        </p:nvSpPr>
+        <p:spPr>
+          <a:xfrm>
+            <a:off x="1077362" y="517057"/>
+            <a:ext cx="9950103" cy="800226"/>
+          </a:xfrm>
+        </p:spPr>
+        <p:txBody>
+          <a:bodyPr/>
+          <a:lstStyle/>
+          <a:p>
+            <a:r>
+              <a:rPr lang="en-AU" dirty="0">
+                <a:solidFill>
+                  <a:schemeClr val="bg1"/>
+                </a:solidFill>
+                <a:latin typeface="Fira Sans" panose="020B0503050000020004" pitchFamily="34" charset="0"/>
+              </a:rPr>
+              <a:t>Some more grammar rules</a:t>
+            </a:r>
+          </a:p>
+        </p:txBody>
+      </p:sp>
+      <p:sp>
+        <p:nvSpPr>
+          <p:cNvPr id="5" name="TextBox 4">
+            <a:extLst>
+              <a:ext uri="{FF2B5EF4-FFF2-40B4-BE49-F238E27FC236}">
+                <a16:creationId xmlns:a16="http://schemas.microsoft.com/office/drawing/2014/main" id="{785F0476-048E-79F9-92E6-2FB16365BEAC}"/>
+              </a:ext>
+            </a:extLst>
+          </p:cNvPr>
+          <p:cNvSpPr txBox="1"/>
+          <p:nvPr/>
+        </p:nvSpPr>
+        <p:spPr>
+          <a:xfrm>
+            <a:off x="1612784" y="2772372"/>
+            <a:ext cx="10224082" cy="461665"/>
+          </a:xfrm>
+          <a:prstGeom prst="rect">
+            <a:avLst/>
+          </a:prstGeom>
+          <a:noFill/>
+        </p:spPr>
+        <p:txBody>
+          <a:bodyPr wrap="square">
+            <a:spAutoFit/>
+          </a:bodyPr>
+          <a:lstStyle/>
+          <a:p>
+            <a:r>
+              <a:rPr lang="en-US" sz="2400" b="0" dirty="0" err="1">
+                <a:solidFill>
+                  <a:srgbClr val="89DDFF"/>
+                </a:solidFill>
+                <a:effectLst/>
+                <a:latin typeface="JetBrains Mono Regular" panose="02000009000000000000" pitchFamily="49" charset="0"/>
+              </a:rPr>
+              <a:t>optionalName</a:t>
+            </a:r>
+            <a:r>
+              <a:rPr lang="en-US" sz="2400" b="0" dirty="0">
+                <a:solidFill>
+                  <a:srgbClr val="89DDFF"/>
+                </a:solidFill>
+                <a:effectLst/>
+                <a:latin typeface="JetBrains Mono Regular" panose="02000009000000000000" pitchFamily="49" charset="0"/>
+              </a:rPr>
+              <a:t> ::= [ "</a:t>
+            </a:r>
+            <a:r>
+              <a:rPr lang="en-US" sz="2400" b="0" dirty="0" err="1">
+                <a:solidFill>
+                  <a:srgbClr val="89DDFF"/>
+                </a:solidFill>
+                <a:effectLst/>
+                <a:latin typeface="JetBrains Mono Regular" panose="02000009000000000000" pitchFamily="49" charset="0"/>
+              </a:rPr>
+              <a:t>uqcs</a:t>
+            </a:r>
+            <a:r>
+              <a:rPr lang="en-US" sz="2400" b="0" dirty="0">
+                <a:solidFill>
+                  <a:srgbClr val="89DDFF"/>
+                </a:solidFill>
+                <a:effectLst/>
+                <a:latin typeface="JetBrains Mono Regular" panose="02000009000000000000" pitchFamily="49" charset="0"/>
+              </a:rPr>
+              <a:t>" ] // matches "" or "</a:t>
+            </a:r>
+            <a:r>
+              <a:rPr lang="en-US" sz="2400" b="0" dirty="0" err="1">
+                <a:solidFill>
+                  <a:srgbClr val="89DDFF"/>
+                </a:solidFill>
+                <a:effectLst/>
+                <a:latin typeface="JetBrains Mono Regular" panose="02000009000000000000" pitchFamily="49" charset="0"/>
+              </a:rPr>
+              <a:t>uqcs</a:t>
+            </a:r>
+            <a:r>
+              <a:rPr lang="en-US" sz="2400" b="0" dirty="0">
+                <a:solidFill>
+                  <a:srgbClr val="89DDFF"/>
+                </a:solidFill>
+                <a:effectLst/>
+                <a:latin typeface="JetBrains Mono Regular" panose="02000009000000000000" pitchFamily="49" charset="0"/>
+              </a:rPr>
+              <a:t>"</a:t>
+            </a:r>
+            <a:endParaRPr lang="en-US" sz="2400" b="0" dirty="0">
+              <a:solidFill>
+                <a:srgbClr val="A9B1D6"/>
+              </a:solidFill>
+              <a:effectLst/>
+              <a:latin typeface="JetBrains Mono Regular" panose="02000009000000000000" pitchFamily="49" charset="0"/>
+            </a:endParaRPr>
+          </a:p>
+        </p:txBody>
+      </p:sp>
+      <p:sp>
+        <p:nvSpPr>
+          <p:cNvPr id="6" name="TextBox 5">
+            <a:extLst>
+              <a:ext uri="{FF2B5EF4-FFF2-40B4-BE49-F238E27FC236}">
+                <a16:creationId xmlns:a16="http://schemas.microsoft.com/office/drawing/2014/main" id="{43CB96E4-BF50-95F9-B1CD-26EB33C387BA}"/>
+              </a:ext>
+            </a:extLst>
+          </p:cNvPr>
+          <p:cNvSpPr txBox="1"/>
+          <p:nvPr/>
+        </p:nvSpPr>
+        <p:spPr>
+          <a:xfrm>
+            <a:off x="1249960" y="1985996"/>
+            <a:ext cx="8246378" cy="369332"/>
+          </a:xfrm>
+          <a:prstGeom prst="rect">
+            <a:avLst/>
+          </a:prstGeom>
+          <a:noFill/>
+        </p:spPr>
+        <p:txBody>
+          <a:bodyPr wrap="square" rtlCol="0">
+            <a:spAutoFit/>
+          </a:bodyPr>
+          <a:lstStyle/>
+          <a:p>
+            <a:r>
+              <a:rPr lang="en-AU" dirty="0">
+                <a:solidFill>
+                  <a:schemeClr val="bg1"/>
+                </a:solidFill>
+                <a:latin typeface="Fira Sans" panose="020B0503050000020004" pitchFamily="34" charset="0"/>
+              </a:rPr>
+              <a:t>Anything in square brackets is optional:</a:t>
+            </a:r>
+          </a:p>
+        </p:txBody>
+      </p:sp>
+      <p:sp>
+        <p:nvSpPr>
+          <p:cNvPr id="3" name="TextBox 2">
+            <a:extLst>
+              <a:ext uri="{FF2B5EF4-FFF2-40B4-BE49-F238E27FC236}">
+                <a16:creationId xmlns:a16="http://schemas.microsoft.com/office/drawing/2014/main" id="{3AE68984-8D15-560A-9B0F-22707F1E743C}"/>
+              </a:ext>
+            </a:extLst>
+          </p:cNvPr>
+          <p:cNvSpPr txBox="1"/>
+          <p:nvPr/>
+        </p:nvSpPr>
+        <p:spPr>
+          <a:xfrm>
+            <a:off x="1077361" y="4034308"/>
+            <a:ext cx="9123651" cy="369332"/>
+          </a:xfrm>
+          <a:prstGeom prst="rect">
+            <a:avLst/>
+          </a:prstGeom>
+          <a:noFill/>
+        </p:spPr>
+        <p:txBody>
+          <a:bodyPr wrap="square" rtlCol="0">
+            <a:spAutoFit/>
+          </a:bodyPr>
+          <a:lstStyle/>
+          <a:p>
+            <a:r>
+              <a:rPr lang="en-AU" dirty="0">
+                <a:solidFill>
+                  <a:schemeClr val="bg1"/>
+                </a:solidFill>
+                <a:latin typeface="Fira Sans" panose="020B0503050000020004" pitchFamily="34" charset="0"/>
+              </a:rPr>
+              <a:t>Anything in curly brackets is matched 0 or more times (i.e. it can be repeated):</a:t>
+            </a:r>
+          </a:p>
+        </p:txBody>
+      </p:sp>
+      <p:sp>
+        <p:nvSpPr>
+          <p:cNvPr id="9" name="TextBox 8">
+            <a:extLst>
+              <a:ext uri="{FF2B5EF4-FFF2-40B4-BE49-F238E27FC236}">
+                <a16:creationId xmlns:a16="http://schemas.microsoft.com/office/drawing/2014/main" id="{B7D445BC-66D8-8648-821C-5433FB4A604C}"/>
+              </a:ext>
+            </a:extLst>
+          </p:cNvPr>
+          <p:cNvSpPr txBox="1"/>
+          <p:nvPr/>
+        </p:nvSpPr>
+        <p:spPr>
+          <a:xfrm>
+            <a:off x="463491" y="5203911"/>
+            <a:ext cx="12111605" cy="400110"/>
+          </a:xfrm>
+          <a:prstGeom prst="rect">
+            <a:avLst/>
+          </a:prstGeom>
+          <a:noFill/>
+        </p:spPr>
+        <p:txBody>
+          <a:bodyPr wrap="square">
+            <a:spAutoFit/>
+          </a:bodyPr>
+          <a:lstStyle/>
+          <a:p>
+            <a:r>
+              <a:rPr lang="en-AU" sz="2000" b="0" dirty="0" err="1">
+                <a:solidFill>
+                  <a:srgbClr val="89DDFF"/>
+                </a:solidFill>
+                <a:effectLst/>
+                <a:latin typeface="JetBrains Mono Regular" panose="02000009000000000000" pitchFamily="49" charset="0"/>
+              </a:rPr>
+              <a:t>manyNames</a:t>
+            </a:r>
+            <a:r>
+              <a:rPr lang="en-AU" sz="2000" b="0" dirty="0">
+                <a:solidFill>
+                  <a:srgbClr val="89DDFF"/>
+                </a:solidFill>
+                <a:effectLst/>
+                <a:latin typeface="JetBrains Mono Regular" panose="02000009000000000000" pitchFamily="49" charset="0"/>
+              </a:rPr>
+              <a:t> ::= { "</a:t>
+            </a:r>
+            <a:r>
+              <a:rPr lang="en-AU" sz="2000" b="0" dirty="0" err="1">
+                <a:solidFill>
+                  <a:srgbClr val="89DDFF"/>
+                </a:solidFill>
+                <a:effectLst/>
+                <a:latin typeface="JetBrains Mono Regular" panose="02000009000000000000" pitchFamily="49" charset="0"/>
+              </a:rPr>
+              <a:t>uqcs</a:t>
+            </a:r>
+            <a:r>
+              <a:rPr lang="en-AU" sz="2000" b="0" dirty="0">
+                <a:solidFill>
+                  <a:srgbClr val="89DDFF"/>
+                </a:solidFill>
+                <a:effectLst/>
+                <a:latin typeface="JetBrains Mono Regular" panose="02000009000000000000" pitchFamily="49" charset="0"/>
+              </a:rPr>
+              <a:t>" } // matches "", "</a:t>
+            </a:r>
+            <a:r>
+              <a:rPr lang="en-AU" sz="2000" b="0" dirty="0" err="1">
+                <a:solidFill>
+                  <a:srgbClr val="89DDFF"/>
+                </a:solidFill>
+                <a:effectLst/>
+                <a:latin typeface="JetBrains Mono Regular" panose="02000009000000000000" pitchFamily="49" charset="0"/>
+              </a:rPr>
+              <a:t>uqcs</a:t>
+            </a:r>
+            <a:r>
+              <a:rPr lang="en-AU" sz="2000" b="0" dirty="0">
+                <a:solidFill>
+                  <a:srgbClr val="89DDFF"/>
+                </a:solidFill>
+                <a:effectLst/>
+                <a:latin typeface="JetBrains Mono Regular" panose="02000009000000000000" pitchFamily="49" charset="0"/>
+              </a:rPr>
+              <a:t>", "</a:t>
+            </a:r>
+            <a:r>
+              <a:rPr lang="en-AU" sz="2000" b="0" dirty="0" err="1">
+                <a:solidFill>
+                  <a:srgbClr val="89DDFF"/>
+                </a:solidFill>
+                <a:effectLst/>
+                <a:latin typeface="JetBrains Mono Regular" panose="02000009000000000000" pitchFamily="49" charset="0"/>
+              </a:rPr>
+              <a:t>uqcsuqcs</a:t>
+            </a:r>
+            <a:r>
+              <a:rPr lang="en-AU" sz="2000" b="0" dirty="0">
+                <a:solidFill>
+                  <a:srgbClr val="89DDFF"/>
+                </a:solidFill>
+                <a:effectLst/>
+                <a:latin typeface="JetBrains Mono Regular" panose="02000009000000000000" pitchFamily="49" charset="0"/>
+              </a:rPr>
+              <a:t>" "</a:t>
+            </a:r>
+            <a:r>
+              <a:rPr lang="en-AU" sz="2000" b="0" dirty="0" err="1">
+                <a:solidFill>
+                  <a:srgbClr val="89DDFF"/>
+                </a:solidFill>
+                <a:effectLst/>
+                <a:latin typeface="JetBrains Mono Regular" panose="02000009000000000000" pitchFamily="49" charset="0"/>
+              </a:rPr>
+              <a:t>uqcsuqcsuqcs</a:t>
+            </a:r>
+            <a:r>
+              <a:rPr lang="en-AU" sz="2000" b="0" dirty="0">
+                <a:solidFill>
+                  <a:srgbClr val="89DDFF"/>
+                </a:solidFill>
+                <a:effectLst/>
+                <a:latin typeface="JetBrains Mono Regular" panose="02000009000000000000" pitchFamily="49" charset="0"/>
+              </a:rPr>
+              <a:t>", “</a:t>
+            </a:r>
+            <a:r>
+              <a:rPr lang="en-AU" sz="2000" b="0" dirty="0" err="1">
+                <a:solidFill>
+                  <a:srgbClr val="89DDFF"/>
+                </a:solidFill>
+                <a:effectLst/>
+                <a:latin typeface="JetBrains Mono Regular" panose="02000009000000000000" pitchFamily="49" charset="0"/>
+              </a:rPr>
+              <a:t>uq</a:t>
+            </a:r>
+            <a:endParaRPr lang="en-AU" sz="2000" b="0" dirty="0">
+              <a:solidFill>
+                <a:srgbClr val="A9B1D6"/>
+              </a:solidFill>
+              <a:effectLst/>
+              <a:latin typeface="JetBrains Mono Regular" panose="02000009000000000000" pitchFamily="49" charset="0"/>
+            </a:endParaRPr>
+          </a:p>
+        </p:txBody>
+      </p:sp>
+    </p:spTree>
+    <p:extLst>
+      <p:ext uri="{BB962C8B-B14F-4D97-AF65-F5344CB8AC3E}">
+        <p14:creationId xmlns:p14="http://schemas.microsoft.com/office/powerpoint/2010/main" val="1486213313"/>
+      </p:ext>
+    </p:extLst>
+  </p:cSld>
+  <p:clrMapOvr>
+    <a:masterClrMapping/>
+  </p:clrMapOvr>
+</p:sld>
+</file>
+
 <file path=ppt/slides/slide3.xml><?xml version="1.0" encoding="utf-8"?>
-<p:sld xmlns:a="http://schemas.openxmlformats.org/drawingml/2006/main" xmlns:r="http://schemas.openxmlformats.org/officeDocument/2006/relationships" xmlns:p="http://schemas.openxmlformats.org/presentationml/2006/main">
+<p:sld xmlns:a="http://schemas.openxmlformats.org/drawingml/2006/main" xmlns:r="http://schemas.openxmlformats.org/officeDocument/2006/relationships" xmlns:p="http://schemas.openxmlformats.org/presentationml/2006/main" showMasterSp="0">
   <p:cSld>
-    <p:bg>
-      <p:bgPr>
-        <a:solidFill>
-          <a:srgbClr val="1A1B26"/>
-        </a:solidFill>
-        <a:effectLst/>
-      </p:bgPr>
-    </p:bg>
     <p:spTree>
       <p:nvGrpSpPr>
         <p:cNvPr id="1" name=""/>
@@ -8909,17 +12828,612 @@
 </p:sld>
 </file>
 
+<file path=ppt/slides/slide30.xml><?xml version="1.0" encoding="utf-8"?>
+<p:sld xmlns:a="http://schemas.openxmlformats.org/drawingml/2006/main" xmlns:r="http://schemas.openxmlformats.org/officeDocument/2006/relationships" xmlns:p="http://schemas.openxmlformats.org/presentationml/2006/main" showMasterSp="0">
+  <p:cSld>
+    <p:spTree>
+      <p:nvGrpSpPr>
+        <p:cNvPr id="1" name=""/>
+        <p:cNvGrpSpPr/>
+        <p:nvPr/>
+      </p:nvGrpSpPr>
+      <p:grpSpPr>
+        <a:xfrm>
+          <a:off x="0" y="0"/>
+          <a:ext cx="0" cy="0"/>
+          <a:chOff x="0" y="0"/>
+          <a:chExt cx="0" cy="0"/>
+        </a:xfrm>
+      </p:grpSpPr>
+      <p:sp>
+        <p:nvSpPr>
+          <p:cNvPr id="2" name="Title 1">
+            <a:extLst>
+              <a:ext uri="{FF2B5EF4-FFF2-40B4-BE49-F238E27FC236}">
+                <a16:creationId xmlns:a16="http://schemas.microsoft.com/office/drawing/2014/main" id="{19C1CBF3-F8AF-C78D-D46C-4673A1808874}"/>
+              </a:ext>
+            </a:extLst>
+          </p:cNvPr>
+          <p:cNvSpPr>
+            <a:spLocks noGrp="1"/>
+          </p:cNvSpPr>
+          <p:nvPr>
+            <p:ph type="title"/>
+          </p:nvPr>
+        </p:nvSpPr>
+        <p:spPr>
+          <a:xfrm>
+            <a:off x="1077362" y="517057"/>
+            <a:ext cx="9950103" cy="800226"/>
+          </a:xfrm>
+        </p:spPr>
+        <p:txBody>
+          <a:bodyPr/>
+          <a:lstStyle/>
+          <a:p>
+            <a:r>
+              <a:rPr lang="en-AU" dirty="0">
+                <a:solidFill>
+                  <a:schemeClr val="bg1"/>
+                </a:solidFill>
+                <a:latin typeface="Fira Sans" panose="020B0503050000020004" pitchFamily="34" charset="0"/>
+              </a:rPr>
+              <a:t>A grammar that matches integers</a:t>
+            </a:r>
+          </a:p>
+        </p:txBody>
+      </p:sp>
+      <p:sp>
+        <p:nvSpPr>
+          <p:cNvPr id="5" name="TextBox 4">
+            <a:extLst>
+              <a:ext uri="{FF2B5EF4-FFF2-40B4-BE49-F238E27FC236}">
+                <a16:creationId xmlns:a16="http://schemas.microsoft.com/office/drawing/2014/main" id="{7268D498-0033-6D28-89FA-AECB103C13EB}"/>
+              </a:ext>
+            </a:extLst>
+          </p:cNvPr>
+          <p:cNvSpPr txBox="1"/>
+          <p:nvPr/>
+        </p:nvSpPr>
+        <p:spPr>
+          <a:xfrm>
+            <a:off x="2661408" y="2180705"/>
+            <a:ext cx="6094602" cy="1631216"/>
+          </a:xfrm>
+          <a:prstGeom prst="rect">
+            <a:avLst/>
+          </a:prstGeom>
+          <a:noFill/>
+        </p:spPr>
+        <p:txBody>
+          <a:bodyPr wrap="square">
+            <a:spAutoFit/>
+          </a:bodyPr>
+          <a:lstStyle/>
+          <a:p>
+            <a:r>
+              <a:rPr lang="en-AU" sz="2000" b="0" dirty="0">
+                <a:solidFill>
+                  <a:srgbClr val="89DDFF"/>
+                </a:solidFill>
+                <a:effectLst/>
+                <a:latin typeface="JetBrains Mono Regular" panose="02000009000000000000" pitchFamily="49" charset="0"/>
+              </a:rPr>
+              <a:t>integer ::= '0' | </a:t>
+            </a:r>
+            <a:r>
+              <a:rPr lang="en-AU" sz="2000" b="0" dirty="0" err="1">
+                <a:solidFill>
+                  <a:srgbClr val="89DDFF"/>
+                </a:solidFill>
+                <a:effectLst/>
+                <a:latin typeface="JetBrains Mono Regular" panose="02000009000000000000" pitchFamily="49" charset="0"/>
+              </a:rPr>
+              <a:t>onenine</a:t>
+            </a:r>
+            <a:r>
+              <a:rPr lang="en-AU" sz="2000" b="0" dirty="0">
+                <a:solidFill>
+                  <a:srgbClr val="89DDFF"/>
+                </a:solidFill>
+                <a:effectLst/>
+                <a:latin typeface="JetBrains Mono Regular" panose="02000009000000000000" pitchFamily="49" charset="0"/>
+              </a:rPr>
+              <a:t> { digit }</a:t>
+            </a:r>
+            <a:endParaRPr lang="en-AU" sz="2000" b="0" dirty="0">
+              <a:solidFill>
+                <a:srgbClr val="A9B1D6"/>
+              </a:solidFill>
+              <a:effectLst/>
+              <a:latin typeface="JetBrains Mono Regular" panose="02000009000000000000" pitchFamily="49" charset="0"/>
+            </a:endParaRPr>
+          </a:p>
+          <a:p>
+            <a:br>
+              <a:rPr lang="en-AU" sz="2000" b="0" dirty="0">
+                <a:solidFill>
+                  <a:srgbClr val="A9B1D6"/>
+                </a:solidFill>
+                <a:effectLst/>
+                <a:latin typeface="JetBrains Mono Regular" panose="02000009000000000000" pitchFamily="49" charset="0"/>
+              </a:rPr>
+            </a:br>
+            <a:r>
+              <a:rPr lang="en-AU" sz="2000" b="0" dirty="0" err="1">
+                <a:solidFill>
+                  <a:srgbClr val="89DDFF"/>
+                </a:solidFill>
+                <a:effectLst/>
+                <a:latin typeface="JetBrains Mono Regular" panose="02000009000000000000" pitchFamily="49" charset="0"/>
+              </a:rPr>
+              <a:t>onenine</a:t>
+            </a:r>
+            <a:r>
+              <a:rPr lang="en-AU" sz="2000" b="0" dirty="0">
+                <a:solidFill>
+                  <a:srgbClr val="89DDFF"/>
+                </a:solidFill>
+                <a:effectLst/>
+                <a:latin typeface="JetBrains Mono Regular" panose="02000009000000000000" pitchFamily="49" charset="0"/>
+              </a:rPr>
+              <a:t> ::= '1' | ... | '9'</a:t>
+            </a:r>
+            <a:endParaRPr lang="en-AU" sz="2000" b="0" dirty="0">
+              <a:solidFill>
+                <a:srgbClr val="A9B1D6"/>
+              </a:solidFill>
+              <a:effectLst/>
+              <a:latin typeface="JetBrains Mono Regular" panose="02000009000000000000" pitchFamily="49" charset="0"/>
+            </a:endParaRPr>
+          </a:p>
+          <a:p>
+            <a:br>
+              <a:rPr lang="en-AU" sz="2000" b="0" dirty="0">
+                <a:solidFill>
+                  <a:srgbClr val="A9B1D6"/>
+                </a:solidFill>
+                <a:effectLst/>
+                <a:latin typeface="JetBrains Mono Regular" panose="02000009000000000000" pitchFamily="49" charset="0"/>
+              </a:rPr>
+            </a:br>
+            <a:r>
+              <a:rPr lang="en-AU" sz="2000" b="0" dirty="0">
+                <a:solidFill>
+                  <a:srgbClr val="89DDFF"/>
+                </a:solidFill>
+                <a:effectLst/>
+                <a:latin typeface="JetBrains Mono Regular" panose="02000009000000000000" pitchFamily="49" charset="0"/>
+              </a:rPr>
+              <a:t>digit ::= '0' | '1' | ... | '9'</a:t>
+            </a:r>
+            <a:endParaRPr lang="en-AU" sz="2000" b="0" dirty="0">
+              <a:solidFill>
+                <a:srgbClr val="A9B1D6"/>
+              </a:solidFill>
+              <a:effectLst/>
+              <a:latin typeface="JetBrains Mono Regular" panose="02000009000000000000" pitchFamily="49" charset="0"/>
+            </a:endParaRPr>
+          </a:p>
+        </p:txBody>
+      </p:sp>
+    </p:spTree>
+    <p:extLst>
+      <p:ext uri="{BB962C8B-B14F-4D97-AF65-F5344CB8AC3E}">
+        <p14:creationId xmlns:p14="http://schemas.microsoft.com/office/powerpoint/2010/main" val="487804263"/>
+      </p:ext>
+    </p:extLst>
+  </p:cSld>
+  <p:clrMapOvr>
+    <a:masterClrMapping/>
+  </p:clrMapOvr>
+</p:sld>
+</file>
+
+<file path=ppt/slides/slide31.xml><?xml version="1.0" encoding="utf-8"?>
+<p:sld xmlns:a="http://schemas.openxmlformats.org/drawingml/2006/main" xmlns:r="http://schemas.openxmlformats.org/officeDocument/2006/relationships" xmlns:p="http://schemas.openxmlformats.org/presentationml/2006/main" showMasterSp="0">
+  <p:cSld>
+    <p:spTree>
+      <p:nvGrpSpPr>
+        <p:cNvPr id="1" name=""/>
+        <p:cNvGrpSpPr/>
+        <p:nvPr/>
+      </p:nvGrpSpPr>
+      <p:grpSpPr>
+        <a:xfrm>
+          <a:off x="0" y="0"/>
+          <a:ext cx="0" cy="0"/>
+          <a:chOff x="0" y="0"/>
+          <a:chExt cx="0" cy="0"/>
+        </a:xfrm>
+      </p:grpSpPr>
+      <p:sp>
+        <p:nvSpPr>
+          <p:cNvPr id="2" name="Title 1">
+            <a:extLst>
+              <a:ext uri="{FF2B5EF4-FFF2-40B4-BE49-F238E27FC236}">
+                <a16:creationId xmlns:a16="http://schemas.microsoft.com/office/drawing/2014/main" id="{19C1CBF3-F8AF-C78D-D46C-4673A1808874}"/>
+              </a:ext>
+            </a:extLst>
+          </p:cNvPr>
+          <p:cNvSpPr>
+            <a:spLocks noGrp="1"/>
+          </p:cNvSpPr>
+          <p:nvPr>
+            <p:ph type="title"/>
+          </p:nvPr>
+        </p:nvSpPr>
+        <p:spPr>
+          <a:xfrm>
+            <a:off x="1077362" y="517057"/>
+            <a:ext cx="9950103" cy="800226"/>
+          </a:xfrm>
+        </p:spPr>
+        <p:txBody>
+          <a:bodyPr/>
+          <a:lstStyle/>
+          <a:p>
+            <a:r>
+              <a:rPr lang="en-AU" dirty="0">
+                <a:solidFill>
+                  <a:schemeClr val="bg1"/>
+                </a:solidFill>
+                <a:latin typeface="Fira Sans" panose="020B0503050000020004" pitchFamily="34" charset="0"/>
+              </a:rPr>
+              <a:t>A grammar that matches integers</a:t>
+            </a:r>
+          </a:p>
+        </p:txBody>
+      </p:sp>
+      <p:sp>
+        <p:nvSpPr>
+          <p:cNvPr id="5" name="TextBox 4">
+            <a:extLst>
+              <a:ext uri="{FF2B5EF4-FFF2-40B4-BE49-F238E27FC236}">
+                <a16:creationId xmlns:a16="http://schemas.microsoft.com/office/drawing/2014/main" id="{7268D498-0033-6D28-89FA-AECB103C13EB}"/>
+              </a:ext>
+            </a:extLst>
+          </p:cNvPr>
+          <p:cNvSpPr txBox="1"/>
+          <p:nvPr/>
+        </p:nvSpPr>
+        <p:spPr>
+          <a:xfrm>
+            <a:off x="2661408" y="2180705"/>
+            <a:ext cx="6094602" cy="1631216"/>
+          </a:xfrm>
+          <a:prstGeom prst="rect">
+            <a:avLst/>
+          </a:prstGeom>
+          <a:noFill/>
+        </p:spPr>
+        <p:txBody>
+          <a:bodyPr wrap="square">
+            <a:spAutoFit/>
+          </a:bodyPr>
+          <a:lstStyle/>
+          <a:p>
+            <a:r>
+              <a:rPr lang="en-AU" sz="2000" b="0" dirty="0">
+                <a:solidFill>
+                  <a:srgbClr val="89DDFF"/>
+                </a:solidFill>
+                <a:effectLst/>
+                <a:latin typeface="JetBrains Mono Regular" panose="02000009000000000000" pitchFamily="49" charset="0"/>
+              </a:rPr>
+              <a:t>integer ::= '0' | </a:t>
+            </a:r>
+            <a:r>
+              <a:rPr lang="en-AU" sz="2000" b="0" dirty="0" err="1">
+                <a:solidFill>
+                  <a:srgbClr val="89DDFF"/>
+                </a:solidFill>
+                <a:effectLst/>
+                <a:latin typeface="JetBrains Mono Regular" panose="02000009000000000000" pitchFamily="49" charset="0"/>
+              </a:rPr>
+              <a:t>onenine</a:t>
+            </a:r>
+            <a:r>
+              <a:rPr lang="en-AU" sz="2000" b="0" dirty="0">
+                <a:solidFill>
+                  <a:srgbClr val="89DDFF"/>
+                </a:solidFill>
+                <a:effectLst/>
+                <a:latin typeface="JetBrains Mono Regular" panose="02000009000000000000" pitchFamily="49" charset="0"/>
+              </a:rPr>
+              <a:t> { digit }</a:t>
+            </a:r>
+            <a:endParaRPr lang="en-AU" sz="2000" b="0" dirty="0">
+              <a:solidFill>
+                <a:srgbClr val="A9B1D6"/>
+              </a:solidFill>
+              <a:effectLst/>
+              <a:latin typeface="JetBrains Mono Regular" panose="02000009000000000000" pitchFamily="49" charset="0"/>
+            </a:endParaRPr>
+          </a:p>
+          <a:p>
+            <a:br>
+              <a:rPr lang="en-AU" sz="2000" b="0" dirty="0">
+                <a:solidFill>
+                  <a:srgbClr val="A9B1D6"/>
+                </a:solidFill>
+                <a:effectLst/>
+                <a:latin typeface="JetBrains Mono Regular" panose="02000009000000000000" pitchFamily="49" charset="0"/>
+              </a:rPr>
+            </a:br>
+            <a:r>
+              <a:rPr lang="en-AU" sz="2000" b="0" dirty="0" err="1">
+                <a:solidFill>
+                  <a:srgbClr val="89DDFF"/>
+                </a:solidFill>
+                <a:effectLst/>
+                <a:latin typeface="JetBrains Mono Regular" panose="02000009000000000000" pitchFamily="49" charset="0"/>
+              </a:rPr>
+              <a:t>onenine</a:t>
+            </a:r>
+            <a:r>
+              <a:rPr lang="en-AU" sz="2000" b="0" dirty="0">
+                <a:solidFill>
+                  <a:srgbClr val="89DDFF"/>
+                </a:solidFill>
+                <a:effectLst/>
+                <a:latin typeface="JetBrains Mono Regular" panose="02000009000000000000" pitchFamily="49" charset="0"/>
+              </a:rPr>
+              <a:t> ::= '1' | ... | '9'</a:t>
+            </a:r>
+            <a:endParaRPr lang="en-AU" sz="2000" b="0" dirty="0">
+              <a:solidFill>
+                <a:srgbClr val="A9B1D6"/>
+              </a:solidFill>
+              <a:effectLst/>
+              <a:latin typeface="JetBrains Mono Regular" panose="02000009000000000000" pitchFamily="49" charset="0"/>
+            </a:endParaRPr>
+          </a:p>
+          <a:p>
+            <a:br>
+              <a:rPr lang="en-AU" sz="2000" b="0" dirty="0">
+                <a:solidFill>
+                  <a:srgbClr val="A9B1D6"/>
+                </a:solidFill>
+                <a:effectLst/>
+                <a:latin typeface="JetBrains Mono Regular" panose="02000009000000000000" pitchFamily="49" charset="0"/>
+              </a:rPr>
+            </a:br>
+            <a:r>
+              <a:rPr lang="en-AU" sz="2000" b="0" dirty="0">
+                <a:solidFill>
+                  <a:srgbClr val="89DDFF"/>
+                </a:solidFill>
+                <a:effectLst/>
+                <a:latin typeface="JetBrains Mono Regular" panose="02000009000000000000" pitchFamily="49" charset="0"/>
+              </a:rPr>
+              <a:t>digit ::= '0' | '1' | ... | '9'</a:t>
+            </a:r>
+            <a:endParaRPr lang="en-AU" sz="2000" b="0" dirty="0">
+              <a:solidFill>
+                <a:srgbClr val="A9B1D6"/>
+              </a:solidFill>
+              <a:effectLst/>
+              <a:latin typeface="JetBrains Mono Regular" panose="02000009000000000000" pitchFamily="49" charset="0"/>
+            </a:endParaRPr>
+          </a:p>
+        </p:txBody>
+      </p:sp>
+      <p:sp>
+        <p:nvSpPr>
+          <p:cNvPr id="6" name="TextBox 5">
+            <a:extLst>
+              <a:ext uri="{FF2B5EF4-FFF2-40B4-BE49-F238E27FC236}">
+                <a16:creationId xmlns:a16="http://schemas.microsoft.com/office/drawing/2014/main" id="{C5069BF5-670B-E2D2-3FF5-730ED7EF2737}"/>
+              </a:ext>
+            </a:extLst>
+          </p:cNvPr>
+          <p:cNvSpPr txBox="1"/>
+          <p:nvPr/>
+        </p:nvSpPr>
+        <p:spPr>
+          <a:xfrm>
+            <a:off x="1077362" y="4784130"/>
+            <a:ext cx="9862930" cy="923330"/>
+          </a:xfrm>
+          <a:prstGeom prst="rect">
+            <a:avLst/>
+          </a:prstGeom>
+          <a:noFill/>
+        </p:spPr>
+        <p:txBody>
+          <a:bodyPr wrap="square" rtlCol="0">
+            <a:spAutoFit/>
+          </a:bodyPr>
+          <a:lstStyle/>
+          <a:p>
+            <a:r>
+              <a:rPr lang="en-AU" dirty="0">
+                <a:solidFill>
+                  <a:schemeClr val="bg1"/>
+                </a:solidFill>
+                <a:latin typeface="Fira Sans" panose="020B0503050000020004" pitchFamily="34" charset="0"/>
+              </a:rPr>
+              <a:t>You read this as “an integer is either 0, or a digit from 1-9,</a:t>
+            </a:r>
+          </a:p>
+          <a:p>
+            <a:r>
+              <a:rPr lang="en-AU" dirty="0">
+                <a:solidFill>
+                  <a:schemeClr val="bg1"/>
+                </a:solidFill>
+                <a:latin typeface="Fira Sans" panose="020B0503050000020004" pitchFamily="34" charset="0"/>
+              </a:rPr>
+              <a:t>followed by any number of digits from 0-9</a:t>
+            </a:r>
+          </a:p>
+          <a:p>
+            <a:pPr marL="285750" indent="-285750">
+              <a:buFont typeface="Arial" panose="020B0604020202020204" pitchFamily="34" charset="0"/>
+              <a:buChar char="•"/>
+            </a:pPr>
+            <a:endParaRPr lang="en-AU" dirty="0">
+              <a:solidFill>
+                <a:schemeClr val="bg1"/>
+              </a:solidFill>
+              <a:latin typeface="Fira Sans" panose="020B0503050000020004" pitchFamily="34" charset="0"/>
+            </a:endParaRPr>
+          </a:p>
+        </p:txBody>
+      </p:sp>
+    </p:spTree>
+    <p:extLst>
+      <p:ext uri="{BB962C8B-B14F-4D97-AF65-F5344CB8AC3E}">
+        <p14:creationId xmlns:p14="http://schemas.microsoft.com/office/powerpoint/2010/main" val="1794109021"/>
+      </p:ext>
+    </p:extLst>
+  </p:cSld>
+  <p:clrMapOvr>
+    <a:masterClrMapping/>
+  </p:clrMapOvr>
+</p:sld>
+</file>
+
+<file path=ppt/slides/slide32.xml><?xml version="1.0" encoding="utf-8"?>
+<p:sld xmlns:a="http://schemas.openxmlformats.org/drawingml/2006/main" xmlns:r="http://schemas.openxmlformats.org/officeDocument/2006/relationships" xmlns:p="http://schemas.openxmlformats.org/presentationml/2006/main" showMasterSp="0">
+  <p:cSld>
+    <p:spTree>
+      <p:nvGrpSpPr>
+        <p:cNvPr id="1" name=""/>
+        <p:cNvGrpSpPr/>
+        <p:nvPr/>
+      </p:nvGrpSpPr>
+      <p:grpSpPr>
+        <a:xfrm>
+          <a:off x="0" y="0"/>
+          <a:ext cx="0" cy="0"/>
+          <a:chOff x="0" y="0"/>
+          <a:chExt cx="0" cy="0"/>
+        </a:xfrm>
+      </p:grpSpPr>
+      <p:sp>
+        <p:nvSpPr>
+          <p:cNvPr id="2" name="Title 1">
+            <a:extLst>
+              <a:ext uri="{FF2B5EF4-FFF2-40B4-BE49-F238E27FC236}">
+                <a16:creationId xmlns:a16="http://schemas.microsoft.com/office/drawing/2014/main" id="{19C1CBF3-F8AF-C78D-D46C-4673A1808874}"/>
+              </a:ext>
+            </a:extLst>
+          </p:cNvPr>
+          <p:cNvSpPr>
+            <a:spLocks noGrp="1"/>
+          </p:cNvSpPr>
+          <p:nvPr>
+            <p:ph type="title"/>
+          </p:nvPr>
+        </p:nvSpPr>
+        <p:spPr>
+          <a:xfrm>
+            <a:off x="1077362" y="517057"/>
+            <a:ext cx="9950103" cy="800226"/>
+          </a:xfrm>
+        </p:spPr>
+        <p:txBody>
+          <a:bodyPr/>
+          <a:lstStyle/>
+          <a:p>
+            <a:r>
+              <a:rPr lang="en-AU" dirty="0">
+                <a:solidFill>
+                  <a:schemeClr val="bg1"/>
+                </a:solidFill>
+                <a:latin typeface="Fira Sans" panose="020B0503050000020004" pitchFamily="34" charset="0"/>
+              </a:rPr>
+              <a:t>Title</a:t>
+            </a:r>
+          </a:p>
+        </p:txBody>
+      </p:sp>
+      <p:sp>
+        <p:nvSpPr>
+          <p:cNvPr id="3" name="TextBox 2">
+            <a:extLst>
+              <a:ext uri="{FF2B5EF4-FFF2-40B4-BE49-F238E27FC236}">
+                <a16:creationId xmlns:a16="http://schemas.microsoft.com/office/drawing/2014/main" id="{F3FDC3BC-091F-CFCB-D3E3-183F4ED753BC}"/>
+              </a:ext>
+            </a:extLst>
+          </p:cNvPr>
+          <p:cNvSpPr txBox="1"/>
+          <p:nvPr/>
+        </p:nvSpPr>
+        <p:spPr>
+          <a:xfrm>
+            <a:off x="1164535" y="1845578"/>
+            <a:ext cx="9862930" cy="923330"/>
+          </a:xfrm>
+          <a:prstGeom prst="rect">
+            <a:avLst/>
+          </a:prstGeom>
+          <a:noFill/>
+        </p:spPr>
+        <p:txBody>
+          <a:bodyPr wrap="square" rtlCol="0">
+            <a:spAutoFit/>
+          </a:bodyPr>
+          <a:lstStyle/>
+          <a:p>
+            <a:pPr marL="285750" indent="-285750">
+              <a:buFont typeface="Arial" panose="020B0604020202020204" pitchFamily="34" charset="0"/>
+              <a:buChar char="•"/>
+            </a:pPr>
+            <a:r>
+              <a:rPr lang="en-AU" dirty="0">
+                <a:solidFill>
+                  <a:schemeClr val="bg1"/>
+                </a:solidFill>
+                <a:latin typeface="Fira Sans" panose="020B0503050000020004" pitchFamily="34" charset="0"/>
+              </a:rPr>
+              <a:t>Content</a:t>
+            </a:r>
+          </a:p>
+          <a:p>
+            <a:pPr marL="285750" indent="-285750">
+              <a:buFont typeface="Arial" panose="020B0604020202020204" pitchFamily="34" charset="0"/>
+              <a:buChar char="•"/>
+            </a:pPr>
+            <a:endParaRPr lang="en-AU" dirty="0">
+              <a:solidFill>
+                <a:schemeClr val="bg1"/>
+              </a:solidFill>
+              <a:latin typeface="Fira Sans" panose="020B0503050000020004" pitchFamily="34" charset="0"/>
+            </a:endParaRPr>
+          </a:p>
+          <a:p>
+            <a:pPr marL="285750" indent="-285750">
+              <a:buFont typeface="Arial" panose="020B0604020202020204" pitchFamily="34" charset="0"/>
+              <a:buChar char="•"/>
+            </a:pPr>
+            <a:endParaRPr lang="en-AU" dirty="0">
+              <a:solidFill>
+                <a:schemeClr val="bg1"/>
+              </a:solidFill>
+              <a:latin typeface="Fira Sans" panose="020B0503050000020004" pitchFamily="34" charset="0"/>
+            </a:endParaRPr>
+          </a:p>
+        </p:txBody>
+      </p:sp>
+    </p:spTree>
+    <p:extLst>
+      <p:ext uri="{BB962C8B-B14F-4D97-AF65-F5344CB8AC3E}">
+        <p14:creationId xmlns:p14="http://schemas.microsoft.com/office/powerpoint/2010/main" val="120432224"/>
+      </p:ext>
+    </p:extLst>
+  </p:cSld>
+  <p:clrMapOvr>
+    <a:masterClrMapping/>
+  </p:clrMapOvr>
+</p:sld>
+</file>
+
 <file path=ppt/slides/slide4.xml><?xml version="1.0" encoding="utf-8"?>
-<p:sld xmlns:a="http://schemas.openxmlformats.org/drawingml/2006/main" xmlns:r="http://schemas.openxmlformats.org/officeDocument/2006/relationships" xmlns:p="http://schemas.openxmlformats.org/presentationml/2006/main">
+<p:sld xmlns:a="http://schemas.openxmlformats.org/drawingml/2006/main" xmlns:r="http://schemas.openxmlformats.org/officeDocument/2006/relationships" xmlns:p="http://schemas.openxmlformats.org/presentationml/2006/main" showMasterSp="0">
   <p:cSld>
-    <p:bg>
-      <p:bgPr>
-        <a:solidFill>
-          <a:srgbClr val="1A1B26"/>
-        </a:solidFill>
-        <a:effectLst/>
-      </p:bgPr>
-    </p:bg>
     <p:spTree>
       <p:nvGrpSpPr>
         <p:cNvPr id="1" name=""/>
@@ -11173,14 +15687,6 @@
 <file path=ppt/slides/slide5.xml><?xml version="1.0" encoding="utf-8"?>
 <p:sld xmlns:a="http://schemas.openxmlformats.org/drawingml/2006/main" xmlns:r="http://schemas.openxmlformats.org/officeDocument/2006/relationships" xmlns:p="http://schemas.openxmlformats.org/presentationml/2006/main" showMasterSp="0">
   <p:cSld>
-    <p:bg>
-      <p:bgPr>
-        <a:solidFill>
-          <a:srgbClr val="1A1B26"/>
-        </a:solidFill>
-        <a:effectLst/>
-      </p:bgPr>
-    </p:bg>
     <p:spTree>
       <p:nvGrpSpPr>
         <p:cNvPr id="1" name=""/>
@@ -11195,10 +15701,736 @@
           <a:chExt cx="0" cy="0"/>
         </a:xfrm>
       </p:grpSpPr>
+      <p:sp>
+        <p:nvSpPr>
+          <p:cNvPr id="2" name="Title 1">
+            <a:extLst>
+              <a:ext uri="{FF2B5EF4-FFF2-40B4-BE49-F238E27FC236}">
+                <a16:creationId xmlns:a16="http://schemas.microsoft.com/office/drawing/2014/main" id="{19C1CBF3-F8AF-C78D-D46C-4673A1808874}"/>
+              </a:ext>
+            </a:extLst>
+          </p:cNvPr>
+          <p:cNvSpPr>
+            <a:spLocks noGrp="1"/>
+          </p:cNvSpPr>
+          <p:nvPr>
+            <p:ph type="title"/>
+          </p:nvPr>
+        </p:nvSpPr>
+        <p:spPr>
+          <a:xfrm>
+            <a:off x="1077362" y="517057"/>
+            <a:ext cx="9950103" cy="800226"/>
+          </a:xfrm>
+        </p:spPr>
+        <p:txBody>
+          <a:bodyPr/>
+          <a:lstStyle/>
+          <a:p>
+            <a:r>
+              <a:rPr lang="en-AU" dirty="0">
+                <a:solidFill>
+                  <a:schemeClr val="bg1"/>
+                </a:solidFill>
+                <a:latin typeface="Fira Sans" panose="020B0503050000020004" pitchFamily="34" charset="0"/>
+              </a:rPr>
+              <a:t>About me</a:t>
+            </a:r>
+          </a:p>
+        </p:txBody>
+      </p:sp>
     </p:spTree>
     <p:extLst>
       <p:ext uri="{BB962C8B-B14F-4D97-AF65-F5344CB8AC3E}">
-        <p14:creationId xmlns:p14="http://schemas.microsoft.com/office/powerpoint/2010/main" val="3568556293"/>
+        <p14:creationId xmlns:p14="http://schemas.microsoft.com/office/powerpoint/2010/main" val="3413605081"/>
+      </p:ext>
+    </p:extLst>
+  </p:cSld>
+  <p:clrMapOvr>
+    <a:masterClrMapping/>
+  </p:clrMapOvr>
+</p:sld>
+</file>
+
+<file path=ppt/slides/slide6.xml><?xml version="1.0" encoding="utf-8"?>
+<p:sld xmlns:a="http://schemas.openxmlformats.org/drawingml/2006/main" xmlns:r="http://schemas.openxmlformats.org/officeDocument/2006/relationships" xmlns:p="http://schemas.openxmlformats.org/presentationml/2006/main" showMasterSp="0">
+  <p:cSld>
+    <p:spTree>
+      <p:nvGrpSpPr>
+        <p:cNvPr id="1" name=""/>
+        <p:cNvGrpSpPr/>
+        <p:nvPr/>
+      </p:nvGrpSpPr>
+      <p:grpSpPr>
+        <a:xfrm>
+          <a:off x="0" y="0"/>
+          <a:ext cx="0" cy="0"/>
+          <a:chOff x="0" y="0"/>
+          <a:chExt cx="0" cy="0"/>
+        </a:xfrm>
+      </p:grpSpPr>
+      <p:sp>
+        <p:nvSpPr>
+          <p:cNvPr id="2" name="Title 1">
+            <a:extLst>
+              <a:ext uri="{FF2B5EF4-FFF2-40B4-BE49-F238E27FC236}">
+                <a16:creationId xmlns:a16="http://schemas.microsoft.com/office/drawing/2014/main" id="{19C1CBF3-F8AF-C78D-D46C-4673A1808874}"/>
+              </a:ext>
+            </a:extLst>
+          </p:cNvPr>
+          <p:cNvSpPr>
+            <a:spLocks noGrp="1"/>
+          </p:cNvSpPr>
+          <p:nvPr>
+            <p:ph type="title"/>
+          </p:nvPr>
+        </p:nvSpPr>
+        <p:spPr>
+          <a:xfrm>
+            <a:off x="1077362" y="517057"/>
+            <a:ext cx="9950103" cy="800226"/>
+          </a:xfrm>
+        </p:spPr>
+        <p:txBody>
+          <a:bodyPr/>
+          <a:lstStyle/>
+          <a:p>
+            <a:r>
+              <a:rPr lang="en-AU" dirty="0">
+                <a:solidFill>
+                  <a:schemeClr val="bg1"/>
+                </a:solidFill>
+                <a:latin typeface="Fira Sans" panose="020B0503050000020004" pitchFamily="34" charset="0"/>
+              </a:rPr>
+              <a:t>About me</a:t>
+            </a:r>
+          </a:p>
+        </p:txBody>
+      </p:sp>
+      <p:sp>
+        <p:nvSpPr>
+          <p:cNvPr id="4" name="TextBox 3">
+            <a:extLst>
+              <a:ext uri="{FF2B5EF4-FFF2-40B4-BE49-F238E27FC236}">
+                <a16:creationId xmlns:a16="http://schemas.microsoft.com/office/drawing/2014/main" id="{A99310B0-782D-AA04-0F29-1A216A490C20}"/>
+              </a:ext>
+            </a:extLst>
+          </p:cNvPr>
+          <p:cNvSpPr txBox="1"/>
+          <p:nvPr/>
+        </p:nvSpPr>
+        <p:spPr>
+          <a:xfrm>
+            <a:off x="1281981" y="1795244"/>
+            <a:ext cx="10054342" cy="400110"/>
+          </a:xfrm>
+          <a:prstGeom prst="rect">
+            <a:avLst/>
+          </a:prstGeom>
+          <a:noFill/>
+        </p:spPr>
+        <p:txBody>
+          <a:bodyPr wrap="square" rtlCol="0">
+            <a:spAutoFit/>
+          </a:bodyPr>
+          <a:lstStyle/>
+          <a:p>
+            <a:pPr marL="285750" indent="-285750">
+              <a:buFont typeface="Arial" panose="020B0604020202020204" pitchFamily="34" charset="0"/>
+              <a:buChar char="•"/>
+            </a:pPr>
+            <a:r>
+              <a:rPr lang="en-AU" sz="2000" dirty="0">
+                <a:solidFill>
+                  <a:schemeClr val="bg1"/>
+                </a:solidFill>
+                <a:latin typeface="Fira Sans" panose="020B0503050000020004" pitchFamily="34" charset="0"/>
+              </a:rPr>
+              <a:t>I go by many names</a:t>
+            </a:r>
+          </a:p>
+        </p:txBody>
+      </p:sp>
+    </p:spTree>
+    <p:extLst>
+      <p:ext uri="{BB962C8B-B14F-4D97-AF65-F5344CB8AC3E}">
+        <p14:creationId xmlns:p14="http://schemas.microsoft.com/office/powerpoint/2010/main" val="1710650121"/>
+      </p:ext>
+    </p:extLst>
+  </p:cSld>
+  <p:clrMapOvr>
+    <a:masterClrMapping/>
+  </p:clrMapOvr>
+</p:sld>
+</file>
+
+<file path=ppt/slides/slide7.xml><?xml version="1.0" encoding="utf-8"?>
+<p:sld xmlns:a="http://schemas.openxmlformats.org/drawingml/2006/main" xmlns:r="http://schemas.openxmlformats.org/officeDocument/2006/relationships" xmlns:p="http://schemas.openxmlformats.org/presentationml/2006/main" showMasterSp="0">
+  <p:cSld>
+    <p:spTree>
+      <p:nvGrpSpPr>
+        <p:cNvPr id="1" name=""/>
+        <p:cNvGrpSpPr/>
+        <p:nvPr/>
+      </p:nvGrpSpPr>
+      <p:grpSpPr>
+        <a:xfrm>
+          <a:off x="0" y="0"/>
+          <a:ext cx="0" cy="0"/>
+          <a:chOff x="0" y="0"/>
+          <a:chExt cx="0" cy="0"/>
+        </a:xfrm>
+      </p:grpSpPr>
+      <p:sp>
+        <p:nvSpPr>
+          <p:cNvPr id="2" name="Title 1">
+            <a:extLst>
+              <a:ext uri="{FF2B5EF4-FFF2-40B4-BE49-F238E27FC236}">
+                <a16:creationId xmlns:a16="http://schemas.microsoft.com/office/drawing/2014/main" id="{19C1CBF3-F8AF-C78D-D46C-4673A1808874}"/>
+              </a:ext>
+            </a:extLst>
+          </p:cNvPr>
+          <p:cNvSpPr>
+            <a:spLocks noGrp="1"/>
+          </p:cNvSpPr>
+          <p:nvPr>
+            <p:ph type="title"/>
+          </p:nvPr>
+        </p:nvSpPr>
+        <p:spPr>
+          <a:xfrm>
+            <a:off x="1077362" y="517057"/>
+            <a:ext cx="9950103" cy="800226"/>
+          </a:xfrm>
+        </p:spPr>
+        <p:txBody>
+          <a:bodyPr/>
+          <a:lstStyle/>
+          <a:p>
+            <a:r>
+              <a:rPr lang="en-AU" dirty="0">
+                <a:solidFill>
+                  <a:schemeClr val="bg1"/>
+                </a:solidFill>
+                <a:latin typeface="Fira Sans" panose="020B0503050000020004" pitchFamily="34" charset="0"/>
+              </a:rPr>
+              <a:t>About me</a:t>
+            </a:r>
+          </a:p>
+        </p:txBody>
+      </p:sp>
+      <p:sp>
+        <p:nvSpPr>
+          <p:cNvPr id="4" name="TextBox 3">
+            <a:extLst>
+              <a:ext uri="{FF2B5EF4-FFF2-40B4-BE49-F238E27FC236}">
+                <a16:creationId xmlns:a16="http://schemas.microsoft.com/office/drawing/2014/main" id="{A99310B0-782D-AA04-0F29-1A216A490C20}"/>
+              </a:ext>
+            </a:extLst>
+          </p:cNvPr>
+          <p:cNvSpPr txBox="1"/>
+          <p:nvPr/>
+        </p:nvSpPr>
+        <p:spPr>
+          <a:xfrm>
+            <a:off x="1281981" y="1795244"/>
+            <a:ext cx="10054342" cy="1569660"/>
+          </a:xfrm>
+          <a:prstGeom prst="rect">
+            <a:avLst/>
+          </a:prstGeom>
+          <a:noFill/>
+        </p:spPr>
+        <p:txBody>
+          <a:bodyPr wrap="square" rtlCol="0">
+            <a:spAutoFit/>
+          </a:bodyPr>
+          <a:lstStyle/>
+          <a:p>
+            <a:pPr marL="285750" indent="-285750">
+              <a:buFont typeface="Arial" panose="020B0604020202020204" pitchFamily="34" charset="0"/>
+              <a:buChar char="•"/>
+            </a:pPr>
+            <a:r>
+              <a:rPr lang="en-AU" sz="2000" dirty="0">
+                <a:solidFill>
+                  <a:schemeClr val="bg1"/>
+                </a:solidFill>
+                <a:latin typeface="Fira Sans" panose="020B0503050000020004" pitchFamily="34" charset="0"/>
+              </a:rPr>
+              <a:t>I go by many names</a:t>
+            </a:r>
+          </a:p>
+          <a:p>
+            <a:pPr marL="285750" indent="-285750">
+              <a:buFont typeface="Arial" panose="020B0604020202020204" pitchFamily="34" charset="0"/>
+              <a:buChar char="•"/>
+            </a:pPr>
+            <a:endParaRPr lang="en-AU" sz="2000" dirty="0">
+              <a:solidFill>
+                <a:schemeClr val="bg1"/>
+              </a:solidFill>
+              <a:latin typeface="Fira Sans" panose="020B0503050000020004" pitchFamily="34" charset="0"/>
+            </a:endParaRPr>
+          </a:p>
+          <a:p>
+            <a:pPr marL="285750" indent="-285750">
+              <a:buFont typeface="Arial" panose="020B0604020202020204" pitchFamily="34" charset="0"/>
+              <a:buChar char="•"/>
+            </a:pPr>
+            <a:r>
+              <a:rPr lang="en-AU" sz="2000" dirty="0">
+                <a:solidFill>
+                  <a:schemeClr val="bg1"/>
+                </a:solidFill>
+                <a:latin typeface="Fira Sans" panose="020B0503050000020004" pitchFamily="34" charset="0"/>
+              </a:rPr>
+              <a:t>Maths and Comp Sci student here at UQ (5</a:t>
+            </a:r>
+            <a:r>
+              <a:rPr lang="en-AU" sz="2000" baseline="30000" dirty="0">
+                <a:solidFill>
+                  <a:schemeClr val="bg1"/>
+                </a:solidFill>
+                <a:latin typeface="Fira Sans" panose="020B0503050000020004" pitchFamily="34" charset="0"/>
+              </a:rPr>
+              <a:t>th</a:t>
+            </a:r>
+            <a:r>
+              <a:rPr lang="en-AU" sz="2000" dirty="0">
+                <a:solidFill>
+                  <a:schemeClr val="bg1"/>
+                </a:solidFill>
+                <a:latin typeface="Fira Sans" panose="020B0503050000020004" pitchFamily="34" charset="0"/>
+              </a:rPr>
+              <a:t> year, wow)</a:t>
+            </a:r>
+          </a:p>
+          <a:p>
+            <a:pPr marL="285750" indent="-285750">
+              <a:buFont typeface="Arial" panose="020B0604020202020204" pitchFamily="34" charset="0"/>
+              <a:buChar char="•"/>
+            </a:pPr>
+            <a:endParaRPr lang="en-AU" dirty="0">
+              <a:solidFill>
+                <a:schemeClr val="bg1"/>
+              </a:solidFill>
+              <a:latin typeface="Fira Sans" panose="020B0503050000020004" pitchFamily="34" charset="0"/>
+            </a:endParaRPr>
+          </a:p>
+          <a:p>
+            <a:pPr marL="285750" indent="-285750">
+              <a:buFont typeface="Arial" panose="020B0604020202020204" pitchFamily="34" charset="0"/>
+              <a:buChar char="•"/>
+            </a:pPr>
+            <a:endParaRPr lang="en-AU" dirty="0">
+              <a:solidFill>
+                <a:schemeClr val="bg1"/>
+              </a:solidFill>
+              <a:latin typeface="Fira Sans" panose="020B0503050000020004" pitchFamily="34" charset="0"/>
+            </a:endParaRPr>
+          </a:p>
+        </p:txBody>
+      </p:sp>
+    </p:spTree>
+    <p:extLst>
+      <p:ext uri="{BB962C8B-B14F-4D97-AF65-F5344CB8AC3E}">
+        <p14:creationId xmlns:p14="http://schemas.microsoft.com/office/powerpoint/2010/main" val="4222701003"/>
+      </p:ext>
+    </p:extLst>
+  </p:cSld>
+  <p:clrMapOvr>
+    <a:masterClrMapping/>
+  </p:clrMapOvr>
+</p:sld>
+</file>
+
+<file path=ppt/slides/slide8.xml><?xml version="1.0" encoding="utf-8"?>
+<p:sld xmlns:a="http://schemas.openxmlformats.org/drawingml/2006/main" xmlns:r="http://schemas.openxmlformats.org/officeDocument/2006/relationships" xmlns:p="http://schemas.openxmlformats.org/presentationml/2006/main" showMasterSp="0">
+  <p:cSld>
+    <p:spTree>
+      <p:nvGrpSpPr>
+        <p:cNvPr id="1" name=""/>
+        <p:cNvGrpSpPr/>
+        <p:nvPr/>
+      </p:nvGrpSpPr>
+      <p:grpSpPr>
+        <a:xfrm>
+          <a:off x="0" y="0"/>
+          <a:ext cx="0" cy="0"/>
+          <a:chOff x="0" y="0"/>
+          <a:chExt cx="0" cy="0"/>
+        </a:xfrm>
+      </p:grpSpPr>
+      <p:sp>
+        <p:nvSpPr>
+          <p:cNvPr id="2" name="Title 1">
+            <a:extLst>
+              <a:ext uri="{FF2B5EF4-FFF2-40B4-BE49-F238E27FC236}">
+                <a16:creationId xmlns:a16="http://schemas.microsoft.com/office/drawing/2014/main" id="{19C1CBF3-F8AF-C78D-D46C-4673A1808874}"/>
+              </a:ext>
+            </a:extLst>
+          </p:cNvPr>
+          <p:cNvSpPr>
+            <a:spLocks noGrp="1"/>
+          </p:cNvSpPr>
+          <p:nvPr>
+            <p:ph type="title"/>
+          </p:nvPr>
+        </p:nvSpPr>
+        <p:spPr>
+          <a:xfrm>
+            <a:off x="1077362" y="517057"/>
+            <a:ext cx="9950103" cy="800226"/>
+          </a:xfrm>
+        </p:spPr>
+        <p:txBody>
+          <a:bodyPr/>
+          <a:lstStyle/>
+          <a:p>
+            <a:r>
+              <a:rPr lang="en-AU" dirty="0">
+                <a:solidFill>
+                  <a:schemeClr val="bg1"/>
+                </a:solidFill>
+                <a:latin typeface="Fira Sans" panose="020B0503050000020004" pitchFamily="34" charset="0"/>
+              </a:rPr>
+              <a:t>About me</a:t>
+            </a:r>
+          </a:p>
+        </p:txBody>
+      </p:sp>
+      <p:sp>
+        <p:nvSpPr>
+          <p:cNvPr id="4" name="TextBox 3">
+            <a:extLst>
+              <a:ext uri="{FF2B5EF4-FFF2-40B4-BE49-F238E27FC236}">
+                <a16:creationId xmlns:a16="http://schemas.microsoft.com/office/drawing/2014/main" id="{A99310B0-782D-AA04-0F29-1A216A490C20}"/>
+              </a:ext>
+            </a:extLst>
+          </p:cNvPr>
+          <p:cNvSpPr txBox="1"/>
+          <p:nvPr/>
+        </p:nvSpPr>
+        <p:spPr>
+          <a:xfrm>
+            <a:off x="1281981" y="1795244"/>
+            <a:ext cx="10054342" cy="1569660"/>
+          </a:xfrm>
+          <a:prstGeom prst="rect">
+            <a:avLst/>
+          </a:prstGeom>
+          <a:noFill/>
+        </p:spPr>
+        <p:txBody>
+          <a:bodyPr wrap="square" rtlCol="0">
+            <a:spAutoFit/>
+          </a:bodyPr>
+          <a:lstStyle/>
+          <a:p>
+            <a:pPr marL="285750" indent="-285750">
+              <a:buFont typeface="Arial" panose="020B0604020202020204" pitchFamily="34" charset="0"/>
+              <a:buChar char="•"/>
+            </a:pPr>
+            <a:r>
+              <a:rPr lang="en-AU" sz="2000" dirty="0">
+                <a:solidFill>
+                  <a:schemeClr val="bg1"/>
+                </a:solidFill>
+                <a:latin typeface="Fira Sans" panose="020B0503050000020004" pitchFamily="34" charset="0"/>
+              </a:rPr>
+              <a:t>I go by many names</a:t>
+            </a:r>
+          </a:p>
+          <a:p>
+            <a:pPr marL="285750" indent="-285750">
+              <a:buFont typeface="Arial" panose="020B0604020202020204" pitchFamily="34" charset="0"/>
+              <a:buChar char="•"/>
+            </a:pPr>
+            <a:endParaRPr lang="en-AU" sz="2000" dirty="0">
+              <a:solidFill>
+                <a:schemeClr val="bg1"/>
+              </a:solidFill>
+              <a:latin typeface="Fira Sans" panose="020B0503050000020004" pitchFamily="34" charset="0"/>
+            </a:endParaRPr>
+          </a:p>
+          <a:p>
+            <a:pPr marL="285750" indent="-285750">
+              <a:buFont typeface="Arial" panose="020B0604020202020204" pitchFamily="34" charset="0"/>
+              <a:buChar char="•"/>
+            </a:pPr>
+            <a:r>
+              <a:rPr lang="en-AU" sz="2000" dirty="0">
+                <a:solidFill>
+                  <a:schemeClr val="bg1"/>
+                </a:solidFill>
+                <a:latin typeface="Fira Sans" panose="020B0503050000020004" pitchFamily="34" charset="0"/>
+              </a:rPr>
+              <a:t>Maths and Comp Sci student here at UQ (5</a:t>
+            </a:r>
+            <a:r>
+              <a:rPr lang="en-AU" sz="2000" baseline="30000" dirty="0">
+                <a:solidFill>
+                  <a:schemeClr val="bg1"/>
+                </a:solidFill>
+                <a:latin typeface="Fira Sans" panose="020B0503050000020004" pitchFamily="34" charset="0"/>
+              </a:rPr>
+              <a:t>th</a:t>
+            </a:r>
+            <a:r>
+              <a:rPr lang="en-AU" sz="2000" dirty="0">
+                <a:solidFill>
+                  <a:schemeClr val="bg1"/>
+                </a:solidFill>
+                <a:latin typeface="Fira Sans" panose="020B0503050000020004" pitchFamily="34" charset="0"/>
+              </a:rPr>
+              <a:t> year, wow)</a:t>
+            </a:r>
+          </a:p>
+          <a:p>
+            <a:pPr marL="285750" indent="-285750">
+              <a:buFont typeface="Arial" panose="020B0604020202020204" pitchFamily="34" charset="0"/>
+              <a:buChar char="•"/>
+            </a:pPr>
+            <a:endParaRPr lang="en-AU" dirty="0">
+              <a:solidFill>
+                <a:schemeClr val="bg1"/>
+              </a:solidFill>
+              <a:latin typeface="Fira Sans" panose="020B0503050000020004" pitchFamily="34" charset="0"/>
+            </a:endParaRPr>
+          </a:p>
+          <a:p>
+            <a:pPr marL="285750" indent="-285750">
+              <a:buFont typeface="Arial" panose="020B0604020202020204" pitchFamily="34" charset="0"/>
+              <a:buChar char="•"/>
+            </a:pPr>
+            <a:r>
+              <a:rPr lang="en-AU" dirty="0">
+                <a:solidFill>
+                  <a:schemeClr val="bg1"/>
+                </a:solidFill>
+                <a:latin typeface="Fira Sans" panose="020B0503050000020004" pitchFamily="34" charset="0"/>
+              </a:rPr>
+              <a:t>I tutored COMP3400 last semester</a:t>
+            </a:r>
+          </a:p>
+        </p:txBody>
+      </p:sp>
+    </p:spTree>
+    <p:extLst>
+      <p:ext uri="{BB962C8B-B14F-4D97-AF65-F5344CB8AC3E}">
+        <p14:creationId xmlns:p14="http://schemas.microsoft.com/office/powerpoint/2010/main" val="1637162900"/>
+      </p:ext>
+    </p:extLst>
+  </p:cSld>
+  <p:clrMapOvr>
+    <a:masterClrMapping/>
+  </p:clrMapOvr>
+</p:sld>
+</file>
+
+<file path=ppt/slides/slide9.xml><?xml version="1.0" encoding="utf-8"?>
+<p:sld xmlns:a="http://schemas.openxmlformats.org/drawingml/2006/main" xmlns:r="http://schemas.openxmlformats.org/officeDocument/2006/relationships" xmlns:p="http://schemas.openxmlformats.org/presentationml/2006/main" showMasterSp="0">
+  <p:cSld>
+    <p:spTree>
+      <p:nvGrpSpPr>
+        <p:cNvPr id="1" name=""/>
+        <p:cNvGrpSpPr/>
+        <p:nvPr/>
+      </p:nvGrpSpPr>
+      <p:grpSpPr>
+        <a:xfrm>
+          <a:off x="0" y="0"/>
+          <a:ext cx="0" cy="0"/>
+          <a:chOff x="0" y="0"/>
+          <a:chExt cx="0" cy="0"/>
+        </a:xfrm>
+      </p:grpSpPr>
+      <p:sp>
+        <p:nvSpPr>
+          <p:cNvPr id="2" name="Title 1">
+            <a:extLst>
+              <a:ext uri="{FF2B5EF4-FFF2-40B4-BE49-F238E27FC236}">
+                <a16:creationId xmlns:a16="http://schemas.microsoft.com/office/drawing/2014/main" id="{19C1CBF3-F8AF-C78D-D46C-4673A1808874}"/>
+              </a:ext>
+            </a:extLst>
+          </p:cNvPr>
+          <p:cNvSpPr>
+            <a:spLocks noGrp="1"/>
+          </p:cNvSpPr>
+          <p:nvPr>
+            <p:ph type="title"/>
+          </p:nvPr>
+        </p:nvSpPr>
+        <p:spPr>
+          <a:xfrm>
+            <a:off x="1077362" y="517057"/>
+            <a:ext cx="9950103" cy="800226"/>
+          </a:xfrm>
+        </p:spPr>
+        <p:txBody>
+          <a:bodyPr/>
+          <a:lstStyle/>
+          <a:p>
+            <a:r>
+              <a:rPr lang="en-AU" dirty="0">
+                <a:solidFill>
+                  <a:schemeClr val="bg1"/>
+                </a:solidFill>
+                <a:latin typeface="Fira Sans" panose="020B0503050000020004" pitchFamily="34" charset="0"/>
+              </a:rPr>
+              <a:t>About me</a:t>
+            </a:r>
+          </a:p>
+        </p:txBody>
+      </p:sp>
+      <p:sp>
+        <p:nvSpPr>
+          <p:cNvPr id="4" name="TextBox 3">
+            <a:extLst>
+              <a:ext uri="{FF2B5EF4-FFF2-40B4-BE49-F238E27FC236}">
+                <a16:creationId xmlns:a16="http://schemas.microsoft.com/office/drawing/2014/main" id="{A99310B0-782D-AA04-0F29-1A216A490C20}"/>
+              </a:ext>
+            </a:extLst>
+          </p:cNvPr>
+          <p:cNvSpPr txBox="1"/>
+          <p:nvPr/>
+        </p:nvSpPr>
+        <p:spPr>
+          <a:xfrm>
+            <a:off x="1281981" y="1795244"/>
+            <a:ext cx="7350291" cy="2123658"/>
+          </a:xfrm>
+          <a:prstGeom prst="rect">
+            <a:avLst/>
+          </a:prstGeom>
+          <a:noFill/>
+        </p:spPr>
+        <p:txBody>
+          <a:bodyPr wrap="square" rtlCol="0">
+            <a:spAutoFit/>
+          </a:bodyPr>
+          <a:lstStyle/>
+          <a:p>
+            <a:pPr marL="285750" indent="-285750">
+              <a:buFont typeface="Arial" panose="020B0604020202020204" pitchFamily="34" charset="0"/>
+              <a:buChar char="•"/>
+            </a:pPr>
+            <a:r>
+              <a:rPr lang="en-AU" sz="2000" dirty="0">
+                <a:solidFill>
+                  <a:schemeClr val="bg1"/>
+                </a:solidFill>
+                <a:latin typeface="Fira Sans" panose="020B0503050000020004" pitchFamily="34" charset="0"/>
+              </a:rPr>
+              <a:t>I go by many names</a:t>
+            </a:r>
+          </a:p>
+          <a:p>
+            <a:pPr marL="285750" indent="-285750">
+              <a:buFont typeface="Arial" panose="020B0604020202020204" pitchFamily="34" charset="0"/>
+              <a:buChar char="•"/>
+            </a:pPr>
+            <a:endParaRPr lang="en-AU" sz="2000" dirty="0">
+              <a:solidFill>
+                <a:schemeClr val="bg1"/>
+              </a:solidFill>
+              <a:latin typeface="Fira Sans" panose="020B0503050000020004" pitchFamily="34" charset="0"/>
+            </a:endParaRPr>
+          </a:p>
+          <a:p>
+            <a:pPr marL="285750" indent="-285750">
+              <a:buFont typeface="Arial" panose="020B0604020202020204" pitchFamily="34" charset="0"/>
+              <a:buChar char="•"/>
+            </a:pPr>
+            <a:r>
+              <a:rPr lang="en-AU" sz="2000" dirty="0">
+                <a:solidFill>
+                  <a:schemeClr val="bg1"/>
+                </a:solidFill>
+                <a:latin typeface="Fira Sans" panose="020B0503050000020004" pitchFamily="34" charset="0"/>
+              </a:rPr>
+              <a:t>Maths and Comp Sci student here at UQ (5</a:t>
+            </a:r>
+            <a:r>
+              <a:rPr lang="en-AU" sz="2000" baseline="30000" dirty="0">
+                <a:solidFill>
+                  <a:schemeClr val="bg1"/>
+                </a:solidFill>
+                <a:latin typeface="Fira Sans" panose="020B0503050000020004" pitchFamily="34" charset="0"/>
+              </a:rPr>
+              <a:t>th</a:t>
+            </a:r>
+            <a:r>
+              <a:rPr lang="en-AU" sz="2000" dirty="0">
+                <a:solidFill>
+                  <a:schemeClr val="bg1"/>
+                </a:solidFill>
+                <a:latin typeface="Fira Sans" panose="020B0503050000020004" pitchFamily="34" charset="0"/>
+              </a:rPr>
+              <a:t> year, wow)</a:t>
+            </a:r>
+          </a:p>
+          <a:p>
+            <a:pPr marL="285750" indent="-285750">
+              <a:buFont typeface="Arial" panose="020B0604020202020204" pitchFamily="34" charset="0"/>
+              <a:buChar char="•"/>
+            </a:pPr>
+            <a:endParaRPr lang="en-AU" dirty="0">
+              <a:solidFill>
+                <a:schemeClr val="bg1"/>
+              </a:solidFill>
+              <a:latin typeface="Fira Sans" panose="020B0503050000020004" pitchFamily="34" charset="0"/>
+            </a:endParaRPr>
+          </a:p>
+          <a:p>
+            <a:pPr marL="285750" indent="-285750">
+              <a:buFont typeface="Arial" panose="020B0604020202020204" pitchFamily="34" charset="0"/>
+              <a:buChar char="•"/>
+            </a:pPr>
+            <a:r>
+              <a:rPr lang="en-AU" dirty="0">
+                <a:solidFill>
+                  <a:schemeClr val="bg1"/>
+                </a:solidFill>
+                <a:latin typeface="Fira Sans" panose="020B0503050000020004" pitchFamily="34" charset="0"/>
+              </a:rPr>
+              <a:t>I tutored COMP3400 last semester</a:t>
+            </a:r>
+          </a:p>
+          <a:p>
+            <a:pPr marL="285750" indent="-285750">
+              <a:buFont typeface="Arial" panose="020B0604020202020204" pitchFamily="34" charset="0"/>
+              <a:buChar char="•"/>
+            </a:pPr>
+            <a:endParaRPr lang="en-AU" dirty="0">
+              <a:solidFill>
+                <a:schemeClr val="bg1"/>
+              </a:solidFill>
+              <a:latin typeface="Fira Sans" panose="020B0503050000020004" pitchFamily="34" charset="0"/>
+            </a:endParaRPr>
+          </a:p>
+          <a:p>
+            <a:pPr marL="285750" indent="-285750">
+              <a:buFont typeface="Arial" panose="020B0604020202020204" pitchFamily="34" charset="0"/>
+              <a:buChar char="•"/>
+            </a:pPr>
+            <a:r>
+              <a:rPr lang="en-AU" dirty="0">
+                <a:solidFill>
+                  <a:schemeClr val="bg1"/>
+                </a:solidFill>
+                <a:latin typeface="Fira Sans" panose="020B0503050000020004" pitchFamily="34" charset="0"/>
+              </a:rPr>
+              <a:t>I’m currently writing this slides midnight last night :33333333</a:t>
+            </a:r>
+          </a:p>
+        </p:txBody>
+      </p:sp>
+    </p:spTree>
+    <p:extLst>
+      <p:ext uri="{BB962C8B-B14F-4D97-AF65-F5344CB8AC3E}">
+        <p14:creationId xmlns:p14="http://schemas.microsoft.com/office/powerpoint/2010/main" val="1814327019"/>
       </p:ext>
     </p:extLst>
   </p:cSld>
